--- a/docs/deployment_guide/images/taosdata-tdengine-architecture-diagram.pptx
+++ b/docs/deployment_guide/images/taosdata-tdengine-architecture-diagram.pptx
@@ -259,7 +259,7 @@
           <a:p>
             <a:fld id="{C541A4BA-913B-2449-AA70-AF439D193A6E}" type="datetimeFigureOut">
               <a:rPr lang="en-US" smtClean="0"/>
-              <a:t>4/17/2023</a:t>
+              <a:t>4/25/2023</a:t>
             </a:fld>
             <a:endParaRPr lang="en-US"/>
           </a:p>
@@ -457,7 +457,7 @@
           <a:p>
             <a:fld id="{C541A4BA-913B-2449-AA70-AF439D193A6E}" type="datetimeFigureOut">
               <a:rPr lang="en-US" smtClean="0"/>
-              <a:t>4/17/2023</a:t>
+              <a:t>4/25/2023</a:t>
             </a:fld>
             <a:endParaRPr lang="en-US"/>
           </a:p>
@@ -665,7 +665,7 @@
           <a:p>
             <a:fld id="{C541A4BA-913B-2449-AA70-AF439D193A6E}" type="datetimeFigureOut">
               <a:rPr lang="en-US" smtClean="0"/>
-              <a:t>4/17/2023</a:t>
+              <a:t>4/25/2023</a:t>
             </a:fld>
             <a:endParaRPr lang="en-US"/>
           </a:p>
@@ -863,7 +863,7 @@
           <a:p>
             <a:fld id="{C541A4BA-913B-2449-AA70-AF439D193A6E}" type="datetimeFigureOut">
               <a:rPr lang="en-US" smtClean="0"/>
-              <a:t>4/17/2023</a:t>
+              <a:t>4/25/2023</a:t>
             </a:fld>
             <a:endParaRPr lang="en-US"/>
           </a:p>
@@ -1138,7 +1138,7 @@
           <a:p>
             <a:fld id="{C541A4BA-913B-2449-AA70-AF439D193A6E}" type="datetimeFigureOut">
               <a:rPr lang="en-US" smtClean="0"/>
-              <a:t>4/17/2023</a:t>
+              <a:t>4/25/2023</a:t>
             </a:fld>
             <a:endParaRPr lang="en-US"/>
           </a:p>
@@ -1403,7 +1403,7 @@
           <a:p>
             <a:fld id="{C541A4BA-913B-2449-AA70-AF439D193A6E}" type="datetimeFigureOut">
               <a:rPr lang="en-US" smtClean="0"/>
-              <a:t>4/17/2023</a:t>
+              <a:t>4/25/2023</a:t>
             </a:fld>
             <a:endParaRPr lang="en-US"/>
           </a:p>
@@ -1815,7 +1815,7 @@
           <a:p>
             <a:fld id="{C541A4BA-913B-2449-AA70-AF439D193A6E}" type="datetimeFigureOut">
               <a:rPr lang="en-US" smtClean="0"/>
-              <a:t>4/17/2023</a:t>
+              <a:t>4/25/2023</a:t>
             </a:fld>
             <a:endParaRPr lang="en-US"/>
           </a:p>
@@ -1956,7 +1956,7 @@
           <a:p>
             <a:fld id="{C541A4BA-913B-2449-AA70-AF439D193A6E}" type="datetimeFigureOut">
               <a:rPr lang="en-US" smtClean="0"/>
-              <a:t>4/17/2023</a:t>
+              <a:t>4/25/2023</a:t>
             </a:fld>
             <a:endParaRPr lang="en-US"/>
           </a:p>
@@ -2069,7 +2069,7 @@
           <a:p>
             <a:fld id="{C541A4BA-913B-2449-AA70-AF439D193A6E}" type="datetimeFigureOut">
               <a:rPr lang="en-US" smtClean="0"/>
-              <a:t>4/17/2023</a:t>
+              <a:t>4/25/2023</a:t>
             </a:fld>
             <a:endParaRPr lang="en-US"/>
           </a:p>
@@ -2380,7 +2380,7 @@
           <a:p>
             <a:fld id="{C541A4BA-913B-2449-AA70-AF439D193A6E}" type="datetimeFigureOut">
               <a:rPr lang="en-US" smtClean="0"/>
-              <a:t>4/17/2023</a:t>
+              <a:t>4/25/2023</a:t>
             </a:fld>
             <a:endParaRPr lang="en-US"/>
           </a:p>
@@ -2668,7 +2668,7 @@
           <a:p>
             <a:fld id="{C541A4BA-913B-2449-AA70-AF439D193A6E}" type="datetimeFigureOut">
               <a:rPr lang="en-US" smtClean="0"/>
-              <a:t>4/17/2023</a:t>
+              <a:t>4/25/2023</a:t>
             </a:fld>
             <a:endParaRPr lang="en-US"/>
           </a:p>
@@ -2909,7 +2909,7 @@
           <a:p>
             <a:fld id="{C541A4BA-913B-2449-AA70-AF439D193A6E}" type="datetimeFigureOut">
               <a:rPr lang="en-US" smtClean="0"/>
-              <a:t>4/17/2023</a:t>
+              <a:t>4/25/2023</a:t>
             </a:fld>
             <a:endParaRPr lang="en-US"/>
           </a:p>
@@ -3328,336 +3328,6 @@
       </p:grpSpPr>
       <p:sp>
         <p:nvSpPr>
-          <p:cNvPr id="40" name="TextBox 12">
-            <a:extLst>
-              <a:ext uri="{FF2B5EF4-FFF2-40B4-BE49-F238E27FC236}">
-                <a16:creationId xmlns:a16="http://schemas.microsoft.com/office/drawing/2014/main" id="{5975F2C6-1966-A620-FC68-32AD3BD74AFD}"/>
-              </a:ext>
-            </a:extLst>
-          </p:cNvPr>
-          <p:cNvSpPr txBox="1">
-            <a:spLocks noChangeArrowheads="1"/>
-          </p:cNvSpPr>
-          <p:nvPr/>
-        </p:nvSpPr>
-        <p:spPr bwMode="auto">
-          <a:xfrm>
-            <a:off x="8988554" y="3063240"/>
-            <a:ext cx="1920240" cy="457200"/>
-          </a:xfrm>
-          <a:prstGeom prst="rect">
-            <a:avLst/>
-          </a:prstGeom>
-          <a:noFill/>
-          <a:ln>
-            <a:noFill/>
-          </a:ln>
-          <a:extLst>
-            <a:ext uri="{909E8E84-426E-40DD-AFC4-6F175D3DCCD1}">
-              <a14:hiddenFill xmlns:a14="http://schemas.microsoft.com/office/drawing/2010/main">
-                <a:solidFill>
-                  <a:srgbClr val="FFFFFF"/>
-                </a:solidFill>
-              </a14:hiddenFill>
-            </a:ext>
-            <a:ext uri="{91240B29-F687-4F45-9708-019B960494DF}">
-              <a14:hiddenLine xmlns:a14="http://schemas.microsoft.com/office/drawing/2010/main" w="9525">
-                <a:solidFill>
-                  <a:srgbClr val="000000"/>
-                </a:solidFill>
-                <a:miter lim="800000"/>
-                <a:headEnd/>
-                <a:tailEnd/>
-              </a14:hiddenLine>
-            </a:ext>
-          </a:extLst>
-        </p:spPr>
-        <p:txBody>
-          <a:bodyPr>
-            <a:spAutoFit/>
-          </a:bodyPr>
-          <a:lstStyle>
-            <a:lvl1pPr>
-              <a:defRPr>
-                <a:solidFill>
-                  <a:schemeClr val="tx1"/>
-                </a:solidFill>
-                <a:latin typeface="Calibri" panose="020F0502020204030204" pitchFamily="34" charset="0"/>
-              </a:defRPr>
-            </a:lvl1pPr>
-            <a:lvl2pPr marL="742950" indent="-285750">
-              <a:defRPr>
-                <a:solidFill>
-                  <a:schemeClr val="tx1"/>
-                </a:solidFill>
-                <a:latin typeface="Calibri" panose="020F0502020204030204" pitchFamily="34" charset="0"/>
-              </a:defRPr>
-            </a:lvl2pPr>
-            <a:lvl3pPr marL="1143000" indent="-228600">
-              <a:defRPr>
-                <a:solidFill>
-                  <a:schemeClr val="tx1"/>
-                </a:solidFill>
-                <a:latin typeface="Calibri" panose="020F0502020204030204" pitchFamily="34" charset="0"/>
-              </a:defRPr>
-            </a:lvl3pPr>
-            <a:lvl4pPr marL="1600200" indent="-228600">
-              <a:defRPr>
-                <a:solidFill>
-                  <a:schemeClr val="tx1"/>
-                </a:solidFill>
-                <a:latin typeface="Calibri" panose="020F0502020204030204" pitchFamily="34" charset="0"/>
-              </a:defRPr>
-            </a:lvl4pPr>
-            <a:lvl5pPr marL="2057400" indent="-228600">
-              <a:defRPr>
-                <a:solidFill>
-                  <a:schemeClr val="tx1"/>
-                </a:solidFill>
-                <a:latin typeface="Calibri" panose="020F0502020204030204" pitchFamily="34" charset="0"/>
-              </a:defRPr>
-            </a:lvl5pPr>
-            <a:lvl6pPr marL="2514600" indent="-228600" eaLnBrk="0" fontAlgn="base" hangingPunct="0">
-              <a:spcBef>
-                <a:spcPct val="0"/>
-              </a:spcBef>
-              <a:spcAft>
-                <a:spcPct val="0"/>
-              </a:spcAft>
-              <a:defRPr>
-                <a:solidFill>
-                  <a:schemeClr val="tx1"/>
-                </a:solidFill>
-                <a:latin typeface="Calibri" panose="020F0502020204030204" pitchFamily="34" charset="0"/>
-              </a:defRPr>
-            </a:lvl6pPr>
-            <a:lvl7pPr marL="2971800" indent="-228600" eaLnBrk="0" fontAlgn="base" hangingPunct="0">
-              <a:spcBef>
-                <a:spcPct val="0"/>
-              </a:spcBef>
-              <a:spcAft>
-                <a:spcPct val="0"/>
-              </a:spcAft>
-              <a:defRPr>
-                <a:solidFill>
-                  <a:schemeClr val="tx1"/>
-                </a:solidFill>
-                <a:latin typeface="Calibri" panose="020F0502020204030204" pitchFamily="34" charset="0"/>
-              </a:defRPr>
-            </a:lvl7pPr>
-            <a:lvl8pPr marL="3429000" indent="-228600" eaLnBrk="0" fontAlgn="base" hangingPunct="0">
-              <a:spcBef>
-                <a:spcPct val="0"/>
-              </a:spcBef>
-              <a:spcAft>
-                <a:spcPct val="0"/>
-              </a:spcAft>
-              <a:defRPr>
-                <a:solidFill>
-                  <a:schemeClr val="tx1"/>
-                </a:solidFill>
-                <a:latin typeface="Calibri" panose="020F0502020204030204" pitchFamily="34" charset="0"/>
-              </a:defRPr>
-            </a:lvl8pPr>
-            <a:lvl9pPr marL="3886200" indent="-228600" eaLnBrk="0" fontAlgn="base" hangingPunct="0">
-              <a:spcBef>
-                <a:spcPct val="0"/>
-              </a:spcBef>
-              <a:spcAft>
-                <a:spcPct val="0"/>
-              </a:spcAft>
-              <a:defRPr>
-                <a:solidFill>
-                  <a:schemeClr val="tx1"/>
-                </a:solidFill>
-                <a:latin typeface="Calibri" panose="020F0502020204030204" pitchFamily="34" charset="0"/>
-              </a:defRPr>
-            </a:lvl9pPr>
-          </a:lstStyle>
-          <a:p>
-            <a:pPr algn="ctr" eaLnBrk="1" hangingPunct="1"/>
-            <a:r>
-              <a:rPr lang="en-US" sz="1200" b="0" i="0" dirty="0">
-                <a:solidFill>
-                  <a:srgbClr val="333333"/>
-                </a:solidFill>
-                <a:effectLst/>
-                <a:latin typeface="Arial" panose="020B0604020202020204" pitchFamily="34" charset="0"/>
-                <a:cs typeface="Arial" panose="020B0604020202020204" pitchFamily="34" charset="0"/>
-              </a:rPr>
-              <a:t>AWS Identity and Access Management (IAM)</a:t>
-            </a:r>
-            <a:endParaRPr lang="en-US" altLang="en-US" sz="1200" dirty="0">
-              <a:latin typeface="Arial" panose="020B0604020202020204" pitchFamily="34" charset="0"/>
-              <a:ea typeface="Amazon Ember" panose="020B0603020204020204" pitchFamily="34" charset="0"/>
-              <a:cs typeface="Arial" panose="020B0604020202020204" pitchFamily="34" charset="0"/>
-            </a:endParaRPr>
-          </a:p>
-        </p:txBody>
-      </p:sp>
-      <p:sp>
-        <p:nvSpPr>
-          <p:cNvPr id="42" name="TextBox 9">
-            <a:extLst>
-              <a:ext uri="{FF2B5EF4-FFF2-40B4-BE49-F238E27FC236}">
-                <a16:creationId xmlns:a16="http://schemas.microsoft.com/office/drawing/2014/main" id="{6090537A-7947-494C-0826-4FB96CDD8225}"/>
-              </a:ext>
-            </a:extLst>
-          </p:cNvPr>
-          <p:cNvSpPr txBox="1">
-            <a:spLocks noChangeArrowheads="1"/>
-          </p:cNvSpPr>
-          <p:nvPr/>
-        </p:nvSpPr>
-        <p:spPr bwMode="auto">
-          <a:xfrm>
-            <a:off x="8988552" y="1691640"/>
-            <a:ext cx="1828800" cy="461665"/>
-          </a:xfrm>
-          <a:prstGeom prst="rect">
-            <a:avLst/>
-          </a:prstGeom>
-          <a:noFill/>
-          <a:ln>
-            <a:noFill/>
-          </a:ln>
-          <a:extLst>
-            <a:ext uri="{909E8E84-426E-40DD-AFC4-6F175D3DCCD1}">
-              <a14:hiddenFill xmlns:a14="http://schemas.microsoft.com/office/drawing/2010/main">
-                <a:solidFill>
-                  <a:srgbClr val="FFFFFF"/>
-                </a:solidFill>
-              </a14:hiddenFill>
-            </a:ext>
-            <a:ext uri="{91240B29-F687-4F45-9708-019B960494DF}">
-              <a14:hiddenLine xmlns:a14="http://schemas.microsoft.com/office/drawing/2010/main" w="9525">
-                <a:solidFill>
-                  <a:srgbClr val="000000"/>
-                </a:solidFill>
-                <a:miter lim="800000"/>
-                <a:headEnd/>
-                <a:tailEnd/>
-              </a14:hiddenLine>
-            </a:ext>
-          </a:extLst>
-        </p:spPr>
-        <p:txBody>
-          <a:bodyPr>
-            <a:spAutoFit/>
-          </a:bodyPr>
-          <a:lstStyle>
-            <a:lvl1pPr>
-              <a:defRPr>
-                <a:solidFill>
-                  <a:schemeClr val="tx1"/>
-                </a:solidFill>
-                <a:latin typeface="Calibri" panose="020F0502020204030204" pitchFamily="34" charset="0"/>
-              </a:defRPr>
-            </a:lvl1pPr>
-            <a:lvl2pPr marL="742950" indent="-285750">
-              <a:defRPr>
-                <a:solidFill>
-                  <a:schemeClr val="tx1"/>
-                </a:solidFill>
-                <a:latin typeface="Calibri" panose="020F0502020204030204" pitchFamily="34" charset="0"/>
-              </a:defRPr>
-            </a:lvl2pPr>
-            <a:lvl3pPr marL="1143000" indent="-228600">
-              <a:defRPr>
-                <a:solidFill>
-                  <a:schemeClr val="tx1"/>
-                </a:solidFill>
-                <a:latin typeface="Calibri" panose="020F0502020204030204" pitchFamily="34" charset="0"/>
-              </a:defRPr>
-            </a:lvl3pPr>
-            <a:lvl4pPr marL="1600200" indent="-228600">
-              <a:defRPr>
-                <a:solidFill>
-                  <a:schemeClr val="tx1"/>
-                </a:solidFill>
-                <a:latin typeface="Calibri" panose="020F0502020204030204" pitchFamily="34" charset="0"/>
-              </a:defRPr>
-            </a:lvl4pPr>
-            <a:lvl5pPr marL="2057400" indent="-228600">
-              <a:defRPr>
-                <a:solidFill>
-                  <a:schemeClr val="tx1"/>
-                </a:solidFill>
-                <a:latin typeface="Calibri" panose="020F0502020204030204" pitchFamily="34" charset="0"/>
-              </a:defRPr>
-            </a:lvl5pPr>
-            <a:lvl6pPr marL="2514600" indent="-228600" eaLnBrk="0" fontAlgn="base" hangingPunct="0">
-              <a:spcBef>
-                <a:spcPct val="0"/>
-              </a:spcBef>
-              <a:spcAft>
-                <a:spcPct val="0"/>
-              </a:spcAft>
-              <a:defRPr>
-                <a:solidFill>
-                  <a:schemeClr val="tx1"/>
-                </a:solidFill>
-                <a:latin typeface="Calibri" panose="020F0502020204030204" pitchFamily="34" charset="0"/>
-              </a:defRPr>
-            </a:lvl6pPr>
-            <a:lvl7pPr marL="2971800" indent="-228600" eaLnBrk="0" fontAlgn="base" hangingPunct="0">
-              <a:spcBef>
-                <a:spcPct val="0"/>
-              </a:spcBef>
-              <a:spcAft>
-                <a:spcPct val="0"/>
-              </a:spcAft>
-              <a:defRPr>
-                <a:solidFill>
-                  <a:schemeClr val="tx1"/>
-                </a:solidFill>
-                <a:latin typeface="Calibri" panose="020F0502020204030204" pitchFamily="34" charset="0"/>
-              </a:defRPr>
-            </a:lvl7pPr>
-            <a:lvl8pPr marL="3429000" indent="-228600" eaLnBrk="0" fontAlgn="base" hangingPunct="0">
-              <a:spcBef>
-                <a:spcPct val="0"/>
-              </a:spcBef>
-              <a:spcAft>
-                <a:spcPct val="0"/>
-              </a:spcAft>
-              <a:defRPr>
-                <a:solidFill>
-                  <a:schemeClr val="tx1"/>
-                </a:solidFill>
-                <a:latin typeface="Calibri" panose="020F0502020204030204" pitchFamily="34" charset="0"/>
-              </a:defRPr>
-            </a:lvl8pPr>
-            <a:lvl9pPr marL="3886200" indent="-228600" eaLnBrk="0" fontAlgn="base" hangingPunct="0">
-              <a:spcBef>
-                <a:spcPct val="0"/>
-              </a:spcBef>
-              <a:spcAft>
-                <a:spcPct val="0"/>
-              </a:spcAft>
-              <a:defRPr>
-                <a:solidFill>
-                  <a:schemeClr val="tx1"/>
-                </a:solidFill>
-                <a:latin typeface="Calibri" panose="020F0502020204030204" pitchFamily="34" charset="0"/>
-              </a:defRPr>
-            </a:lvl9pPr>
-          </a:lstStyle>
-          <a:p>
-            <a:pPr algn="ctr" eaLnBrk="1" hangingPunct="1"/>
-            <a:r>
-              <a:rPr lang="en-US" altLang="en-US" sz="1200" dirty="0">
-                <a:latin typeface="Arial" panose="020B0604020202020204" pitchFamily="34" charset="0"/>
-                <a:ea typeface="Amazon Ember" panose="020B0603020204020204" pitchFamily="34" charset="0"/>
-                <a:cs typeface="Arial" panose="020B0604020202020204" pitchFamily="34" charset="0"/>
-              </a:rPr>
-              <a:t>Amazon Simple Storage Service (Amazon S3)</a:t>
-            </a:r>
-          </a:p>
-        </p:txBody>
-      </p:sp>
-      <p:sp>
-        <p:nvSpPr>
           <p:cNvPr id="6" name="Rectangle 5">
             <a:extLst>
               <a:ext uri="{FF2B5EF4-FFF2-40B4-BE49-F238E27FC236}">
@@ -3670,8 +3340,8 @@
         </p:nvSpPr>
         <p:spPr>
           <a:xfrm>
-            <a:off x="365760" y="274320"/>
-            <a:ext cx="10607040" cy="6126480"/>
+            <a:off x="365760" y="457200"/>
+            <a:ext cx="9509760" cy="5852160"/>
           </a:xfrm>
           <a:prstGeom prst="rect">
             <a:avLst/>
@@ -3752,7 +3422,7 @@
         </p:blipFill>
         <p:spPr>
           <a:xfrm>
-            <a:off x="365761" y="274320"/>
+            <a:off x="365761" y="457200"/>
             <a:ext cx="381000" cy="381000"/>
           </a:xfrm>
           <a:prstGeom prst="rect">
@@ -3760,126 +3430,6 @@
           </a:prstGeom>
         </p:spPr>
       </p:pic>
-      <p:pic>
-        <p:nvPicPr>
-          <p:cNvPr id="39" name="Graphic 19">
-            <a:extLst>
-              <a:ext uri="{FF2B5EF4-FFF2-40B4-BE49-F238E27FC236}">
-                <a16:creationId xmlns:a16="http://schemas.microsoft.com/office/drawing/2014/main" id="{705EC96F-93AC-DA03-BE89-2E6843C45C72}"/>
-              </a:ext>
-            </a:extLst>
-          </p:cNvPr>
-          <p:cNvPicPr>
-            <a:picLocks noChangeAspect="1" noChangeArrowheads="1"/>
-          </p:cNvPicPr>
-          <p:nvPr/>
-        </p:nvPicPr>
-        <p:blipFill>
-          <a:blip r:embed="rId4">
-            <a:extLst>
-              <a:ext uri="{28A0092B-C50C-407E-A947-70E740481C1C}">
-                <a14:useLocalDpi xmlns:a14="http://schemas.microsoft.com/office/drawing/2010/main" val="0"/>
-              </a:ext>
-            </a:extLst>
-          </a:blip>
-          <a:srcRect/>
-          <a:stretch>
-            <a:fillRect/>
-          </a:stretch>
-        </p:blipFill>
-        <p:spPr bwMode="auto">
-          <a:xfrm>
-            <a:off x="9527317" y="2286000"/>
-            <a:ext cx="762000" cy="762000"/>
-          </a:xfrm>
-          <a:prstGeom prst="rect">
-            <a:avLst/>
-          </a:prstGeom>
-          <a:noFill/>
-          <a:ln>
-            <a:noFill/>
-          </a:ln>
-          <a:extLst>
-            <a:ext uri="{909E8E84-426E-40DD-AFC4-6F175D3DCCD1}">
-              <a14:hiddenFill xmlns:a14="http://schemas.microsoft.com/office/drawing/2010/main">
-                <a:solidFill>
-                  <a:srgbClr val="FFFFFF"/>
-                </a:solidFill>
-              </a14:hiddenFill>
-            </a:ext>
-            <a:ext uri="{91240B29-F687-4F45-9708-019B960494DF}">
-              <a14:hiddenLine xmlns:a14="http://schemas.microsoft.com/office/drawing/2010/main" w="9525">
-                <a:solidFill>
-                  <a:srgbClr val="000000"/>
-                </a:solidFill>
-                <a:miter lim="800000"/>
-                <a:headEnd/>
-                <a:tailEnd/>
-              </a14:hiddenLine>
-            </a:ext>
-          </a:extLst>
-        </p:spPr>
-      </p:pic>
-      <p:pic>
-        <p:nvPicPr>
-          <p:cNvPr id="41" name="Graphic 8">
-            <a:extLst>
-              <a:ext uri="{FF2B5EF4-FFF2-40B4-BE49-F238E27FC236}">
-                <a16:creationId xmlns:a16="http://schemas.microsoft.com/office/drawing/2014/main" id="{5EEB4156-9585-C2EF-7A00-F28A20A3654E}"/>
-              </a:ext>
-            </a:extLst>
-          </p:cNvPr>
-          <p:cNvPicPr>
-            <a:picLocks noChangeAspect="1" noChangeArrowheads="1"/>
-          </p:cNvPicPr>
-          <p:nvPr/>
-        </p:nvPicPr>
-        <p:blipFill>
-          <a:blip r:embed="rId5">
-            <a:extLst>
-              <a:ext uri="{28A0092B-C50C-407E-A947-70E740481C1C}">
-                <a14:useLocalDpi xmlns:a14="http://schemas.microsoft.com/office/drawing/2010/main" val="0"/>
-              </a:ext>
-            </a:extLst>
-          </a:blip>
-          <a:srcRect/>
-          <a:stretch>
-            <a:fillRect/>
-          </a:stretch>
-        </p:blipFill>
-        <p:spPr bwMode="auto">
-          <a:xfrm>
-            <a:off x="9527317" y="914400"/>
-            <a:ext cx="762000" cy="762000"/>
-          </a:xfrm>
-          <a:prstGeom prst="rect">
-            <a:avLst/>
-          </a:prstGeom>
-          <a:noFill/>
-          <a:ln>
-            <a:noFill/>
-          </a:ln>
-          <a:extLst>
-            <a:ext uri="{909E8E84-426E-40DD-AFC4-6F175D3DCCD1}">
-              <a14:hiddenFill xmlns:a14="http://schemas.microsoft.com/office/drawing/2010/main">
-                <a:solidFill>
-                  <a:srgbClr val="FFFFFF"/>
-                </a:solidFill>
-              </a14:hiddenFill>
-            </a:ext>
-            <a:ext uri="{91240B29-F687-4F45-9708-019B960494DF}">
-              <a14:hiddenLine xmlns:a14="http://schemas.microsoft.com/office/drawing/2010/main" w="9525">
-                <a:solidFill>
-                  <a:srgbClr val="000000"/>
-                </a:solidFill>
-                <a:miter lim="800000"/>
-                <a:headEnd/>
-                <a:tailEnd/>
-              </a14:hiddenLine>
-            </a:ext>
-          </a:extLst>
-        </p:spPr>
-      </p:pic>
       <p:sp>
         <p:nvSpPr>
           <p:cNvPr id="8" name="Rectangle 7">
@@ -3894,8 +3444,8 @@
         </p:nvSpPr>
         <p:spPr>
           <a:xfrm>
-            <a:off x="822961" y="822960"/>
-            <a:ext cx="7955280" cy="5303520"/>
+            <a:off x="822961" y="1280160"/>
+            <a:ext cx="7589520" cy="4663440"/>
           </a:xfrm>
           <a:prstGeom prst="rect">
             <a:avLst/>
@@ -3952,10 +3502,10 @@
       </p:sp>
       <p:sp>
         <p:nvSpPr>
-          <p:cNvPr id="10" name="Rectangle 9">
-            <a:extLst>
-              <a:ext uri="{FF2B5EF4-FFF2-40B4-BE49-F238E27FC236}">
-                <a16:creationId xmlns:a16="http://schemas.microsoft.com/office/drawing/2014/main" id="{DC4B8EF8-5321-E056-A9C8-20D0CD4D3C1E}"/>
+          <p:cNvPr id="11" name="Rectangle 10">
+            <a:extLst>
+              <a:ext uri="{FF2B5EF4-FFF2-40B4-BE49-F238E27FC236}">
+                <a16:creationId xmlns:a16="http://schemas.microsoft.com/office/drawing/2014/main" id="{4CAAE08C-7B7E-44C1-61C5-74C0C562E10C}"/>
               </a:ext>
             </a:extLst>
           </p:cNvPr>
@@ -3964,8 +3514,8 @@
         </p:nvSpPr>
         <p:spPr>
           <a:xfrm>
-            <a:off x="5715001" y="1280160"/>
-            <a:ext cx="2651760" cy="4663440"/>
+            <a:off x="1828800" y="914400"/>
+            <a:ext cx="2011680" cy="5120640"/>
           </a:xfrm>
           <a:prstGeom prst="rect">
             <a:avLst/>
@@ -4015,231 +3565,17 @@
                 <a:latin typeface="Arial" panose="020B0604020202020204" pitchFamily="34" charset="0"/>
                 <a:cs typeface="Arial" panose="020B0604020202020204" pitchFamily="34" charset="0"/>
               </a:rPr>
-              <a:t>Availability Zone 2</a:t>
-            </a:r>
-          </a:p>
-        </p:txBody>
-      </p:sp>
-      <p:sp>
-        <p:nvSpPr>
-          <p:cNvPr id="11" name="Rectangle 10">
-            <a:extLst>
-              <a:ext uri="{FF2B5EF4-FFF2-40B4-BE49-F238E27FC236}">
-                <a16:creationId xmlns:a16="http://schemas.microsoft.com/office/drawing/2014/main" id="{4CAAE08C-7B7E-44C1-61C5-74C0C562E10C}"/>
-              </a:ext>
-            </a:extLst>
-          </p:cNvPr>
-          <p:cNvSpPr/>
-          <p:nvPr/>
-        </p:nvSpPr>
-        <p:spPr>
-          <a:xfrm>
-            <a:off x="1373973" y="1280160"/>
-            <a:ext cx="2651760" cy="4663440"/>
-          </a:xfrm>
-          <a:prstGeom prst="rect">
-            <a:avLst/>
-          </a:prstGeom>
-          <a:noFill/>
-          <a:ln w="12700">
-            <a:solidFill>
-              <a:srgbClr val="5B9CD5"/>
-            </a:solidFill>
-            <a:prstDash val="dash"/>
-          </a:ln>
-        </p:spPr>
-        <p:style>
-          <a:lnRef idx="2">
-            <a:schemeClr val="accent1">
-              <a:shade val="50000"/>
-            </a:schemeClr>
-          </a:lnRef>
-          <a:fillRef idx="1">
-            <a:schemeClr val="accent1"/>
-          </a:fillRef>
-          <a:effectRef idx="0">
-            <a:schemeClr val="accent1"/>
-          </a:effectRef>
-          <a:fontRef idx="minor">
-            <a:schemeClr val="lt1"/>
-          </a:fontRef>
-        </p:style>
-        <p:txBody>
-          <a:bodyPr tIns="91440"/>
-          <a:lstStyle/>
-          <a:p>
-            <a:pPr algn="ctr" eaLnBrk="1" fontAlgn="auto" hangingPunct="1">
-              <a:spcBef>
-                <a:spcPts val="0"/>
-              </a:spcBef>
-              <a:spcAft>
-                <a:spcPts val="0"/>
-              </a:spcAft>
-              <a:defRPr/>
-            </a:pPr>
-            <a:r>
-              <a:rPr lang="en-US" sz="1200" dirty="0">
-                <a:solidFill>
-                  <a:srgbClr val="5B9CD5"/>
-                </a:solidFill>
-                <a:latin typeface="Arial" panose="020B0604020202020204" pitchFamily="34" charset="0"/>
-                <a:cs typeface="Arial" panose="020B0604020202020204" pitchFamily="34" charset="0"/>
-              </a:rPr>
               <a:t>Availability Zone 1</a:t>
-            </a:r>
-          </a:p>
-        </p:txBody>
-      </p:sp>
-      <p:sp>
-        <p:nvSpPr>
-          <p:cNvPr id="17" name="Rectangle 16">
-            <a:extLst>
-              <a:ext uri="{FF2B5EF4-FFF2-40B4-BE49-F238E27FC236}">
-                <a16:creationId xmlns:a16="http://schemas.microsoft.com/office/drawing/2014/main" id="{643CC51D-CC44-FCDA-A513-C95C2ED0C2C7}"/>
-              </a:ext>
-            </a:extLst>
-          </p:cNvPr>
-          <p:cNvSpPr/>
-          <p:nvPr/>
-        </p:nvSpPr>
-        <p:spPr>
-          <a:xfrm>
-            <a:off x="1508962" y="1586439"/>
-            <a:ext cx="2377440" cy="1554480"/>
-          </a:xfrm>
-          <a:prstGeom prst="rect">
-            <a:avLst/>
-          </a:prstGeom>
-          <a:solidFill>
-            <a:srgbClr val="1D8900">
-              <a:alpha val="9804"/>
-            </a:srgbClr>
-          </a:solidFill>
-          <a:ln w="12700">
-            <a:noFill/>
-            <a:prstDash val="dash"/>
-          </a:ln>
-        </p:spPr>
-        <p:style>
-          <a:lnRef idx="2">
-            <a:schemeClr val="accent1">
-              <a:shade val="50000"/>
-            </a:schemeClr>
-          </a:lnRef>
-          <a:fillRef idx="1">
-            <a:schemeClr val="accent1"/>
-          </a:fillRef>
-          <a:effectRef idx="0">
-            <a:schemeClr val="accent1"/>
-          </a:effectRef>
-          <a:fontRef idx="minor">
-            <a:schemeClr val="lt1"/>
-          </a:fontRef>
-        </p:style>
-        <p:txBody>
-          <a:bodyPr lIns="502920"/>
-          <a:lstStyle/>
-          <a:p>
-            <a:pPr eaLnBrk="1" fontAlgn="auto" hangingPunct="1">
-              <a:spcBef>
-                <a:spcPts val="0"/>
-              </a:spcBef>
-              <a:spcAft>
-                <a:spcPts val="0"/>
-              </a:spcAft>
-              <a:defRPr/>
-            </a:pPr>
-            <a:r>
-              <a:rPr lang="en-US" sz="1200" dirty="0">
-                <a:solidFill>
-                  <a:srgbClr val="1E8900"/>
-                </a:solidFill>
-                <a:latin typeface="Arial" panose="020B0604020202020204" pitchFamily="34" charset="0"/>
-                <a:cs typeface="Arial" panose="020B0604020202020204" pitchFamily="34" charset="0"/>
-              </a:rPr>
-              <a:t>Public subnet</a:t>
-            </a:r>
-          </a:p>
-        </p:txBody>
-      </p:sp>
-      <p:sp>
-        <p:nvSpPr>
-          <p:cNvPr id="18" name="Rectangle 17">
-            <a:extLst>
-              <a:ext uri="{FF2B5EF4-FFF2-40B4-BE49-F238E27FC236}">
-                <a16:creationId xmlns:a16="http://schemas.microsoft.com/office/drawing/2014/main" id="{5DCF90B3-A342-6AFD-CB16-C150A89A63DA}"/>
-              </a:ext>
-            </a:extLst>
-          </p:cNvPr>
-          <p:cNvSpPr/>
-          <p:nvPr/>
-        </p:nvSpPr>
-        <p:spPr>
-          <a:xfrm>
-            <a:off x="5852160" y="1590408"/>
-            <a:ext cx="2377440" cy="1554480"/>
-          </a:xfrm>
-          <a:prstGeom prst="rect">
-            <a:avLst/>
-          </a:prstGeom>
-          <a:solidFill>
-            <a:srgbClr val="1D8900">
-              <a:alpha val="9804"/>
-            </a:srgbClr>
-          </a:solidFill>
-          <a:ln w="12700">
-            <a:noFill/>
-            <a:prstDash val="dash"/>
-          </a:ln>
-        </p:spPr>
-        <p:style>
-          <a:lnRef idx="2">
-            <a:schemeClr val="accent1">
-              <a:shade val="50000"/>
-            </a:schemeClr>
-          </a:lnRef>
-          <a:fillRef idx="1">
-            <a:schemeClr val="accent1"/>
-          </a:fillRef>
-          <a:effectRef idx="0">
-            <a:schemeClr val="accent1"/>
-          </a:effectRef>
-          <a:fontRef idx="minor">
-            <a:schemeClr val="lt1"/>
-          </a:fontRef>
-        </p:style>
-        <p:txBody>
-          <a:bodyPr lIns="502920"/>
-          <a:lstStyle/>
-          <a:p>
-            <a:pPr eaLnBrk="1" fontAlgn="auto" hangingPunct="1">
-              <a:spcBef>
-                <a:spcPts val="0"/>
-              </a:spcBef>
-              <a:spcAft>
-                <a:spcPts val="0"/>
-              </a:spcAft>
-              <a:defRPr/>
-            </a:pPr>
-            <a:r>
-              <a:rPr lang="en-US" sz="1200" dirty="0">
-                <a:solidFill>
-                  <a:srgbClr val="1E8900"/>
-                </a:solidFill>
-                <a:latin typeface="Arial" panose="020B0604020202020204" pitchFamily="34" charset="0"/>
-                <a:cs typeface="Arial" panose="020B0604020202020204" pitchFamily="34" charset="0"/>
-              </a:rPr>
-              <a:t>Public subnet</a:t>
             </a:r>
           </a:p>
         </p:txBody>
       </p:sp>
       <p:pic>
         <p:nvPicPr>
-          <p:cNvPr id="19" name="Graphic 18">
-            <a:extLst>
-              <a:ext uri="{FF2B5EF4-FFF2-40B4-BE49-F238E27FC236}">
-                <a16:creationId xmlns:a16="http://schemas.microsoft.com/office/drawing/2014/main" id="{9950E88D-2300-C388-E325-61CF553996DA}"/>
+          <p:cNvPr id="44" name="Graphic 43">
+            <a:extLst>
+              <a:ext uri="{FF2B5EF4-FFF2-40B4-BE49-F238E27FC236}">
+                <a16:creationId xmlns:a16="http://schemas.microsoft.com/office/drawing/2014/main" id="{4C1C72F2-5754-44DD-8C69-ECD740AEB6D4}"/>
               </a:ext>
             </a:extLst>
           </p:cNvPr>
@@ -4249,20 +3585,19 @@
           <p:nvPr/>
         </p:nvPicPr>
         <p:blipFill>
-          <a:blip r:embed="rId6">
+          <a:blip r:embed="rId4">
             <a:extLst>
               <a:ext uri="{96DAC541-7B7A-43D3-8B79-37D633B846F1}">
-                <asvg:svgBlip xmlns:asvg="http://schemas.microsoft.com/office/drawing/2016/SVG/main" r:embed="rId7"/>
+                <asvg:svgBlip xmlns:asvg="http://schemas.microsoft.com/office/drawing/2016/SVG/main" r:embed="rId5"/>
               </a:ext>
             </a:extLst>
           </a:blip>
-          <a:stretch>
-            <a:fillRect/>
-          </a:stretch>
+          <a:srcRect/>
+          <a:stretch/>
         </p:blipFill>
         <p:spPr>
           <a:xfrm>
-            <a:off x="5852161" y="1586439"/>
+            <a:off x="822961" y="1280160"/>
             <a:ext cx="381000" cy="381000"/>
           </a:xfrm>
           <a:prstGeom prst="rect">
@@ -4270,853 +3605,12 @@
           </a:prstGeom>
         </p:spPr>
       </p:pic>
-      <p:pic>
-        <p:nvPicPr>
-          <p:cNvPr id="20" name="Graphic 19">
-            <a:extLst>
-              <a:ext uri="{FF2B5EF4-FFF2-40B4-BE49-F238E27FC236}">
-                <a16:creationId xmlns:a16="http://schemas.microsoft.com/office/drawing/2014/main" id="{39A5444F-118E-AEBD-73C2-309188BA8764}"/>
-              </a:ext>
-            </a:extLst>
-          </p:cNvPr>
-          <p:cNvPicPr>
-            <a:picLocks noChangeAspect="1"/>
-          </p:cNvPicPr>
-          <p:nvPr/>
-        </p:nvPicPr>
-        <p:blipFill>
-          <a:blip r:embed="rId6">
-            <a:extLst>
-              <a:ext uri="{96DAC541-7B7A-43D3-8B79-37D633B846F1}">
-                <asvg:svgBlip xmlns:asvg="http://schemas.microsoft.com/office/drawing/2016/SVG/main" r:embed="rId7"/>
-              </a:ext>
-            </a:extLst>
-          </a:blip>
-          <a:stretch>
-            <a:fillRect/>
-          </a:stretch>
-        </p:blipFill>
-        <p:spPr>
-          <a:xfrm>
-            <a:off x="1508961" y="1586439"/>
-            <a:ext cx="381000" cy="381000"/>
-          </a:xfrm>
-          <a:prstGeom prst="rect">
-            <a:avLst/>
-          </a:prstGeom>
-        </p:spPr>
-      </p:pic>
-      <p:sp>
-        <p:nvSpPr>
-          <p:cNvPr id="21" name="Rectangle 20">
-            <a:extLst>
-              <a:ext uri="{FF2B5EF4-FFF2-40B4-BE49-F238E27FC236}">
-                <a16:creationId xmlns:a16="http://schemas.microsoft.com/office/drawing/2014/main" id="{896961DF-C288-91B3-110F-FAF9288F0EB9}"/>
-              </a:ext>
-            </a:extLst>
-          </p:cNvPr>
-          <p:cNvSpPr/>
-          <p:nvPr/>
-        </p:nvSpPr>
-        <p:spPr>
-          <a:xfrm>
-            <a:off x="2834641" y="2103120"/>
-            <a:ext cx="4023360" cy="822960"/>
-          </a:xfrm>
-          <a:prstGeom prst="rect">
-            <a:avLst/>
-          </a:prstGeom>
-          <a:noFill/>
-          <a:ln w="12700">
-            <a:solidFill>
-              <a:srgbClr val="D86613"/>
-            </a:solidFill>
-            <a:prstDash val="dash"/>
-          </a:ln>
-        </p:spPr>
-        <p:style>
-          <a:lnRef idx="2">
-            <a:schemeClr val="accent1">
-              <a:shade val="50000"/>
-            </a:schemeClr>
-          </a:lnRef>
-          <a:fillRef idx="1">
-            <a:schemeClr val="accent1"/>
-          </a:fillRef>
-          <a:effectRef idx="0">
-            <a:schemeClr val="accent1"/>
-          </a:effectRef>
-          <a:fontRef idx="minor">
-            <a:schemeClr val="lt1"/>
-          </a:fontRef>
-        </p:style>
-        <p:txBody>
-          <a:bodyPr tIns="91440"/>
-          <a:lstStyle/>
-          <a:p>
-            <a:pPr algn="ctr" eaLnBrk="1" fontAlgn="auto" hangingPunct="1">
-              <a:spcBef>
-                <a:spcPts val="0"/>
-              </a:spcBef>
-              <a:spcAft>
-                <a:spcPts val="0"/>
-              </a:spcAft>
-              <a:defRPr/>
-            </a:pPr>
-            <a:endParaRPr lang="en-US" sz="1200" dirty="0">
-              <a:solidFill>
-                <a:srgbClr val="D86613"/>
-              </a:solidFill>
-              <a:latin typeface="Arial" panose="020B0604020202020204" pitchFamily="34" charset="0"/>
-              <a:cs typeface="Arial" panose="020B0604020202020204" pitchFamily="34" charset="0"/>
-            </a:endParaRPr>
-          </a:p>
-          <a:p>
-            <a:pPr algn="ctr" eaLnBrk="1" fontAlgn="auto" hangingPunct="1">
-              <a:spcBef>
-                <a:spcPts val="0"/>
-              </a:spcBef>
-              <a:spcAft>
-                <a:spcPts val="0"/>
-              </a:spcAft>
-              <a:defRPr/>
-            </a:pPr>
-            <a:endParaRPr lang="en-US" sz="1200" dirty="0">
-              <a:solidFill>
-                <a:srgbClr val="D86613"/>
-              </a:solidFill>
-              <a:latin typeface="Arial" panose="020B0604020202020204" pitchFamily="34" charset="0"/>
-              <a:cs typeface="Arial" panose="020B0604020202020204" pitchFamily="34" charset="0"/>
-            </a:endParaRPr>
-          </a:p>
-          <a:p>
-            <a:pPr algn="ctr" eaLnBrk="1" fontAlgn="auto" hangingPunct="1">
-              <a:spcBef>
-                <a:spcPts val="0"/>
-              </a:spcBef>
-              <a:spcAft>
-                <a:spcPts val="0"/>
-              </a:spcAft>
-              <a:defRPr/>
-            </a:pPr>
-            <a:r>
-              <a:rPr lang="en-US" sz="1200" dirty="0">
-                <a:solidFill>
-                  <a:srgbClr val="D86613"/>
-                </a:solidFill>
-                <a:latin typeface="Arial" panose="020B0604020202020204" pitchFamily="34" charset="0"/>
-                <a:cs typeface="Arial" panose="020B0604020202020204" pitchFamily="34" charset="0"/>
-              </a:rPr>
-              <a:t>Auto Scaling group</a:t>
-            </a:r>
-          </a:p>
-        </p:txBody>
-      </p:sp>
-      <p:pic>
-        <p:nvPicPr>
-          <p:cNvPr id="22" name="Graphic 21">
-            <a:extLst>
-              <a:ext uri="{FF2B5EF4-FFF2-40B4-BE49-F238E27FC236}">
-                <a16:creationId xmlns:a16="http://schemas.microsoft.com/office/drawing/2014/main" id="{39F04247-847A-E757-D191-D1FB26D6B0C0}"/>
-              </a:ext>
-            </a:extLst>
-          </p:cNvPr>
-          <p:cNvPicPr>
-            <a:picLocks noChangeAspect="1"/>
-          </p:cNvPicPr>
-          <p:nvPr/>
-        </p:nvPicPr>
-        <p:blipFill>
-          <a:blip r:embed="rId8">
-            <a:extLst>
-              <a:ext uri="{96DAC541-7B7A-43D3-8B79-37D633B846F1}">
-                <asvg:svgBlip xmlns:asvg="http://schemas.microsoft.com/office/drawing/2016/SVG/main" r:embed="rId9"/>
-              </a:ext>
-            </a:extLst>
-          </a:blip>
-          <a:stretch>
-            <a:fillRect/>
-          </a:stretch>
-        </p:blipFill>
-        <p:spPr>
-          <a:xfrm>
-            <a:off x="4663441" y="2103120"/>
-            <a:ext cx="381000" cy="381000"/>
-          </a:xfrm>
-          <a:prstGeom prst="rect">
-            <a:avLst/>
-          </a:prstGeom>
-        </p:spPr>
-      </p:pic>
-      <p:pic>
-        <p:nvPicPr>
-          <p:cNvPr id="25" name="Graphic 60">
-            <a:extLst>
-              <a:ext uri="{FF2B5EF4-FFF2-40B4-BE49-F238E27FC236}">
-                <a16:creationId xmlns:a16="http://schemas.microsoft.com/office/drawing/2014/main" id="{78110C61-1A70-F8EC-D3B5-1AFD54F4EAD7}"/>
-              </a:ext>
-            </a:extLst>
-          </p:cNvPr>
-          <p:cNvPicPr>
-            <a:picLocks noChangeAspect="1" noChangeArrowheads="1"/>
-          </p:cNvPicPr>
-          <p:nvPr/>
-        </p:nvPicPr>
-        <p:blipFill>
-          <a:blip r:embed="rId10">
-            <a:extLst>
-              <a:ext uri="{28A0092B-C50C-407E-A947-70E740481C1C}">
-                <a14:useLocalDpi xmlns:a14="http://schemas.microsoft.com/office/drawing/2010/main" val="0"/>
-              </a:ext>
-            </a:extLst>
-          </a:blip>
-          <a:srcRect/>
-          <a:stretch>
-            <a:fillRect/>
-          </a:stretch>
-        </p:blipFill>
-        <p:spPr bwMode="auto">
-          <a:xfrm>
-            <a:off x="3108960" y="2194560"/>
-            <a:ext cx="457200" cy="457200"/>
-          </a:xfrm>
-          <a:prstGeom prst="rect">
-            <a:avLst/>
-          </a:prstGeom>
-          <a:noFill/>
-          <a:ln>
-            <a:noFill/>
-          </a:ln>
-          <a:extLst>
-            <a:ext uri="{909E8E84-426E-40DD-AFC4-6F175D3DCCD1}">
-              <a14:hiddenFill xmlns:a14="http://schemas.microsoft.com/office/drawing/2010/main">
-                <a:solidFill>
-                  <a:srgbClr val="FFFFFF"/>
-                </a:solidFill>
-              </a14:hiddenFill>
-            </a:ext>
-            <a:ext uri="{91240B29-F687-4F45-9708-019B960494DF}">
-              <a14:hiddenLine xmlns:a14="http://schemas.microsoft.com/office/drawing/2010/main" w="9525">
-                <a:solidFill>
-                  <a:srgbClr val="000000"/>
-                </a:solidFill>
-                <a:miter lim="800000"/>
-                <a:headEnd/>
-                <a:tailEnd/>
-              </a14:hiddenLine>
-            </a:ext>
-          </a:extLst>
-        </p:spPr>
-      </p:pic>
-      <p:sp>
-        <p:nvSpPr>
-          <p:cNvPr id="26" name="TextBox 16">
-            <a:extLst>
-              <a:ext uri="{FF2B5EF4-FFF2-40B4-BE49-F238E27FC236}">
-                <a16:creationId xmlns:a16="http://schemas.microsoft.com/office/drawing/2014/main" id="{12BAF212-124A-B62C-DAEF-B4A68D0001A1}"/>
-              </a:ext>
-            </a:extLst>
-          </p:cNvPr>
-          <p:cNvSpPr txBox="1">
-            <a:spLocks noChangeArrowheads="1"/>
-          </p:cNvSpPr>
-          <p:nvPr/>
-        </p:nvSpPr>
-        <p:spPr bwMode="auto">
-          <a:xfrm>
-            <a:off x="3020909" y="2606040"/>
-            <a:ext cx="640080" cy="261610"/>
-          </a:xfrm>
-          <a:prstGeom prst="rect">
-            <a:avLst/>
-          </a:prstGeom>
-          <a:noFill/>
-          <a:ln>
-            <a:noFill/>
-          </a:ln>
-          <a:extLst>
-            <a:ext uri="{909E8E84-426E-40DD-AFC4-6F175D3DCCD1}">
-              <a14:hiddenFill xmlns:a14="http://schemas.microsoft.com/office/drawing/2010/main">
-                <a:solidFill>
-                  <a:srgbClr val="FFFFFF"/>
-                </a:solidFill>
-              </a14:hiddenFill>
-            </a:ext>
-            <a:ext uri="{91240B29-F687-4F45-9708-019B960494DF}">
-              <a14:hiddenLine xmlns:a14="http://schemas.microsoft.com/office/drawing/2010/main" w="9525">
-                <a:solidFill>
-                  <a:srgbClr val="000000"/>
-                </a:solidFill>
-                <a:miter lim="800000"/>
-                <a:headEnd/>
-                <a:tailEnd/>
-              </a14:hiddenLine>
-            </a:ext>
-          </a:extLst>
-        </p:spPr>
-        <p:txBody>
-          <a:bodyPr wrap="square" lIns="0" rIns="0">
-            <a:spAutoFit/>
-          </a:bodyPr>
-          <a:lstStyle>
-            <a:lvl1pPr>
-              <a:defRPr>
-                <a:solidFill>
-                  <a:schemeClr val="tx1"/>
-                </a:solidFill>
-                <a:latin typeface="Calibri" panose="020F0502020204030204" pitchFamily="34" charset="0"/>
-              </a:defRPr>
-            </a:lvl1pPr>
-            <a:lvl2pPr marL="742950" indent="-285750">
-              <a:defRPr>
-                <a:solidFill>
-                  <a:schemeClr val="tx1"/>
-                </a:solidFill>
-                <a:latin typeface="Calibri" panose="020F0502020204030204" pitchFamily="34" charset="0"/>
-              </a:defRPr>
-            </a:lvl2pPr>
-            <a:lvl3pPr marL="1143000" indent="-228600">
-              <a:defRPr>
-                <a:solidFill>
-                  <a:schemeClr val="tx1"/>
-                </a:solidFill>
-                <a:latin typeface="Calibri" panose="020F0502020204030204" pitchFamily="34" charset="0"/>
-              </a:defRPr>
-            </a:lvl3pPr>
-            <a:lvl4pPr marL="1600200" indent="-228600">
-              <a:defRPr>
-                <a:solidFill>
-                  <a:schemeClr val="tx1"/>
-                </a:solidFill>
-                <a:latin typeface="Calibri" panose="020F0502020204030204" pitchFamily="34" charset="0"/>
-              </a:defRPr>
-            </a:lvl4pPr>
-            <a:lvl5pPr marL="2057400" indent="-228600">
-              <a:defRPr>
-                <a:solidFill>
-                  <a:schemeClr val="tx1"/>
-                </a:solidFill>
-                <a:latin typeface="Calibri" panose="020F0502020204030204" pitchFamily="34" charset="0"/>
-              </a:defRPr>
-            </a:lvl5pPr>
-            <a:lvl6pPr marL="2514600" indent="-228600" eaLnBrk="0" fontAlgn="base" hangingPunct="0">
-              <a:spcBef>
-                <a:spcPct val="0"/>
-              </a:spcBef>
-              <a:spcAft>
-                <a:spcPct val="0"/>
-              </a:spcAft>
-              <a:defRPr>
-                <a:solidFill>
-                  <a:schemeClr val="tx1"/>
-                </a:solidFill>
-                <a:latin typeface="Calibri" panose="020F0502020204030204" pitchFamily="34" charset="0"/>
-              </a:defRPr>
-            </a:lvl6pPr>
-            <a:lvl7pPr marL="2971800" indent="-228600" eaLnBrk="0" fontAlgn="base" hangingPunct="0">
-              <a:spcBef>
-                <a:spcPct val="0"/>
-              </a:spcBef>
-              <a:spcAft>
-                <a:spcPct val="0"/>
-              </a:spcAft>
-              <a:defRPr>
-                <a:solidFill>
-                  <a:schemeClr val="tx1"/>
-                </a:solidFill>
-                <a:latin typeface="Calibri" panose="020F0502020204030204" pitchFamily="34" charset="0"/>
-              </a:defRPr>
-            </a:lvl7pPr>
-            <a:lvl8pPr marL="3429000" indent="-228600" eaLnBrk="0" fontAlgn="base" hangingPunct="0">
-              <a:spcBef>
-                <a:spcPct val="0"/>
-              </a:spcBef>
-              <a:spcAft>
-                <a:spcPct val="0"/>
-              </a:spcAft>
-              <a:defRPr>
-                <a:solidFill>
-                  <a:schemeClr val="tx1"/>
-                </a:solidFill>
-                <a:latin typeface="Calibri" panose="020F0502020204030204" pitchFamily="34" charset="0"/>
-              </a:defRPr>
-            </a:lvl8pPr>
-            <a:lvl9pPr marL="3886200" indent="-228600" eaLnBrk="0" fontAlgn="base" hangingPunct="0">
-              <a:spcBef>
-                <a:spcPct val="0"/>
-              </a:spcBef>
-              <a:spcAft>
-                <a:spcPct val="0"/>
-              </a:spcAft>
-              <a:defRPr>
-                <a:solidFill>
-                  <a:schemeClr val="tx1"/>
-                </a:solidFill>
-                <a:latin typeface="Calibri" panose="020F0502020204030204" pitchFamily="34" charset="0"/>
-              </a:defRPr>
-            </a:lvl9pPr>
-          </a:lstStyle>
-          <a:p>
-            <a:pPr algn="ctr" eaLnBrk="1" hangingPunct="1"/>
-            <a:r>
-              <a:rPr lang="en-US" altLang="en-US" sz="1100" dirty="0">
-                <a:latin typeface="Arial" panose="020B0604020202020204" pitchFamily="34" charset="0"/>
-                <a:ea typeface="Amazon Ember" panose="020B0603020204020204" pitchFamily="34" charset="0"/>
-                <a:cs typeface="Arial" panose="020B0604020202020204" pitchFamily="34" charset="0"/>
-              </a:rPr>
-              <a:t>Bastion</a:t>
-            </a:r>
-          </a:p>
-        </p:txBody>
-      </p:sp>
-      <p:sp>
-        <p:nvSpPr>
-          <p:cNvPr id="35" name="TextBox 17">
-            <a:extLst>
-              <a:ext uri="{FF2B5EF4-FFF2-40B4-BE49-F238E27FC236}">
-                <a16:creationId xmlns:a16="http://schemas.microsoft.com/office/drawing/2014/main" id="{C571C0B6-4922-B976-5979-82592D8BE827}"/>
-              </a:ext>
-            </a:extLst>
-          </p:cNvPr>
-          <p:cNvSpPr txBox="1">
-            <a:spLocks noChangeArrowheads="1"/>
-          </p:cNvSpPr>
-          <p:nvPr/>
-        </p:nvSpPr>
-        <p:spPr bwMode="auto">
-          <a:xfrm>
-            <a:off x="1662633" y="2606040"/>
-            <a:ext cx="1097280" cy="261610"/>
-          </a:xfrm>
-          <a:prstGeom prst="rect">
-            <a:avLst/>
-          </a:prstGeom>
-          <a:noFill/>
-          <a:ln>
-            <a:noFill/>
-          </a:ln>
-          <a:extLst>
-            <a:ext uri="{909E8E84-426E-40DD-AFC4-6F175D3DCCD1}">
-              <a14:hiddenFill xmlns:a14="http://schemas.microsoft.com/office/drawing/2010/main">
-                <a:solidFill>
-                  <a:srgbClr val="FFFFFF"/>
-                </a:solidFill>
-              </a14:hiddenFill>
-            </a:ext>
-            <a:ext uri="{91240B29-F687-4F45-9708-019B960494DF}">
-              <a14:hiddenLine xmlns:a14="http://schemas.microsoft.com/office/drawing/2010/main" w="9525">
-                <a:solidFill>
-                  <a:srgbClr val="000000"/>
-                </a:solidFill>
-                <a:miter lim="800000"/>
-                <a:headEnd/>
-                <a:tailEnd/>
-              </a14:hiddenLine>
-            </a:ext>
-          </a:extLst>
-        </p:spPr>
-        <p:txBody>
-          <a:bodyPr wrap="square">
-            <a:spAutoFit/>
-          </a:bodyPr>
-          <a:lstStyle>
-            <a:lvl1pPr>
-              <a:defRPr>
-                <a:solidFill>
-                  <a:schemeClr val="tx1"/>
-                </a:solidFill>
-                <a:latin typeface="Calibri" panose="020F0502020204030204" pitchFamily="34" charset="0"/>
-              </a:defRPr>
-            </a:lvl1pPr>
-            <a:lvl2pPr marL="742950" indent="-285750">
-              <a:defRPr>
-                <a:solidFill>
-                  <a:schemeClr val="tx1"/>
-                </a:solidFill>
-                <a:latin typeface="Calibri" panose="020F0502020204030204" pitchFamily="34" charset="0"/>
-              </a:defRPr>
-            </a:lvl2pPr>
-            <a:lvl3pPr marL="1143000" indent="-228600">
-              <a:defRPr>
-                <a:solidFill>
-                  <a:schemeClr val="tx1"/>
-                </a:solidFill>
-                <a:latin typeface="Calibri" panose="020F0502020204030204" pitchFamily="34" charset="0"/>
-              </a:defRPr>
-            </a:lvl3pPr>
-            <a:lvl4pPr marL="1600200" indent="-228600">
-              <a:defRPr>
-                <a:solidFill>
-                  <a:schemeClr val="tx1"/>
-                </a:solidFill>
-                <a:latin typeface="Calibri" panose="020F0502020204030204" pitchFamily="34" charset="0"/>
-              </a:defRPr>
-            </a:lvl4pPr>
-            <a:lvl5pPr marL="2057400" indent="-228600">
-              <a:defRPr>
-                <a:solidFill>
-                  <a:schemeClr val="tx1"/>
-                </a:solidFill>
-                <a:latin typeface="Calibri" panose="020F0502020204030204" pitchFamily="34" charset="0"/>
-              </a:defRPr>
-            </a:lvl5pPr>
-            <a:lvl6pPr marL="2514600" indent="-228600" eaLnBrk="0" fontAlgn="base" hangingPunct="0">
-              <a:spcBef>
-                <a:spcPct val="0"/>
-              </a:spcBef>
-              <a:spcAft>
-                <a:spcPct val="0"/>
-              </a:spcAft>
-              <a:defRPr>
-                <a:solidFill>
-                  <a:schemeClr val="tx1"/>
-                </a:solidFill>
-                <a:latin typeface="Calibri" panose="020F0502020204030204" pitchFamily="34" charset="0"/>
-              </a:defRPr>
-            </a:lvl6pPr>
-            <a:lvl7pPr marL="2971800" indent="-228600" eaLnBrk="0" fontAlgn="base" hangingPunct="0">
-              <a:spcBef>
-                <a:spcPct val="0"/>
-              </a:spcBef>
-              <a:spcAft>
-                <a:spcPct val="0"/>
-              </a:spcAft>
-              <a:defRPr>
-                <a:solidFill>
-                  <a:schemeClr val="tx1"/>
-                </a:solidFill>
-                <a:latin typeface="Calibri" panose="020F0502020204030204" pitchFamily="34" charset="0"/>
-              </a:defRPr>
-            </a:lvl7pPr>
-            <a:lvl8pPr marL="3429000" indent="-228600" eaLnBrk="0" fontAlgn="base" hangingPunct="0">
-              <a:spcBef>
-                <a:spcPct val="0"/>
-              </a:spcBef>
-              <a:spcAft>
-                <a:spcPct val="0"/>
-              </a:spcAft>
-              <a:defRPr>
-                <a:solidFill>
-                  <a:schemeClr val="tx1"/>
-                </a:solidFill>
-                <a:latin typeface="Calibri" panose="020F0502020204030204" pitchFamily="34" charset="0"/>
-              </a:defRPr>
-            </a:lvl8pPr>
-            <a:lvl9pPr marL="3886200" indent="-228600" eaLnBrk="0" fontAlgn="base" hangingPunct="0">
-              <a:spcBef>
-                <a:spcPct val="0"/>
-              </a:spcBef>
-              <a:spcAft>
-                <a:spcPct val="0"/>
-              </a:spcAft>
-              <a:defRPr>
-                <a:solidFill>
-                  <a:schemeClr val="tx1"/>
-                </a:solidFill>
-                <a:latin typeface="Calibri" panose="020F0502020204030204" pitchFamily="34" charset="0"/>
-              </a:defRPr>
-            </a:lvl9pPr>
-          </a:lstStyle>
-          <a:p>
-            <a:pPr algn="ctr" eaLnBrk="1" hangingPunct="1"/>
-            <a:r>
-              <a:rPr lang="en-US" altLang="en-US" sz="1100" dirty="0">
-                <a:latin typeface="Arial" panose="020B0604020202020204" pitchFamily="34" charset="0"/>
-                <a:ea typeface="Amazon Ember" panose="020B0603020204020204" pitchFamily="34" charset="0"/>
-                <a:cs typeface="Arial" panose="020B0604020202020204" pitchFamily="34" charset="0"/>
-              </a:rPr>
-              <a:t>NAT gateway</a:t>
-            </a:r>
-          </a:p>
-        </p:txBody>
-      </p:sp>
-      <p:pic>
-        <p:nvPicPr>
-          <p:cNvPr id="36" name="Graphic 35">
-            <a:extLst>
-              <a:ext uri="{FF2B5EF4-FFF2-40B4-BE49-F238E27FC236}">
-                <a16:creationId xmlns:a16="http://schemas.microsoft.com/office/drawing/2014/main" id="{68389D14-53CA-B5F2-F38C-52A869748383}"/>
-              </a:ext>
-            </a:extLst>
-          </p:cNvPr>
-          <p:cNvPicPr>
-            <a:picLocks noChangeAspect="1" noChangeArrowheads="1"/>
-          </p:cNvPicPr>
-          <p:nvPr/>
-        </p:nvPicPr>
-        <p:blipFill>
-          <a:blip r:embed="rId11">
-            <a:extLst>
-              <a:ext uri="{28A0092B-C50C-407E-A947-70E740481C1C}">
-                <a14:useLocalDpi xmlns:a14="http://schemas.microsoft.com/office/drawing/2010/main" val="0"/>
-              </a:ext>
-            </a:extLst>
-          </a:blip>
-          <a:srcRect/>
-          <a:stretch>
-            <a:fillRect/>
-          </a:stretch>
-        </p:blipFill>
-        <p:spPr bwMode="auto">
-          <a:xfrm>
-            <a:off x="1976892" y="2194560"/>
-            <a:ext cx="457200" cy="457200"/>
-          </a:xfrm>
-          <a:prstGeom prst="rect">
-            <a:avLst/>
-          </a:prstGeom>
-          <a:noFill/>
-          <a:ln>
-            <a:noFill/>
-          </a:ln>
-          <a:extLst>
-            <a:ext uri="{909E8E84-426E-40DD-AFC4-6F175D3DCCD1}">
-              <a14:hiddenFill xmlns:a14="http://schemas.microsoft.com/office/drawing/2010/main">
-                <a:solidFill>
-                  <a:srgbClr val="FFFFFF"/>
-                </a:solidFill>
-              </a14:hiddenFill>
-            </a:ext>
-            <a:ext uri="{91240B29-F687-4F45-9708-019B960494DF}">
-              <a14:hiddenLine xmlns:a14="http://schemas.microsoft.com/office/drawing/2010/main" w="9525">
-                <a:solidFill>
-                  <a:srgbClr val="000000"/>
-                </a:solidFill>
-                <a:miter lim="800000"/>
-                <a:headEnd/>
-                <a:tailEnd/>
-              </a14:hiddenLine>
-            </a:ext>
-          </a:extLst>
-        </p:spPr>
-      </p:pic>
-      <p:sp>
-        <p:nvSpPr>
-          <p:cNvPr id="37" name="TextBox 17">
-            <a:extLst>
-              <a:ext uri="{FF2B5EF4-FFF2-40B4-BE49-F238E27FC236}">
-                <a16:creationId xmlns:a16="http://schemas.microsoft.com/office/drawing/2014/main" id="{D9BF1BBD-F3E4-FFB6-3921-DD859E25EEC3}"/>
-              </a:ext>
-            </a:extLst>
-          </p:cNvPr>
-          <p:cNvSpPr txBox="1">
-            <a:spLocks noChangeArrowheads="1"/>
-          </p:cNvSpPr>
-          <p:nvPr/>
-        </p:nvSpPr>
-        <p:spPr bwMode="auto">
-          <a:xfrm>
-            <a:off x="6993435" y="2606040"/>
-            <a:ext cx="1097280" cy="261610"/>
-          </a:xfrm>
-          <a:prstGeom prst="rect">
-            <a:avLst/>
-          </a:prstGeom>
-          <a:noFill/>
-          <a:ln>
-            <a:noFill/>
-          </a:ln>
-          <a:extLst>
-            <a:ext uri="{909E8E84-426E-40DD-AFC4-6F175D3DCCD1}">
-              <a14:hiddenFill xmlns:a14="http://schemas.microsoft.com/office/drawing/2010/main">
-                <a:solidFill>
-                  <a:srgbClr val="FFFFFF"/>
-                </a:solidFill>
-              </a14:hiddenFill>
-            </a:ext>
-            <a:ext uri="{91240B29-F687-4F45-9708-019B960494DF}">
-              <a14:hiddenLine xmlns:a14="http://schemas.microsoft.com/office/drawing/2010/main" w="9525">
-                <a:solidFill>
-                  <a:srgbClr val="000000"/>
-                </a:solidFill>
-                <a:miter lim="800000"/>
-                <a:headEnd/>
-                <a:tailEnd/>
-              </a14:hiddenLine>
-            </a:ext>
-          </a:extLst>
-        </p:spPr>
-        <p:txBody>
-          <a:bodyPr wrap="square">
-            <a:spAutoFit/>
-          </a:bodyPr>
-          <a:lstStyle>
-            <a:lvl1pPr>
-              <a:defRPr>
-                <a:solidFill>
-                  <a:schemeClr val="tx1"/>
-                </a:solidFill>
-                <a:latin typeface="Calibri" panose="020F0502020204030204" pitchFamily="34" charset="0"/>
-              </a:defRPr>
-            </a:lvl1pPr>
-            <a:lvl2pPr marL="742950" indent="-285750">
-              <a:defRPr>
-                <a:solidFill>
-                  <a:schemeClr val="tx1"/>
-                </a:solidFill>
-                <a:latin typeface="Calibri" panose="020F0502020204030204" pitchFamily="34" charset="0"/>
-              </a:defRPr>
-            </a:lvl2pPr>
-            <a:lvl3pPr marL="1143000" indent="-228600">
-              <a:defRPr>
-                <a:solidFill>
-                  <a:schemeClr val="tx1"/>
-                </a:solidFill>
-                <a:latin typeface="Calibri" panose="020F0502020204030204" pitchFamily="34" charset="0"/>
-              </a:defRPr>
-            </a:lvl3pPr>
-            <a:lvl4pPr marL="1600200" indent="-228600">
-              <a:defRPr>
-                <a:solidFill>
-                  <a:schemeClr val="tx1"/>
-                </a:solidFill>
-                <a:latin typeface="Calibri" panose="020F0502020204030204" pitchFamily="34" charset="0"/>
-              </a:defRPr>
-            </a:lvl4pPr>
-            <a:lvl5pPr marL="2057400" indent="-228600">
-              <a:defRPr>
-                <a:solidFill>
-                  <a:schemeClr val="tx1"/>
-                </a:solidFill>
-                <a:latin typeface="Calibri" panose="020F0502020204030204" pitchFamily="34" charset="0"/>
-              </a:defRPr>
-            </a:lvl5pPr>
-            <a:lvl6pPr marL="2514600" indent="-228600" eaLnBrk="0" fontAlgn="base" hangingPunct="0">
-              <a:spcBef>
-                <a:spcPct val="0"/>
-              </a:spcBef>
-              <a:spcAft>
-                <a:spcPct val="0"/>
-              </a:spcAft>
-              <a:defRPr>
-                <a:solidFill>
-                  <a:schemeClr val="tx1"/>
-                </a:solidFill>
-                <a:latin typeface="Calibri" panose="020F0502020204030204" pitchFamily="34" charset="0"/>
-              </a:defRPr>
-            </a:lvl6pPr>
-            <a:lvl7pPr marL="2971800" indent="-228600" eaLnBrk="0" fontAlgn="base" hangingPunct="0">
-              <a:spcBef>
-                <a:spcPct val="0"/>
-              </a:spcBef>
-              <a:spcAft>
-                <a:spcPct val="0"/>
-              </a:spcAft>
-              <a:defRPr>
-                <a:solidFill>
-                  <a:schemeClr val="tx1"/>
-                </a:solidFill>
-                <a:latin typeface="Calibri" panose="020F0502020204030204" pitchFamily="34" charset="0"/>
-              </a:defRPr>
-            </a:lvl7pPr>
-            <a:lvl8pPr marL="3429000" indent="-228600" eaLnBrk="0" fontAlgn="base" hangingPunct="0">
-              <a:spcBef>
-                <a:spcPct val="0"/>
-              </a:spcBef>
-              <a:spcAft>
-                <a:spcPct val="0"/>
-              </a:spcAft>
-              <a:defRPr>
-                <a:solidFill>
-                  <a:schemeClr val="tx1"/>
-                </a:solidFill>
-                <a:latin typeface="Calibri" panose="020F0502020204030204" pitchFamily="34" charset="0"/>
-              </a:defRPr>
-            </a:lvl8pPr>
-            <a:lvl9pPr marL="3886200" indent="-228600" eaLnBrk="0" fontAlgn="base" hangingPunct="0">
-              <a:spcBef>
-                <a:spcPct val="0"/>
-              </a:spcBef>
-              <a:spcAft>
-                <a:spcPct val="0"/>
-              </a:spcAft>
-              <a:defRPr>
-                <a:solidFill>
-                  <a:schemeClr val="tx1"/>
-                </a:solidFill>
-                <a:latin typeface="Calibri" panose="020F0502020204030204" pitchFamily="34" charset="0"/>
-              </a:defRPr>
-            </a:lvl9pPr>
-          </a:lstStyle>
-          <a:p>
-            <a:pPr algn="ctr" eaLnBrk="1" hangingPunct="1"/>
-            <a:r>
-              <a:rPr lang="en-US" altLang="en-US" sz="1100" dirty="0">
-                <a:latin typeface="Arial" panose="020B0604020202020204" pitchFamily="34" charset="0"/>
-                <a:ea typeface="Amazon Ember" panose="020B0603020204020204" pitchFamily="34" charset="0"/>
-                <a:cs typeface="Arial" panose="020B0604020202020204" pitchFamily="34" charset="0"/>
-              </a:rPr>
-              <a:t>NAT gateway</a:t>
-            </a:r>
-          </a:p>
-        </p:txBody>
-      </p:sp>
-      <p:pic>
-        <p:nvPicPr>
-          <p:cNvPr id="38" name="Graphic 35">
-            <a:extLst>
-              <a:ext uri="{FF2B5EF4-FFF2-40B4-BE49-F238E27FC236}">
-                <a16:creationId xmlns:a16="http://schemas.microsoft.com/office/drawing/2014/main" id="{AAFC4404-D7F5-2BE6-7F25-6DEFB469E2FB}"/>
-              </a:ext>
-            </a:extLst>
-          </p:cNvPr>
-          <p:cNvPicPr>
-            <a:picLocks noChangeAspect="1" noChangeArrowheads="1"/>
-          </p:cNvPicPr>
-          <p:nvPr/>
-        </p:nvPicPr>
-        <p:blipFill>
-          <a:blip r:embed="rId11">
-            <a:extLst>
-              <a:ext uri="{28A0092B-C50C-407E-A947-70E740481C1C}">
-                <a14:useLocalDpi xmlns:a14="http://schemas.microsoft.com/office/drawing/2010/main" val="0"/>
-              </a:ext>
-            </a:extLst>
-          </a:blip>
-          <a:srcRect/>
-          <a:stretch>
-            <a:fillRect/>
-          </a:stretch>
-        </p:blipFill>
-        <p:spPr bwMode="auto">
-          <a:xfrm>
-            <a:off x="7315200" y="2194560"/>
-            <a:ext cx="457200" cy="457200"/>
-          </a:xfrm>
-          <a:prstGeom prst="rect">
-            <a:avLst/>
-          </a:prstGeom>
-          <a:noFill/>
-          <a:ln>
-            <a:noFill/>
-          </a:ln>
-          <a:extLst>
-            <a:ext uri="{909E8E84-426E-40DD-AFC4-6F175D3DCCD1}">
-              <a14:hiddenFill xmlns:a14="http://schemas.microsoft.com/office/drawing/2010/main">
-                <a:solidFill>
-                  <a:srgbClr val="FFFFFF"/>
-                </a:solidFill>
-              </a14:hiddenFill>
-            </a:ext>
-            <a:ext uri="{91240B29-F687-4F45-9708-019B960494DF}">
-              <a14:hiddenLine xmlns:a14="http://schemas.microsoft.com/office/drawing/2010/main" w="9525">
-                <a:solidFill>
-                  <a:srgbClr val="000000"/>
-                </a:solidFill>
-                <a:miter lim="800000"/>
-                <a:headEnd/>
-                <a:tailEnd/>
-              </a14:hiddenLine>
-            </a:ext>
-          </a:extLst>
-        </p:spPr>
-      </p:pic>
       <p:grpSp>
         <p:nvGrpSpPr>
-          <p:cNvPr id="50" name="Group 49">
-            <a:extLst>
-              <a:ext uri="{FF2B5EF4-FFF2-40B4-BE49-F238E27FC236}">
-                <a16:creationId xmlns:a16="http://schemas.microsoft.com/office/drawing/2014/main" id="{0A0E772D-85CF-4743-8F3B-7C9D296AFEE0}"/>
+          <p:cNvPr id="3" name="Group 2">
+            <a:extLst>
+              <a:ext uri="{FF2B5EF4-FFF2-40B4-BE49-F238E27FC236}">
+                <a16:creationId xmlns:a16="http://schemas.microsoft.com/office/drawing/2014/main" id="{D9A5C3D2-A2AB-4B15-95E6-3CCEB5CF24B4}"/>
               </a:ext>
             </a:extLst>
           </p:cNvPr>
@@ -5125,496 +3619,18 @@
         </p:nvGrpSpPr>
         <p:grpSpPr>
           <a:xfrm>
-            <a:off x="1508963" y="3291840"/>
-            <a:ext cx="6720638" cy="2563726"/>
-            <a:chOff x="1508963" y="3458878"/>
-            <a:chExt cx="6720638" cy="2563726"/>
+            <a:off x="8686800" y="1280160"/>
+            <a:ext cx="1005840" cy="2395359"/>
+            <a:chOff x="9007042" y="914400"/>
+            <a:chExt cx="1005840" cy="2395359"/>
           </a:xfrm>
         </p:grpSpPr>
         <p:sp>
           <p:nvSpPr>
-            <p:cNvPr id="24" name="Rectangle 23">
+            <p:cNvPr id="42" name="TextBox 9">
               <a:extLst>
                 <a:ext uri="{FF2B5EF4-FFF2-40B4-BE49-F238E27FC236}">
-                  <a16:creationId xmlns:a16="http://schemas.microsoft.com/office/drawing/2014/main" id="{5AC384D7-AFF4-7D6C-69DB-45305DDF0E40}"/>
-                </a:ext>
-              </a:extLst>
-            </p:cNvPr>
-            <p:cNvSpPr/>
-            <p:nvPr/>
-          </p:nvSpPr>
-          <p:spPr>
-            <a:xfrm>
-              <a:off x="2834641" y="4297680"/>
-              <a:ext cx="4023360" cy="822960"/>
-            </a:xfrm>
-            <a:prstGeom prst="rect">
-              <a:avLst/>
-            </a:prstGeom>
-            <a:noFill/>
-            <a:ln w="12700">
-              <a:solidFill>
-                <a:srgbClr val="D86613"/>
-              </a:solidFill>
-              <a:prstDash val="dash"/>
-            </a:ln>
-          </p:spPr>
-          <p:style>
-            <a:lnRef idx="2">
-              <a:schemeClr val="accent1">
-                <a:shade val="50000"/>
-              </a:schemeClr>
-            </a:lnRef>
-            <a:fillRef idx="1">
-              <a:schemeClr val="accent1"/>
-            </a:fillRef>
-            <a:effectRef idx="0">
-              <a:schemeClr val="accent1"/>
-            </a:effectRef>
-            <a:fontRef idx="minor">
-              <a:schemeClr val="lt1"/>
-            </a:fontRef>
-          </p:style>
-          <p:txBody>
-            <a:bodyPr tIns="91440"/>
-            <a:lstStyle/>
-            <a:p>
-              <a:pPr algn="ctr" eaLnBrk="1" fontAlgn="auto" hangingPunct="1">
-                <a:spcBef>
-                  <a:spcPts val="0"/>
-                </a:spcBef>
-                <a:spcAft>
-                  <a:spcPts val="0"/>
-                </a:spcAft>
-                <a:defRPr/>
-              </a:pPr>
-              <a:endParaRPr lang="en-US" sz="1200" dirty="0">
-                <a:solidFill>
-                  <a:srgbClr val="D86613"/>
-                </a:solidFill>
-                <a:latin typeface="Arial" panose="020B0604020202020204" pitchFamily="34" charset="0"/>
-                <a:cs typeface="Arial" panose="020B0604020202020204" pitchFamily="34" charset="0"/>
-              </a:endParaRPr>
-            </a:p>
-            <a:p>
-              <a:pPr algn="ctr" eaLnBrk="1" fontAlgn="auto" hangingPunct="1">
-                <a:spcBef>
-                  <a:spcPts val="0"/>
-                </a:spcBef>
-                <a:spcAft>
-                  <a:spcPts val="0"/>
-                </a:spcAft>
-                <a:defRPr/>
-              </a:pPr>
-              <a:endParaRPr lang="en-US" sz="1200" dirty="0">
-                <a:solidFill>
-                  <a:srgbClr val="D86613"/>
-                </a:solidFill>
-                <a:latin typeface="Arial" panose="020B0604020202020204" pitchFamily="34" charset="0"/>
-                <a:cs typeface="Arial" panose="020B0604020202020204" pitchFamily="34" charset="0"/>
-              </a:endParaRPr>
-            </a:p>
-            <a:p>
-              <a:pPr algn="ctr" eaLnBrk="1" fontAlgn="auto" hangingPunct="1">
-                <a:spcBef>
-                  <a:spcPts val="0"/>
-                </a:spcBef>
-                <a:spcAft>
-                  <a:spcPts val="0"/>
-                </a:spcAft>
-                <a:defRPr/>
-              </a:pPr>
-              <a:r>
-                <a:rPr lang="en-US" sz="1200" dirty="0">
-                  <a:solidFill>
-                    <a:srgbClr val="D86613"/>
-                  </a:solidFill>
-                  <a:latin typeface="Arial" panose="020B0604020202020204" pitchFamily="34" charset="0"/>
-                  <a:cs typeface="Arial" panose="020B0604020202020204" pitchFamily="34" charset="0"/>
-                </a:rPr>
-                <a:t>   Auto Scaling group</a:t>
-              </a:r>
-            </a:p>
-          </p:txBody>
-        </p:sp>
-        <p:sp>
-          <p:nvSpPr>
-            <p:cNvPr id="13" name="Rectangle 12">
-              <a:extLst>
-                <a:ext uri="{FF2B5EF4-FFF2-40B4-BE49-F238E27FC236}">
-                  <a16:creationId xmlns:a16="http://schemas.microsoft.com/office/drawing/2014/main" id="{254A236B-F5A7-2461-CDB1-E99A921F3A0D}"/>
-                </a:ext>
-              </a:extLst>
-            </p:cNvPr>
-            <p:cNvSpPr/>
-            <p:nvPr/>
-          </p:nvSpPr>
-          <p:spPr>
-            <a:xfrm>
-              <a:off x="1508963" y="3458878"/>
-              <a:ext cx="2377440" cy="2560320"/>
-            </a:xfrm>
-            <a:prstGeom prst="rect">
-              <a:avLst/>
-            </a:prstGeom>
-            <a:solidFill>
-              <a:srgbClr val="007CBC">
-                <a:alpha val="9804"/>
-              </a:srgbClr>
-            </a:solidFill>
-            <a:ln w="12700">
-              <a:noFill/>
-              <a:prstDash val="dash"/>
-            </a:ln>
-          </p:spPr>
-          <p:style>
-            <a:lnRef idx="2">
-              <a:schemeClr val="accent1">
-                <a:shade val="50000"/>
-              </a:schemeClr>
-            </a:lnRef>
-            <a:fillRef idx="1">
-              <a:schemeClr val="accent1"/>
-            </a:fillRef>
-            <a:effectRef idx="0">
-              <a:schemeClr val="accent1"/>
-            </a:effectRef>
-            <a:fontRef idx="minor">
-              <a:schemeClr val="lt1"/>
-            </a:fontRef>
-          </p:style>
-          <p:txBody>
-            <a:bodyPr lIns="502920"/>
-            <a:lstStyle/>
-            <a:p>
-              <a:pPr eaLnBrk="1" fontAlgn="auto" hangingPunct="1">
-                <a:spcBef>
-                  <a:spcPts val="0"/>
-                </a:spcBef>
-                <a:spcAft>
-                  <a:spcPts val="0"/>
-                </a:spcAft>
-                <a:defRPr/>
-              </a:pPr>
-              <a:r>
-                <a:rPr lang="en-US" sz="1200" dirty="0">
-                  <a:solidFill>
-                    <a:srgbClr val="5B9CD5"/>
-                  </a:solidFill>
-                  <a:latin typeface="Arial" panose="020B0604020202020204" pitchFamily="34" charset="0"/>
-                  <a:cs typeface="Arial" panose="020B0604020202020204" pitchFamily="34" charset="0"/>
-                </a:rPr>
-                <a:t>Private subnet</a:t>
-              </a:r>
-            </a:p>
-          </p:txBody>
-        </p:sp>
-        <p:sp>
-          <p:nvSpPr>
-            <p:cNvPr id="14" name="Rectangle 13">
-              <a:extLst>
-                <a:ext uri="{FF2B5EF4-FFF2-40B4-BE49-F238E27FC236}">
-                  <a16:creationId xmlns:a16="http://schemas.microsoft.com/office/drawing/2014/main" id="{FC2247FC-C1A9-58A8-5869-4A89D4833D0E}"/>
-                </a:ext>
-              </a:extLst>
-            </p:cNvPr>
-            <p:cNvSpPr/>
-            <p:nvPr/>
-          </p:nvSpPr>
-          <p:spPr>
-            <a:xfrm>
-              <a:off x="5852161" y="3462284"/>
-              <a:ext cx="2377440" cy="2560320"/>
-            </a:xfrm>
-            <a:prstGeom prst="rect">
-              <a:avLst/>
-            </a:prstGeom>
-            <a:solidFill>
-              <a:srgbClr val="007CBC">
-                <a:alpha val="9804"/>
-              </a:srgbClr>
-            </a:solidFill>
-            <a:ln w="12700">
-              <a:noFill/>
-              <a:prstDash val="dash"/>
-            </a:ln>
-          </p:spPr>
-          <p:style>
-            <a:lnRef idx="2">
-              <a:schemeClr val="accent1">
-                <a:shade val="50000"/>
-              </a:schemeClr>
-            </a:lnRef>
-            <a:fillRef idx="1">
-              <a:schemeClr val="accent1"/>
-            </a:fillRef>
-            <a:effectRef idx="0">
-              <a:schemeClr val="accent1"/>
-            </a:effectRef>
-            <a:fontRef idx="minor">
-              <a:schemeClr val="lt1"/>
-            </a:fontRef>
-          </p:style>
-          <p:txBody>
-            <a:bodyPr lIns="502920"/>
-            <a:lstStyle/>
-            <a:p>
-              <a:pPr eaLnBrk="1" fontAlgn="auto" hangingPunct="1">
-                <a:spcBef>
-                  <a:spcPts val="0"/>
-                </a:spcBef>
-                <a:spcAft>
-                  <a:spcPts val="0"/>
-                </a:spcAft>
-                <a:defRPr/>
-              </a:pPr>
-              <a:r>
-                <a:rPr lang="en-US" sz="1200" dirty="0">
-                  <a:solidFill>
-                    <a:srgbClr val="5B9CD5"/>
-                  </a:solidFill>
-                  <a:latin typeface="Arial" panose="020B0604020202020204" pitchFamily="34" charset="0"/>
-                  <a:cs typeface="Arial" panose="020B0604020202020204" pitchFamily="34" charset="0"/>
-                </a:rPr>
-                <a:t>Private subnet</a:t>
-              </a:r>
-            </a:p>
-          </p:txBody>
-        </p:sp>
-        <p:pic>
-          <p:nvPicPr>
-            <p:cNvPr id="15" name="Graphic 14">
-              <a:extLst>
-                <a:ext uri="{FF2B5EF4-FFF2-40B4-BE49-F238E27FC236}">
-                  <a16:creationId xmlns:a16="http://schemas.microsoft.com/office/drawing/2014/main" id="{557675C8-DD93-36F4-8EE7-689E2C4E72A5}"/>
-                </a:ext>
-              </a:extLst>
-            </p:cNvPr>
-            <p:cNvPicPr>
-              <a:picLocks noChangeAspect="1"/>
-            </p:cNvPicPr>
-            <p:nvPr/>
-          </p:nvPicPr>
-          <p:blipFill>
-            <a:blip r:embed="rId12">
-              <a:extLst>
-                <a:ext uri="{96DAC541-7B7A-43D3-8B79-37D633B846F1}">
-                  <asvg:svgBlip xmlns:asvg="http://schemas.microsoft.com/office/drawing/2016/SVG/main" r:embed="rId13"/>
-                </a:ext>
-              </a:extLst>
-            </a:blip>
-            <a:stretch>
-              <a:fillRect/>
-            </a:stretch>
-          </p:blipFill>
-          <p:spPr>
-            <a:xfrm>
-              <a:off x="1508963" y="3458880"/>
-              <a:ext cx="381000" cy="381000"/>
-            </a:xfrm>
-            <a:prstGeom prst="rect">
-              <a:avLst/>
-            </a:prstGeom>
-          </p:spPr>
-        </p:pic>
-        <p:pic>
-          <p:nvPicPr>
-            <p:cNvPr id="16" name="Graphic 15">
-              <a:extLst>
-                <a:ext uri="{FF2B5EF4-FFF2-40B4-BE49-F238E27FC236}">
-                  <a16:creationId xmlns:a16="http://schemas.microsoft.com/office/drawing/2014/main" id="{071E41B8-B94C-AFE9-A10B-C11CCCB729FC}"/>
-                </a:ext>
-              </a:extLst>
-            </p:cNvPr>
-            <p:cNvPicPr>
-              <a:picLocks noChangeAspect="1"/>
-            </p:cNvPicPr>
-            <p:nvPr/>
-          </p:nvPicPr>
-          <p:blipFill>
-            <a:blip r:embed="rId12">
-              <a:extLst>
-                <a:ext uri="{96DAC541-7B7A-43D3-8B79-37D633B846F1}">
-                  <asvg:svgBlip xmlns:asvg="http://schemas.microsoft.com/office/drawing/2016/SVG/main" r:embed="rId13"/>
-                </a:ext>
-              </a:extLst>
-            </a:blip>
-            <a:stretch>
-              <a:fillRect/>
-            </a:stretch>
-          </p:blipFill>
-          <p:spPr>
-            <a:xfrm>
-              <a:off x="5852161" y="3458880"/>
-              <a:ext cx="381000" cy="381000"/>
-            </a:xfrm>
-            <a:prstGeom prst="rect">
-              <a:avLst/>
-            </a:prstGeom>
-          </p:spPr>
-        </p:pic>
-        <p:pic>
-          <p:nvPicPr>
-            <p:cNvPr id="23" name="Graphic 22">
-              <a:extLst>
-                <a:ext uri="{FF2B5EF4-FFF2-40B4-BE49-F238E27FC236}">
-                  <a16:creationId xmlns:a16="http://schemas.microsoft.com/office/drawing/2014/main" id="{247480B1-6DB6-DA36-2AB2-0110CF2317A8}"/>
-                </a:ext>
-              </a:extLst>
-            </p:cNvPr>
-            <p:cNvPicPr>
-              <a:picLocks noChangeAspect="1"/>
-            </p:cNvPicPr>
-            <p:nvPr/>
-          </p:nvPicPr>
-          <p:blipFill>
-            <a:blip r:embed="rId8">
-              <a:extLst>
-                <a:ext uri="{96DAC541-7B7A-43D3-8B79-37D633B846F1}">
-                  <asvg:svgBlip xmlns:asvg="http://schemas.microsoft.com/office/drawing/2016/SVG/main" r:embed="rId9"/>
-                </a:ext>
-              </a:extLst>
-            </a:blip>
-            <a:stretch>
-              <a:fillRect/>
-            </a:stretch>
-          </p:blipFill>
-          <p:spPr>
-            <a:xfrm>
-              <a:off x="4663441" y="4297680"/>
-              <a:ext cx="381000" cy="381000"/>
-            </a:xfrm>
-            <a:prstGeom prst="rect">
-              <a:avLst/>
-            </a:prstGeom>
-          </p:spPr>
-        </p:pic>
-        <p:pic>
-          <p:nvPicPr>
-            <p:cNvPr id="27" name="Graphic 62">
-              <a:extLst>
-                <a:ext uri="{FF2B5EF4-FFF2-40B4-BE49-F238E27FC236}">
-                  <a16:creationId xmlns:a16="http://schemas.microsoft.com/office/drawing/2014/main" id="{3A5EDC42-A0F3-F98A-83F6-4EF73716641D}"/>
-                </a:ext>
-              </a:extLst>
-            </p:cNvPr>
-            <p:cNvPicPr>
-              <a:picLocks noChangeAspect="1" noChangeArrowheads="1"/>
-            </p:cNvPicPr>
-            <p:nvPr/>
-          </p:nvPicPr>
-          <p:blipFill>
-            <a:blip r:embed="rId14">
-              <a:extLst>
-                <a:ext uri="{28A0092B-C50C-407E-A947-70E740481C1C}">
-                  <a14:useLocalDpi xmlns:a14="http://schemas.microsoft.com/office/drawing/2010/main" val="0"/>
-                </a:ext>
-              </a:extLst>
-            </a:blip>
-            <a:srcRect/>
-            <a:stretch>
-              <a:fillRect/>
-            </a:stretch>
-          </p:blipFill>
-          <p:spPr bwMode="auto">
-            <a:xfrm>
-              <a:off x="3108960" y="4389120"/>
-              <a:ext cx="457200" cy="457200"/>
-            </a:xfrm>
-            <a:prstGeom prst="rect">
-              <a:avLst/>
-            </a:prstGeom>
-            <a:noFill/>
-            <a:ln>
-              <a:noFill/>
-            </a:ln>
-            <a:extLst>
-              <a:ext uri="{909E8E84-426E-40DD-AFC4-6F175D3DCCD1}">
-                <a14:hiddenFill xmlns:a14="http://schemas.microsoft.com/office/drawing/2010/main">
-                  <a:solidFill>
-                    <a:srgbClr val="FFFFFF"/>
-                  </a:solidFill>
-                </a14:hiddenFill>
-              </a:ext>
-              <a:ext uri="{91240B29-F687-4F45-9708-019B960494DF}">
-                <a14:hiddenLine xmlns:a14="http://schemas.microsoft.com/office/drawing/2010/main" w="9525">
-                  <a:solidFill>
-                    <a:srgbClr val="000000"/>
-                  </a:solidFill>
-                  <a:miter lim="800000"/>
-                  <a:headEnd/>
-                  <a:tailEnd/>
-                </a14:hiddenLine>
-              </a:ext>
-            </a:extLst>
-          </p:spPr>
-        </p:pic>
-        <p:pic>
-          <p:nvPicPr>
-            <p:cNvPr id="28" name="Graphic 62">
-              <a:extLst>
-                <a:ext uri="{FF2B5EF4-FFF2-40B4-BE49-F238E27FC236}">
-                  <a16:creationId xmlns:a16="http://schemas.microsoft.com/office/drawing/2014/main" id="{E155BD68-CB11-A4D6-56FC-EF6F67DDD1F2}"/>
-                </a:ext>
-              </a:extLst>
-            </p:cNvPr>
-            <p:cNvPicPr>
-              <a:picLocks noChangeAspect="1" noChangeArrowheads="1"/>
-            </p:cNvPicPr>
-            <p:nvPr/>
-          </p:nvPicPr>
-          <p:blipFill>
-            <a:blip r:embed="rId14">
-              <a:extLst>
-                <a:ext uri="{28A0092B-C50C-407E-A947-70E740481C1C}">
-                  <a14:useLocalDpi xmlns:a14="http://schemas.microsoft.com/office/drawing/2010/main" val="0"/>
-                </a:ext>
-              </a:extLst>
-            </a:blip>
-            <a:srcRect/>
-            <a:stretch>
-              <a:fillRect/>
-            </a:stretch>
-          </p:blipFill>
-          <p:spPr bwMode="auto">
-            <a:xfrm>
-              <a:off x="6126480" y="4389120"/>
-              <a:ext cx="457200" cy="457200"/>
-            </a:xfrm>
-            <a:prstGeom prst="rect">
-              <a:avLst/>
-            </a:prstGeom>
-            <a:noFill/>
-            <a:ln>
-              <a:noFill/>
-            </a:ln>
-            <a:extLst>
-              <a:ext uri="{909E8E84-426E-40DD-AFC4-6F175D3DCCD1}">
-                <a14:hiddenFill xmlns:a14="http://schemas.microsoft.com/office/drawing/2010/main">
-                  <a:solidFill>
-                    <a:srgbClr val="FFFFFF"/>
-                  </a:solidFill>
-                </a14:hiddenFill>
-              </a:ext>
-              <a:ext uri="{91240B29-F687-4F45-9708-019B960494DF}">
-                <a14:hiddenLine xmlns:a14="http://schemas.microsoft.com/office/drawing/2010/main" w="9525">
-                  <a:solidFill>
-                    <a:srgbClr val="000000"/>
-                  </a:solidFill>
-                  <a:miter lim="800000"/>
-                  <a:headEnd/>
-                  <a:tailEnd/>
-                </a14:hiddenLine>
-              </a:ext>
-            </a:extLst>
-          </p:spPr>
-        </p:pic>
-        <p:sp>
-          <p:nvSpPr>
-            <p:cNvPr id="29" name="TextBox 16">
-              <a:extLst>
-                <a:ext uri="{FF2B5EF4-FFF2-40B4-BE49-F238E27FC236}">
-                  <a16:creationId xmlns:a16="http://schemas.microsoft.com/office/drawing/2014/main" id="{23DEA758-B9AF-2ECB-BCE7-3A7143520D88}"/>
+                  <a16:creationId xmlns:a16="http://schemas.microsoft.com/office/drawing/2014/main" id="{6090537A-7947-494C-0826-4FB96CDD8225}"/>
                 </a:ext>
               </a:extLst>
             </p:cNvPr>
@@ -5625,8 +3641,8 @@
           </p:nvSpPr>
           <p:spPr bwMode="auto">
             <a:xfrm>
-              <a:off x="3017520" y="4800600"/>
-              <a:ext cx="640080" cy="261610"/>
+              <a:off x="9007042" y="1691640"/>
+              <a:ext cx="1005840" cy="276999"/>
             </a:xfrm>
             <a:prstGeom prst="rect">
               <a:avLst/>
@@ -5656,7 +3672,7 @@
             </a:extLst>
           </p:spPr>
           <p:txBody>
-            <a:bodyPr wrap="square" lIns="0" rIns="0">
+            <a:bodyPr>
               <a:spAutoFit/>
             </a:bodyPr>
             <a:lstStyle>
@@ -5760,344 +3776,22 @@
             <a:p>
               <a:pPr algn="ctr" eaLnBrk="1" hangingPunct="1"/>
               <a:r>
-                <a:rPr lang="en-US" altLang="en-US" sz="1100" dirty="0">
+                <a:rPr lang="en-US" altLang="en-US" sz="1200" dirty="0">
                   <a:latin typeface="Arial" panose="020B0604020202020204" pitchFamily="34" charset="0"/>
                   <a:ea typeface="Amazon Ember" panose="020B0603020204020204" pitchFamily="34" charset="0"/>
                   <a:cs typeface="Arial" panose="020B0604020202020204" pitchFamily="34" charset="0"/>
                 </a:rPr>
-                <a:t>Dnodes</a:t>
-              </a:r>
-            </a:p>
-          </p:txBody>
-        </p:sp>
-        <p:sp>
-          <p:nvSpPr>
-            <p:cNvPr id="30" name="TextBox 16">
-              <a:extLst>
-                <a:ext uri="{FF2B5EF4-FFF2-40B4-BE49-F238E27FC236}">
-                  <a16:creationId xmlns:a16="http://schemas.microsoft.com/office/drawing/2014/main" id="{9ECD80DE-7979-C904-2F69-0EAA4FE78779}"/>
-                </a:ext>
-              </a:extLst>
-            </p:cNvPr>
-            <p:cNvSpPr txBox="1">
-              <a:spLocks noChangeArrowheads="1"/>
-            </p:cNvSpPr>
-            <p:nvPr/>
-          </p:nvSpPr>
-          <p:spPr bwMode="auto">
-            <a:xfrm>
-              <a:off x="6035040" y="4800600"/>
-              <a:ext cx="640080" cy="261610"/>
-            </a:xfrm>
-            <a:prstGeom prst="rect">
-              <a:avLst/>
-            </a:prstGeom>
-            <a:noFill/>
-            <a:ln>
-              <a:noFill/>
-            </a:ln>
-            <a:extLst>
-              <a:ext uri="{909E8E84-426E-40DD-AFC4-6F175D3DCCD1}">
-                <a14:hiddenFill xmlns:a14="http://schemas.microsoft.com/office/drawing/2010/main">
-                  <a:solidFill>
-                    <a:srgbClr val="FFFFFF"/>
-                  </a:solidFill>
-                </a14:hiddenFill>
-              </a:ext>
-              <a:ext uri="{91240B29-F687-4F45-9708-019B960494DF}">
-                <a14:hiddenLine xmlns:a14="http://schemas.microsoft.com/office/drawing/2010/main" w="9525">
-                  <a:solidFill>
-                    <a:srgbClr val="000000"/>
-                  </a:solidFill>
-                  <a:miter lim="800000"/>
-                  <a:headEnd/>
-                  <a:tailEnd/>
-                </a14:hiddenLine>
-              </a:ext>
-            </a:extLst>
-          </p:spPr>
-          <p:txBody>
-            <a:bodyPr wrap="square" lIns="0" rIns="0">
-              <a:spAutoFit/>
-            </a:bodyPr>
-            <a:lstStyle>
-              <a:lvl1pPr>
-                <a:defRPr>
-                  <a:solidFill>
-                    <a:schemeClr val="tx1"/>
-                  </a:solidFill>
-                  <a:latin typeface="Calibri" panose="020F0502020204030204" pitchFamily="34" charset="0"/>
-                </a:defRPr>
-              </a:lvl1pPr>
-              <a:lvl2pPr marL="742950" indent="-285750">
-                <a:defRPr>
-                  <a:solidFill>
-                    <a:schemeClr val="tx1"/>
-                  </a:solidFill>
-                  <a:latin typeface="Calibri" panose="020F0502020204030204" pitchFamily="34" charset="0"/>
-                </a:defRPr>
-              </a:lvl2pPr>
-              <a:lvl3pPr marL="1143000" indent="-228600">
-                <a:defRPr>
-                  <a:solidFill>
-                    <a:schemeClr val="tx1"/>
-                  </a:solidFill>
-                  <a:latin typeface="Calibri" panose="020F0502020204030204" pitchFamily="34" charset="0"/>
-                </a:defRPr>
-              </a:lvl3pPr>
-              <a:lvl4pPr marL="1600200" indent="-228600">
-                <a:defRPr>
-                  <a:solidFill>
-                    <a:schemeClr val="tx1"/>
-                  </a:solidFill>
-                  <a:latin typeface="Calibri" panose="020F0502020204030204" pitchFamily="34" charset="0"/>
-                </a:defRPr>
-              </a:lvl4pPr>
-              <a:lvl5pPr marL="2057400" indent="-228600">
-                <a:defRPr>
-                  <a:solidFill>
-                    <a:schemeClr val="tx1"/>
-                  </a:solidFill>
-                  <a:latin typeface="Calibri" panose="020F0502020204030204" pitchFamily="34" charset="0"/>
-                </a:defRPr>
-              </a:lvl5pPr>
-              <a:lvl6pPr marL="2514600" indent="-228600" eaLnBrk="0" fontAlgn="base" hangingPunct="0">
-                <a:spcBef>
-                  <a:spcPct val="0"/>
-                </a:spcBef>
-                <a:spcAft>
-                  <a:spcPct val="0"/>
-                </a:spcAft>
-                <a:defRPr>
-                  <a:solidFill>
-                    <a:schemeClr val="tx1"/>
-                  </a:solidFill>
-                  <a:latin typeface="Calibri" panose="020F0502020204030204" pitchFamily="34" charset="0"/>
-                </a:defRPr>
-              </a:lvl6pPr>
-              <a:lvl7pPr marL="2971800" indent="-228600" eaLnBrk="0" fontAlgn="base" hangingPunct="0">
-                <a:spcBef>
-                  <a:spcPct val="0"/>
-                </a:spcBef>
-                <a:spcAft>
-                  <a:spcPct val="0"/>
-                </a:spcAft>
-                <a:defRPr>
-                  <a:solidFill>
-                    <a:schemeClr val="tx1"/>
-                  </a:solidFill>
-                  <a:latin typeface="Calibri" panose="020F0502020204030204" pitchFamily="34" charset="0"/>
-                </a:defRPr>
-              </a:lvl7pPr>
-              <a:lvl8pPr marL="3429000" indent="-228600" eaLnBrk="0" fontAlgn="base" hangingPunct="0">
-                <a:spcBef>
-                  <a:spcPct val="0"/>
-                </a:spcBef>
-                <a:spcAft>
-                  <a:spcPct val="0"/>
-                </a:spcAft>
-                <a:defRPr>
-                  <a:solidFill>
-                    <a:schemeClr val="tx1"/>
-                  </a:solidFill>
-                  <a:latin typeface="Calibri" panose="020F0502020204030204" pitchFamily="34" charset="0"/>
-                </a:defRPr>
-              </a:lvl8pPr>
-              <a:lvl9pPr marL="3886200" indent="-228600" eaLnBrk="0" fontAlgn="base" hangingPunct="0">
-                <a:spcBef>
-                  <a:spcPct val="0"/>
-                </a:spcBef>
-                <a:spcAft>
-                  <a:spcPct val="0"/>
-                </a:spcAft>
-                <a:defRPr>
-                  <a:solidFill>
-                    <a:schemeClr val="tx1"/>
-                  </a:solidFill>
-                  <a:latin typeface="Calibri" panose="020F0502020204030204" pitchFamily="34" charset="0"/>
-                </a:defRPr>
-              </a:lvl9pPr>
-            </a:lstStyle>
-            <a:p>
-              <a:pPr algn="ctr" eaLnBrk="1" hangingPunct="1"/>
-              <a:r>
-                <a:rPr lang="en-US" altLang="en-US" sz="1100" dirty="0">
-                  <a:latin typeface="Arial" panose="020B0604020202020204" pitchFamily="34" charset="0"/>
-                  <a:ea typeface="Amazon Ember" panose="020B0603020204020204" pitchFamily="34" charset="0"/>
-                  <a:cs typeface="Arial" panose="020B0604020202020204" pitchFamily="34" charset="0"/>
-                </a:rPr>
-                <a:t>Dnodes</a:t>
-              </a:r>
-            </a:p>
-          </p:txBody>
-        </p:sp>
-        <p:sp>
-          <p:nvSpPr>
-            <p:cNvPr id="31" name="TextBox 18">
-              <a:extLst>
-                <a:ext uri="{FF2B5EF4-FFF2-40B4-BE49-F238E27FC236}">
-                  <a16:creationId xmlns:a16="http://schemas.microsoft.com/office/drawing/2014/main" id="{3F66B95A-E558-46DD-DA53-6A4CF0F0E946}"/>
-                </a:ext>
-              </a:extLst>
-            </p:cNvPr>
-            <p:cNvSpPr txBox="1">
-              <a:spLocks noChangeArrowheads="1"/>
-            </p:cNvSpPr>
-            <p:nvPr/>
-          </p:nvSpPr>
-          <p:spPr bwMode="auto">
-            <a:xfrm>
-              <a:off x="1751211" y="5715000"/>
-              <a:ext cx="1645920" cy="261610"/>
-            </a:xfrm>
-            <a:prstGeom prst="rect">
-              <a:avLst/>
-            </a:prstGeom>
-            <a:noFill/>
-            <a:ln>
-              <a:noFill/>
-            </a:ln>
-            <a:extLst>
-              <a:ext uri="{909E8E84-426E-40DD-AFC4-6F175D3DCCD1}">
-                <a14:hiddenFill xmlns:a14="http://schemas.microsoft.com/office/drawing/2010/main">
-                  <a:solidFill>
-                    <a:srgbClr val="FFFFFF"/>
-                  </a:solidFill>
-                </a14:hiddenFill>
-              </a:ext>
-              <a:ext uri="{91240B29-F687-4F45-9708-019B960494DF}">
-                <a14:hiddenLine xmlns:a14="http://schemas.microsoft.com/office/drawing/2010/main" w="9525">
-                  <a:solidFill>
-                    <a:srgbClr val="000000"/>
-                  </a:solidFill>
-                  <a:miter lim="800000"/>
-                  <a:headEnd/>
-                  <a:tailEnd/>
-                </a14:hiddenLine>
-              </a:ext>
-            </a:extLst>
-          </p:spPr>
-          <p:txBody>
-            <a:bodyPr wrap="square">
-              <a:spAutoFit/>
-            </a:bodyPr>
-            <a:lstStyle>
-              <a:lvl1pPr>
-                <a:defRPr>
-                  <a:solidFill>
-                    <a:schemeClr val="tx1"/>
-                  </a:solidFill>
-                  <a:latin typeface="Calibri" panose="020F0502020204030204" pitchFamily="34" charset="0"/>
-                </a:defRPr>
-              </a:lvl1pPr>
-              <a:lvl2pPr marL="742950" indent="-285750">
-                <a:defRPr>
-                  <a:solidFill>
-                    <a:schemeClr val="tx1"/>
-                  </a:solidFill>
-                  <a:latin typeface="Calibri" panose="020F0502020204030204" pitchFamily="34" charset="0"/>
-                </a:defRPr>
-              </a:lvl2pPr>
-              <a:lvl3pPr marL="1143000" indent="-228600">
-                <a:defRPr>
-                  <a:solidFill>
-                    <a:schemeClr val="tx1"/>
-                  </a:solidFill>
-                  <a:latin typeface="Calibri" panose="020F0502020204030204" pitchFamily="34" charset="0"/>
-                </a:defRPr>
-              </a:lvl3pPr>
-              <a:lvl4pPr marL="1600200" indent="-228600">
-                <a:defRPr>
-                  <a:solidFill>
-                    <a:schemeClr val="tx1"/>
-                  </a:solidFill>
-                  <a:latin typeface="Calibri" panose="020F0502020204030204" pitchFamily="34" charset="0"/>
-                </a:defRPr>
-              </a:lvl4pPr>
-              <a:lvl5pPr marL="2057400" indent="-228600">
-                <a:defRPr>
-                  <a:solidFill>
-                    <a:schemeClr val="tx1"/>
-                  </a:solidFill>
-                  <a:latin typeface="Calibri" panose="020F0502020204030204" pitchFamily="34" charset="0"/>
-                </a:defRPr>
-              </a:lvl5pPr>
-              <a:lvl6pPr marL="2514600" indent="-228600" eaLnBrk="0" fontAlgn="base" hangingPunct="0">
-                <a:spcBef>
-                  <a:spcPct val="0"/>
-                </a:spcBef>
-                <a:spcAft>
-                  <a:spcPct val="0"/>
-                </a:spcAft>
-                <a:defRPr>
-                  <a:solidFill>
-                    <a:schemeClr val="tx1"/>
-                  </a:solidFill>
-                  <a:latin typeface="Calibri" panose="020F0502020204030204" pitchFamily="34" charset="0"/>
-                </a:defRPr>
-              </a:lvl6pPr>
-              <a:lvl7pPr marL="2971800" indent="-228600" eaLnBrk="0" fontAlgn="base" hangingPunct="0">
-                <a:spcBef>
-                  <a:spcPct val="0"/>
-                </a:spcBef>
-                <a:spcAft>
-                  <a:spcPct val="0"/>
-                </a:spcAft>
-                <a:defRPr>
-                  <a:solidFill>
-                    <a:schemeClr val="tx1"/>
-                  </a:solidFill>
-                  <a:latin typeface="Calibri" panose="020F0502020204030204" pitchFamily="34" charset="0"/>
-                </a:defRPr>
-              </a:lvl7pPr>
-              <a:lvl8pPr marL="3429000" indent="-228600" eaLnBrk="0" fontAlgn="base" hangingPunct="0">
-                <a:spcBef>
-                  <a:spcPct val="0"/>
-                </a:spcBef>
-                <a:spcAft>
-                  <a:spcPct val="0"/>
-                </a:spcAft>
-                <a:defRPr>
-                  <a:solidFill>
-                    <a:schemeClr val="tx1"/>
-                  </a:solidFill>
-                  <a:latin typeface="Calibri" panose="020F0502020204030204" pitchFamily="34" charset="0"/>
-                </a:defRPr>
-              </a:lvl8pPr>
-              <a:lvl9pPr marL="3886200" indent="-228600" eaLnBrk="0" fontAlgn="base" hangingPunct="0">
-                <a:spcBef>
-                  <a:spcPct val="0"/>
-                </a:spcBef>
-                <a:spcAft>
-                  <a:spcPct val="0"/>
-                </a:spcAft>
-                <a:defRPr>
-                  <a:solidFill>
-                    <a:schemeClr val="tx1"/>
-                  </a:solidFill>
-                  <a:latin typeface="Calibri" panose="020F0502020204030204" pitchFamily="34" charset="0"/>
-                </a:defRPr>
-              </a:lvl9pPr>
-            </a:lstStyle>
-            <a:p>
-              <a:pPr algn="ctr" eaLnBrk="1" hangingPunct="1"/>
-              <a:r>
-                <a:rPr lang="en-US" altLang="en-US" sz="1100" dirty="0">
-                  <a:latin typeface="Arial" panose="020B0604020202020204" pitchFamily="34" charset="0"/>
-                  <a:ea typeface="Amazon Ember" panose="020B0603020204020204" pitchFamily="34" charset="0"/>
-                  <a:cs typeface="Arial" panose="020B0604020202020204" pitchFamily="34" charset="0"/>
-                </a:rPr>
-                <a:t>ElastiCache for Redis</a:t>
+                <a:t>Amazon S3</a:t>
               </a:r>
             </a:p>
           </p:txBody>
         </p:sp>
         <p:pic>
           <p:nvPicPr>
-            <p:cNvPr id="32" name="Graphic 24">
+            <p:cNvPr id="39" name="Graphic 19">
               <a:extLst>
                 <a:ext uri="{FF2B5EF4-FFF2-40B4-BE49-F238E27FC236}">
-                  <a16:creationId xmlns:a16="http://schemas.microsoft.com/office/drawing/2014/main" id="{B85B84C1-FFAB-6160-092A-B7730A9069BA}"/>
+                  <a16:creationId xmlns:a16="http://schemas.microsoft.com/office/drawing/2014/main" id="{705EC96F-93AC-DA03-BE89-2E6843C45C72}"/>
                 </a:ext>
               </a:extLst>
             </p:cNvPr>
@@ -6107,7 +3801,7 @@
             <p:nvPr/>
           </p:nvPicPr>
           <p:blipFill>
-            <a:blip r:embed="rId15">
+            <a:blip r:embed="rId6">
               <a:extLst>
                 <a:ext uri="{28A0092B-C50C-407E-A947-70E740481C1C}">
                   <a14:useLocalDpi xmlns:a14="http://schemas.microsoft.com/office/drawing/2010/main" val="0"/>
@@ -6121,8 +3815,8 @@
           </p:blipFill>
           <p:spPr bwMode="auto">
             <a:xfrm>
-              <a:off x="2345571" y="5303520"/>
-              <a:ext cx="457200" cy="457200"/>
+              <a:off x="9134125" y="2286000"/>
+              <a:ext cx="762000" cy="762000"/>
             </a:xfrm>
             <a:prstGeom prst="rect">
               <a:avLst/>
@@ -6152,173 +3846,12 @@
             </a:extLst>
           </p:spPr>
         </p:pic>
-        <p:sp>
-          <p:nvSpPr>
-            <p:cNvPr id="33" name="TextBox 18">
+        <p:pic>
+          <p:nvPicPr>
+            <p:cNvPr id="41" name="Graphic 8">
               <a:extLst>
                 <a:ext uri="{FF2B5EF4-FFF2-40B4-BE49-F238E27FC236}">
-                  <a16:creationId xmlns:a16="http://schemas.microsoft.com/office/drawing/2014/main" id="{B1FE8E23-1AC0-A7A2-68AF-FC67EFB19FDB}"/>
-                </a:ext>
-              </a:extLst>
-            </p:cNvPr>
-            <p:cNvSpPr txBox="1">
-              <a:spLocks noChangeArrowheads="1"/>
-            </p:cNvSpPr>
-            <p:nvPr/>
-          </p:nvSpPr>
-          <p:spPr bwMode="auto">
-            <a:xfrm>
-              <a:off x="6355080" y="5715000"/>
-              <a:ext cx="1554480" cy="274320"/>
-            </a:xfrm>
-            <a:prstGeom prst="rect">
-              <a:avLst/>
-            </a:prstGeom>
-            <a:noFill/>
-            <a:ln>
-              <a:noFill/>
-            </a:ln>
-            <a:extLst>
-              <a:ext uri="{909E8E84-426E-40DD-AFC4-6F175D3DCCD1}">
-                <a14:hiddenFill xmlns:a14="http://schemas.microsoft.com/office/drawing/2010/main">
-                  <a:solidFill>
-                    <a:srgbClr val="FFFFFF"/>
-                  </a:solidFill>
-                </a14:hiddenFill>
-              </a:ext>
-              <a:ext uri="{91240B29-F687-4F45-9708-019B960494DF}">
-                <a14:hiddenLine xmlns:a14="http://schemas.microsoft.com/office/drawing/2010/main" w="9525">
-                  <a:solidFill>
-                    <a:srgbClr val="000000"/>
-                  </a:solidFill>
-                  <a:miter lim="800000"/>
-                  <a:headEnd/>
-                  <a:tailEnd/>
-                </a14:hiddenLine>
-              </a:ext>
-            </a:extLst>
-          </p:spPr>
-          <p:txBody>
-            <a:bodyPr wrap="square">
-              <a:spAutoFit/>
-            </a:bodyPr>
-            <a:lstStyle>
-              <a:lvl1pPr>
-                <a:defRPr>
-                  <a:solidFill>
-                    <a:schemeClr val="tx1"/>
-                  </a:solidFill>
-                  <a:latin typeface="Calibri" panose="020F0502020204030204" pitchFamily="34" charset="0"/>
-                </a:defRPr>
-              </a:lvl1pPr>
-              <a:lvl2pPr marL="742950" indent="-285750">
-                <a:defRPr>
-                  <a:solidFill>
-                    <a:schemeClr val="tx1"/>
-                  </a:solidFill>
-                  <a:latin typeface="Calibri" panose="020F0502020204030204" pitchFamily="34" charset="0"/>
-                </a:defRPr>
-              </a:lvl2pPr>
-              <a:lvl3pPr marL="1143000" indent="-228600">
-                <a:defRPr>
-                  <a:solidFill>
-                    <a:schemeClr val="tx1"/>
-                  </a:solidFill>
-                  <a:latin typeface="Calibri" panose="020F0502020204030204" pitchFamily="34" charset="0"/>
-                </a:defRPr>
-              </a:lvl3pPr>
-              <a:lvl4pPr marL="1600200" indent="-228600">
-                <a:defRPr>
-                  <a:solidFill>
-                    <a:schemeClr val="tx1"/>
-                  </a:solidFill>
-                  <a:latin typeface="Calibri" panose="020F0502020204030204" pitchFamily="34" charset="0"/>
-                </a:defRPr>
-              </a:lvl4pPr>
-              <a:lvl5pPr marL="2057400" indent="-228600">
-                <a:defRPr>
-                  <a:solidFill>
-                    <a:schemeClr val="tx1"/>
-                  </a:solidFill>
-                  <a:latin typeface="Calibri" panose="020F0502020204030204" pitchFamily="34" charset="0"/>
-                </a:defRPr>
-              </a:lvl5pPr>
-              <a:lvl6pPr marL="2514600" indent="-228600" eaLnBrk="0" fontAlgn="base" hangingPunct="0">
-                <a:spcBef>
-                  <a:spcPct val="0"/>
-                </a:spcBef>
-                <a:spcAft>
-                  <a:spcPct val="0"/>
-                </a:spcAft>
-                <a:defRPr>
-                  <a:solidFill>
-                    <a:schemeClr val="tx1"/>
-                  </a:solidFill>
-                  <a:latin typeface="Calibri" panose="020F0502020204030204" pitchFamily="34" charset="0"/>
-                </a:defRPr>
-              </a:lvl6pPr>
-              <a:lvl7pPr marL="2971800" indent="-228600" eaLnBrk="0" fontAlgn="base" hangingPunct="0">
-                <a:spcBef>
-                  <a:spcPct val="0"/>
-                </a:spcBef>
-                <a:spcAft>
-                  <a:spcPct val="0"/>
-                </a:spcAft>
-                <a:defRPr>
-                  <a:solidFill>
-                    <a:schemeClr val="tx1"/>
-                  </a:solidFill>
-                  <a:latin typeface="Calibri" panose="020F0502020204030204" pitchFamily="34" charset="0"/>
-                </a:defRPr>
-              </a:lvl7pPr>
-              <a:lvl8pPr marL="3429000" indent="-228600" eaLnBrk="0" fontAlgn="base" hangingPunct="0">
-                <a:spcBef>
-                  <a:spcPct val="0"/>
-                </a:spcBef>
-                <a:spcAft>
-                  <a:spcPct val="0"/>
-                </a:spcAft>
-                <a:defRPr>
-                  <a:solidFill>
-                    <a:schemeClr val="tx1"/>
-                  </a:solidFill>
-                  <a:latin typeface="Calibri" panose="020F0502020204030204" pitchFamily="34" charset="0"/>
-                </a:defRPr>
-              </a:lvl8pPr>
-              <a:lvl9pPr marL="3886200" indent="-228600" eaLnBrk="0" fontAlgn="base" hangingPunct="0">
-                <a:spcBef>
-                  <a:spcPct val="0"/>
-                </a:spcBef>
-                <a:spcAft>
-                  <a:spcPct val="0"/>
-                </a:spcAft>
-                <a:defRPr>
-                  <a:solidFill>
-                    <a:schemeClr val="tx1"/>
-                  </a:solidFill>
-                  <a:latin typeface="Calibri" panose="020F0502020204030204" pitchFamily="34" charset="0"/>
-                </a:defRPr>
-              </a:lvl9pPr>
-            </a:lstStyle>
-            <a:p>
-              <a:pPr algn="ctr" eaLnBrk="1" hangingPunct="1"/>
-              <a:r>
-                <a:rPr lang="en-US" altLang="en-US" sz="1100" dirty="0">
-                  <a:latin typeface="Arial" panose="020B0604020202020204" pitchFamily="34" charset="0"/>
-                  <a:ea typeface="Amazon Ember" panose="020B0603020204020204" pitchFamily="34" charset="0"/>
-                  <a:cs typeface="Arial" panose="020B0604020202020204" pitchFamily="34" charset="0"/>
-                </a:rPr>
-                <a:t>ElastiCache for Redis</a:t>
-              </a:r>
-            </a:p>
-          </p:txBody>
-        </p:sp>
-        <p:pic>
-          <p:nvPicPr>
-            <p:cNvPr id="34" name="Graphic 24">
-              <a:extLst>
-                <a:ext uri="{FF2B5EF4-FFF2-40B4-BE49-F238E27FC236}">
-                  <a16:creationId xmlns:a16="http://schemas.microsoft.com/office/drawing/2014/main" id="{BD3947F1-0891-B543-30B9-C815B9065987}"/>
+                  <a16:creationId xmlns:a16="http://schemas.microsoft.com/office/drawing/2014/main" id="{5EEB4156-9585-C2EF-7A00-F28A20A3654E}"/>
                 </a:ext>
               </a:extLst>
             </p:cNvPr>
@@ -6328,7 +3861,7 @@
             <p:nvPr/>
           </p:nvPicPr>
           <p:blipFill>
-            <a:blip r:embed="rId15">
+            <a:blip r:embed="rId7">
               <a:extLst>
                 <a:ext uri="{28A0092B-C50C-407E-A947-70E740481C1C}">
                   <a14:useLocalDpi xmlns:a14="http://schemas.microsoft.com/office/drawing/2010/main" val="0"/>
@@ -6342,8 +3875,8 @@
           </p:blipFill>
           <p:spPr bwMode="auto">
             <a:xfrm>
-              <a:off x="6898793" y="5303520"/>
-              <a:ext cx="457200" cy="457200"/>
+              <a:off x="9134125" y="914400"/>
+              <a:ext cx="762000" cy="762000"/>
             </a:xfrm>
             <a:prstGeom prst="rect">
               <a:avLst/>
@@ -6373,281 +3906,266 @@
             </a:extLst>
           </p:spPr>
         </p:pic>
-        <p:cxnSp>
-          <p:nvCxnSpPr>
-            <p:cNvPr id="43" name="Straight Arrow Connector 42">
+        <p:sp>
+          <p:nvSpPr>
+            <p:cNvPr id="12" name="TextBox 11">
               <a:extLst>
                 <a:ext uri="{FF2B5EF4-FFF2-40B4-BE49-F238E27FC236}">
-                  <a16:creationId xmlns:a16="http://schemas.microsoft.com/office/drawing/2014/main" id="{1879B0AB-1E79-8BA6-C9D0-73DCC9BE6515}"/>
+                  <a16:creationId xmlns:a16="http://schemas.microsoft.com/office/drawing/2014/main" id="{2EFA33D2-DCD1-4F33-8FA9-3BE2D44142B0}"/>
                 </a:ext>
               </a:extLst>
             </p:cNvPr>
-            <p:cNvCxnSpPr>
-              <a:cxnSpLocks/>
-              <a:stCxn id="32" idx="3"/>
-              <a:endCxn id="34" idx="1"/>
-            </p:cNvCxnSpPr>
+            <p:cNvSpPr txBox="1"/>
             <p:nvPr/>
-          </p:nvCxnSpPr>
+          </p:nvSpPr>
           <p:spPr>
             <a:xfrm>
-              <a:off x="2802771" y="5532120"/>
-              <a:ext cx="4096022" cy="0"/>
-            </a:xfrm>
-            <a:prstGeom prst="straightConnector1">
-              <a:avLst/>
-            </a:prstGeom>
-            <a:ln w="12700">
-              <a:solidFill>
-                <a:srgbClr val="545B64"/>
-              </a:solidFill>
-              <a:headEnd type="none" w="med" len="sm"/>
-              <a:tailEnd type="arrow" w="med" len="sm"/>
-            </a:ln>
-          </p:spPr>
-          <p:style>
-            <a:lnRef idx="1">
-              <a:schemeClr val="accent1"/>
-            </a:lnRef>
-            <a:fillRef idx="0">
-              <a:schemeClr val="accent1"/>
-            </a:fillRef>
-            <a:effectRef idx="0">
-              <a:schemeClr val="accent1"/>
-            </a:effectRef>
-            <a:fontRef idx="minor">
-              <a:schemeClr val="tx1"/>
-            </a:fontRef>
-          </p:style>
-        </p:cxnSp>
-        <p:sp>
-          <p:nvSpPr>
-            <p:cNvPr id="45" name="TextBox 22">
-              <a:extLst>
-                <a:ext uri="{FF2B5EF4-FFF2-40B4-BE49-F238E27FC236}">
-                  <a16:creationId xmlns:a16="http://schemas.microsoft.com/office/drawing/2014/main" id="{61213B28-9E6A-ACBF-3CFB-4F9B10AF8175}"/>
-                </a:ext>
-              </a:extLst>
-            </p:cNvPr>
-            <p:cNvSpPr txBox="1">
-              <a:spLocks noChangeArrowheads="1"/>
-            </p:cNvSpPr>
-            <p:nvPr/>
-          </p:nvSpPr>
-          <p:spPr bwMode="auto">
-            <a:xfrm>
-              <a:off x="4041648" y="3886200"/>
-              <a:ext cx="1645920" cy="261610"/>
+              <a:off x="9280960" y="3032760"/>
+              <a:ext cx="457200" cy="276999"/>
             </a:xfrm>
             <a:prstGeom prst="rect">
               <a:avLst/>
             </a:prstGeom>
             <a:noFill/>
-            <a:ln>
-              <a:noFill/>
-            </a:ln>
-            <a:extLst>
-              <a:ext uri="{909E8E84-426E-40DD-AFC4-6F175D3DCCD1}">
-                <a14:hiddenFill xmlns:a14="http://schemas.microsoft.com/office/drawing/2010/main">
-                  <a:solidFill>
-                    <a:srgbClr val="FFFFFF"/>
-                  </a:solidFill>
-                </a14:hiddenFill>
-              </a:ext>
-              <a:ext uri="{91240B29-F687-4F45-9708-019B960494DF}">
-                <a14:hiddenLine xmlns:a14="http://schemas.microsoft.com/office/drawing/2010/main" w="9525">
-                  <a:solidFill>
-                    <a:srgbClr val="000000"/>
-                  </a:solidFill>
-                  <a:miter lim="800000"/>
-                  <a:headEnd/>
-                  <a:tailEnd/>
-                </a14:hiddenLine>
-              </a:ext>
-            </a:extLst>
           </p:spPr>
           <p:txBody>
-            <a:bodyPr wrap="square">
+            <a:bodyPr wrap="square" rtlCol="0">
               <a:spAutoFit/>
             </a:bodyPr>
-            <a:lstStyle>
-              <a:lvl1pPr>
-                <a:defRPr>
-                  <a:solidFill>
-                    <a:schemeClr val="tx1"/>
-                  </a:solidFill>
-                  <a:latin typeface="Calibri" panose="020F0502020204030204" pitchFamily="34" charset="0"/>
-                </a:defRPr>
-              </a:lvl1pPr>
-              <a:lvl2pPr marL="742950" indent="-285750">
-                <a:defRPr>
-                  <a:solidFill>
-                    <a:schemeClr val="tx1"/>
-                  </a:solidFill>
-                  <a:latin typeface="Calibri" panose="020F0502020204030204" pitchFamily="34" charset="0"/>
-                </a:defRPr>
-              </a:lvl2pPr>
-              <a:lvl3pPr marL="1143000" indent="-228600">
-                <a:defRPr>
-                  <a:solidFill>
-                    <a:schemeClr val="tx1"/>
-                  </a:solidFill>
-                  <a:latin typeface="Calibri" panose="020F0502020204030204" pitchFamily="34" charset="0"/>
-                </a:defRPr>
-              </a:lvl3pPr>
-              <a:lvl4pPr marL="1600200" indent="-228600">
-                <a:defRPr>
-                  <a:solidFill>
-                    <a:schemeClr val="tx1"/>
-                  </a:solidFill>
-                  <a:latin typeface="Calibri" panose="020F0502020204030204" pitchFamily="34" charset="0"/>
-                </a:defRPr>
-              </a:lvl4pPr>
-              <a:lvl5pPr marL="2057400" indent="-228600">
-                <a:defRPr>
-                  <a:solidFill>
-                    <a:schemeClr val="tx1"/>
-                  </a:solidFill>
-                  <a:latin typeface="Calibri" panose="020F0502020204030204" pitchFamily="34" charset="0"/>
-                </a:defRPr>
-              </a:lvl5pPr>
-              <a:lvl6pPr marL="2514600" indent="-228600" eaLnBrk="0" fontAlgn="base" hangingPunct="0">
-                <a:spcBef>
-                  <a:spcPct val="0"/>
-                </a:spcBef>
-                <a:spcAft>
-                  <a:spcPct val="0"/>
-                </a:spcAft>
-                <a:defRPr>
-                  <a:solidFill>
-                    <a:schemeClr val="tx1"/>
-                  </a:solidFill>
-                  <a:latin typeface="Calibri" panose="020F0502020204030204" pitchFamily="34" charset="0"/>
-                </a:defRPr>
-              </a:lvl6pPr>
-              <a:lvl7pPr marL="2971800" indent="-228600" eaLnBrk="0" fontAlgn="base" hangingPunct="0">
-                <a:spcBef>
-                  <a:spcPct val="0"/>
-                </a:spcBef>
-                <a:spcAft>
-                  <a:spcPct val="0"/>
-                </a:spcAft>
-                <a:defRPr>
-                  <a:solidFill>
-                    <a:schemeClr val="tx1"/>
-                  </a:solidFill>
-                  <a:latin typeface="Calibri" panose="020F0502020204030204" pitchFamily="34" charset="0"/>
-                </a:defRPr>
-              </a:lvl7pPr>
-              <a:lvl8pPr marL="3429000" indent="-228600" eaLnBrk="0" fontAlgn="base" hangingPunct="0">
-                <a:spcBef>
-                  <a:spcPct val="0"/>
-                </a:spcBef>
-                <a:spcAft>
-                  <a:spcPct val="0"/>
-                </a:spcAft>
-                <a:defRPr>
-                  <a:solidFill>
-                    <a:schemeClr val="tx1"/>
-                  </a:solidFill>
-                  <a:latin typeface="Calibri" panose="020F0502020204030204" pitchFamily="34" charset="0"/>
-                </a:defRPr>
-              </a:lvl8pPr>
-              <a:lvl9pPr marL="3886200" indent="-228600" eaLnBrk="0" fontAlgn="base" hangingPunct="0">
-                <a:spcBef>
-                  <a:spcPct val="0"/>
-                </a:spcBef>
-                <a:spcAft>
-                  <a:spcPct val="0"/>
-                </a:spcAft>
-                <a:defRPr>
-                  <a:solidFill>
-                    <a:schemeClr val="tx1"/>
-                  </a:solidFill>
-                  <a:latin typeface="Calibri" panose="020F0502020204030204" pitchFamily="34" charset="0"/>
-                </a:defRPr>
-              </a:lvl9pPr>
-            </a:lstStyle>
+            <a:lstStyle/>
             <a:p>
-              <a:pPr algn="ctr" eaLnBrk="1" hangingPunct="1"/>
+              <a:pPr algn="ctr"/>
               <a:r>
-                <a:rPr lang="en-US" altLang="en-US" sz="1100" dirty="0">
+                <a:rPr lang="en-US" sz="1200" dirty="0">
                   <a:latin typeface="Arial" panose="020B0604020202020204" pitchFamily="34" charset="0"/>
-                  <a:ea typeface="Amazon Ember" panose="020B0603020204020204" pitchFamily="34" charset="0"/>
                   <a:cs typeface="Arial" panose="020B0604020202020204" pitchFamily="34" charset="0"/>
                 </a:rPr>
-                <a:t>Network Load Balancer</a:t>
+                <a:t>IAM</a:t>
               </a:r>
             </a:p>
           </p:txBody>
         </p:sp>
-        <p:pic>
-          <p:nvPicPr>
-            <p:cNvPr id="46" name="Graphic 24">
-              <a:extLst>
-                <a:ext uri="{FF2B5EF4-FFF2-40B4-BE49-F238E27FC236}">
-                  <a16:creationId xmlns:a16="http://schemas.microsoft.com/office/drawing/2014/main" id="{818F2F54-5B21-048C-EDD0-E37D3D97D3E0}"/>
-                </a:ext>
-              </a:extLst>
-            </p:cNvPr>
-            <p:cNvPicPr>
-              <a:picLocks noChangeAspect="1" noChangeArrowheads="1"/>
-            </p:cNvPicPr>
-            <p:nvPr/>
-          </p:nvPicPr>
-          <p:blipFill>
-            <a:blip r:embed="rId16">
-              <a:extLst>
-                <a:ext uri="{28A0092B-C50C-407E-A947-70E740481C1C}">
-                  <a14:useLocalDpi xmlns:a14="http://schemas.microsoft.com/office/drawing/2010/main" val="0"/>
-                </a:ext>
-              </a:extLst>
-            </a:blip>
-            <a:srcRect/>
-            <a:stretch>
-              <a:fillRect/>
-            </a:stretch>
-          </p:blipFill>
-          <p:spPr bwMode="auto">
-            <a:xfrm>
-              <a:off x="4636008" y="3474720"/>
-              <a:ext cx="457200" cy="457200"/>
-            </a:xfrm>
-            <a:prstGeom prst="rect">
-              <a:avLst/>
-            </a:prstGeom>
+      </p:grpSp>
+      <p:sp>
+        <p:nvSpPr>
+          <p:cNvPr id="10" name="Rectangle 9">
+            <a:extLst>
+              <a:ext uri="{FF2B5EF4-FFF2-40B4-BE49-F238E27FC236}">
+                <a16:creationId xmlns:a16="http://schemas.microsoft.com/office/drawing/2014/main" id="{DC4B8EF8-5321-E056-A9C8-20D0CD4D3C1E}"/>
+              </a:ext>
+            </a:extLst>
+          </p:cNvPr>
+          <p:cNvSpPr/>
+          <p:nvPr/>
+        </p:nvSpPr>
+        <p:spPr>
+          <a:xfrm>
+            <a:off x="5989119" y="914400"/>
+            <a:ext cx="2011680" cy="5120640"/>
+          </a:xfrm>
+          <a:prstGeom prst="rect">
+            <a:avLst/>
+          </a:prstGeom>
+          <a:noFill/>
+          <a:ln w="12700">
+            <a:solidFill>
+              <a:srgbClr val="5B9CD5"/>
+            </a:solidFill>
+            <a:prstDash val="dash"/>
+          </a:ln>
+        </p:spPr>
+        <p:style>
+          <a:lnRef idx="2">
+            <a:schemeClr val="accent1">
+              <a:shade val="50000"/>
+            </a:schemeClr>
+          </a:lnRef>
+          <a:fillRef idx="1">
+            <a:schemeClr val="accent1"/>
+          </a:fillRef>
+          <a:effectRef idx="0">
+            <a:schemeClr val="accent1"/>
+          </a:effectRef>
+          <a:fontRef idx="minor">
+            <a:schemeClr val="lt1"/>
+          </a:fontRef>
+        </p:style>
+        <p:txBody>
+          <a:bodyPr tIns="91440"/>
+          <a:lstStyle/>
+          <a:p>
+            <a:pPr algn="ctr" eaLnBrk="1" fontAlgn="auto" hangingPunct="1">
+              <a:spcBef>
+                <a:spcPts val="0"/>
+              </a:spcBef>
+              <a:spcAft>
+                <a:spcPts val="0"/>
+              </a:spcAft>
+              <a:defRPr/>
+            </a:pPr>
+            <a:r>
+              <a:rPr lang="en-US" sz="1200" dirty="0">
+                <a:solidFill>
+                  <a:srgbClr val="5B9CD5"/>
+                </a:solidFill>
+                <a:latin typeface="Arial" panose="020B0604020202020204" pitchFamily="34" charset="0"/>
+                <a:cs typeface="Arial" panose="020B0604020202020204" pitchFamily="34" charset="0"/>
+              </a:rPr>
+              <a:t>Availability Zone 2</a:t>
+            </a:r>
+          </a:p>
+        </p:txBody>
+      </p:sp>
+      <p:sp>
+        <p:nvSpPr>
+          <p:cNvPr id="17" name="Rectangle 16">
+            <a:extLst>
+              <a:ext uri="{FF2B5EF4-FFF2-40B4-BE49-F238E27FC236}">
+                <a16:creationId xmlns:a16="http://schemas.microsoft.com/office/drawing/2014/main" id="{643CC51D-CC44-FCDA-A513-C95C2ED0C2C7}"/>
+              </a:ext>
+            </a:extLst>
+          </p:cNvPr>
+          <p:cNvSpPr/>
+          <p:nvPr/>
+        </p:nvSpPr>
+        <p:spPr>
+          <a:xfrm>
+            <a:off x="1920241" y="1586439"/>
+            <a:ext cx="1828800" cy="1920240"/>
+          </a:xfrm>
+          <a:prstGeom prst="rect">
+            <a:avLst/>
+          </a:prstGeom>
+          <a:solidFill>
+            <a:srgbClr val="1D8900">
+              <a:alpha val="9804"/>
+            </a:srgbClr>
+          </a:solidFill>
+          <a:ln w="12700">
             <a:noFill/>
-            <a:ln>
-              <a:noFill/>
-            </a:ln>
-            <a:extLst>
-              <a:ext uri="{909E8E84-426E-40DD-AFC4-6F175D3DCCD1}">
-                <a14:hiddenFill xmlns:a14="http://schemas.microsoft.com/office/drawing/2010/main">
-                  <a:solidFill>
-                    <a:srgbClr val="FFFFFF"/>
-                  </a:solidFill>
-                </a14:hiddenFill>
-              </a:ext>
-              <a:ext uri="{91240B29-F687-4F45-9708-019B960494DF}">
-                <a14:hiddenLine xmlns:a14="http://schemas.microsoft.com/office/drawing/2010/main" w="9525">
-                  <a:solidFill>
-                    <a:srgbClr val="000000"/>
-                  </a:solidFill>
-                  <a:miter lim="800000"/>
-                  <a:headEnd/>
-                  <a:tailEnd/>
-                </a14:hiddenLine>
-              </a:ext>
-            </a:extLst>
-          </p:spPr>
-        </p:pic>
-      </p:grpSp>
+            <a:prstDash val="dash"/>
+          </a:ln>
+        </p:spPr>
+        <p:style>
+          <a:lnRef idx="2">
+            <a:schemeClr val="accent1">
+              <a:shade val="50000"/>
+            </a:schemeClr>
+          </a:lnRef>
+          <a:fillRef idx="1">
+            <a:schemeClr val="accent1"/>
+          </a:fillRef>
+          <a:effectRef idx="0">
+            <a:schemeClr val="accent1"/>
+          </a:effectRef>
+          <a:fontRef idx="minor">
+            <a:schemeClr val="lt1"/>
+          </a:fontRef>
+        </p:style>
+        <p:txBody>
+          <a:bodyPr lIns="502920"/>
+          <a:lstStyle/>
+          <a:p>
+            <a:pPr eaLnBrk="1" fontAlgn="auto" hangingPunct="1">
+              <a:spcBef>
+                <a:spcPts val="0"/>
+              </a:spcBef>
+              <a:spcAft>
+                <a:spcPts val="0"/>
+              </a:spcAft>
+              <a:defRPr/>
+            </a:pPr>
+            <a:r>
+              <a:rPr lang="en-US" sz="1200" dirty="0">
+                <a:solidFill>
+                  <a:srgbClr val="1E8900"/>
+                </a:solidFill>
+                <a:latin typeface="Arial" panose="020B0604020202020204" pitchFamily="34" charset="0"/>
+                <a:cs typeface="Arial" panose="020B0604020202020204" pitchFamily="34" charset="0"/>
+              </a:rPr>
+              <a:t>Public subnet</a:t>
+            </a:r>
+          </a:p>
+        </p:txBody>
+      </p:sp>
+      <p:sp>
+        <p:nvSpPr>
+          <p:cNvPr id="18" name="Rectangle 17">
+            <a:extLst>
+              <a:ext uri="{FF2B5EF4-FFF2-40B4-BE49-F238E27FC236}">
+                <a16:creationId xmlns:a16="http://schemas.microsoft.com/office/drawing/2014/main" id="{5DCF90B3-A342-6AFD-CB16-C150A89A63DA}"/>
+              </a:ext>
+            </a:extLst>
+          </p:cNvPr>
+          <p:cNvSpPr/>
+          <p:nvPr/>
+        </p:nvSpPr>
+        <p:spPr>
+          <a:xfrm>
+            <a:off x="6080559" y="1590408"/>
+            <a:ext cx="1828800" cy="1920240"/>
+          </a:xfrm>
+          <a:prstGeom prst="rect">
+            <a:avLst/>
+          </a:prstGeom>
+          <a:solidFill>
+            <a:srgbClr val="1D8900">
+              <a:alpha val="9804"/>
+            </a:srgbClr>
+          </a:solidFill>
+          <a:ln w="12700">
+            <a:noFill/>
+            <a:prstDash val="dash"/>
+          </a:ln>
+        </p:spPr>
+        <p:style>
+          <a:lnRef idx="2">
+            <a:schemeClr val="accent1">
+              <a:shade val="50000"/>
+            </a:schemeClr>
+          </a:lnRef>
+          <a:fillRef idx="1">
+            <a:schemeClr val="accent1"/>
+          </a:fillRef>
+          <a:effectRef idx="0">
+            <a:schemeClr val="accent1"/>
+          </a:effectRef>
+          <a:fontRef idx="minor">
+            <a:schemeClr val="lt1"/>
+          </a:fontRef>
+        </p:style>
+        <p:txBody>
+          <a:bodyPr lIns="502920"/>
+          <a:lstStyle/>
+          <a:p>
+            <a:pPr eaLnBrk="1" fontAlgn="auto" hangingPunct="1">
+              <a:spcBef>
+                <a:spcPts val="0"/>
+              </a:spcBef>
+              <a:spcAft>
+                <a:spcPts val="0"/>
+              </a:spcAft>
+              <a:defRPr/>
+            </a:pPr>
+            <a:r>
+              <a:rPr lang="en-US" sz="1200" dirty="0">
+                <a:solidFill>
+                  <a:srgbClr val="1E8900"/>
+                </a:solidFill>
+                <a:latin typeface="Arial" panose="020B0604020202020204" pitchFamily="34" charset="0"/>
+                <a:cs typeface="Arial" panose="020B0604020202020204" pitchFamily="34" charset="0"/>
+              </a:rPr>
+              <a:t>Public subnet</a:t>
+            </a:r>
+          </a:p>
+        </p:txBody>
+      </p:sp>
       <p:pic>
         <p:nvPicPr>
-          <p:cNvPr id="44" name="Graphic 43">
-            <a:extLst>
-              <a:ext uri="{FF2B5EF4-FFF2-40B4-BE49-F238E27FC236}">
-                <a16:creationId xmlns:a16="http://schemas.microsoft.com/office/drawing/2014/main" id="{4C1C72F2-5754-44DD-8C69-ECD740AEB6D4}"/>
+          <p:cNvPr id="19" name="Graphic 18">
+            <a:extLst>
+              <a:ext uri="{FF2B5EF4-FFF2-40B4-BE49-F238E27FC236}">
+                <a16:creationId xmlns:a16="http://schemas.microsoft.com/office/drawing/2014/main" id="{9950E88D-2300-C388-E325-61CF553996DA}"/>
               </a:ext>
             </a:extLst>
           </p:cNvPr>
@@ -6657,19 +4175,20 @@
           <p:nvPr/>
         </p:nvPicPr>
         <p:blipFill>
-          <a:blip r:embed="rId17">
+          <a:blip r:embed="rId8">
             <a:extLst>
               <a:ext uri="{96DAC541-7B7A-43D3-8B79-37D633B846F1}">
-                <asvg:svgBlip xmlns:asvg="http://schemas.microsoft.com/office/drawing/2016/SVG/main" r:embed="rId18"/>
+                <asvg:svgBlip xmlns:asvg="http://schemas.microsoft.com/office/drawing/2016/SVG/main" r:embed="rId9"/>
               </a:ext>
             </a:extLst>
           </a:blip>
-          <a:srcRect/>
-          <a:stretch/>
+          <a:stretch>
+            <a:fillRect/>
+          </a:stretch>
         </p:blipFill>
         <p:spPr>
           <a:xfrm>
-            <a:off x="822961" y="822960"/>
+            <a:off x="6080559" y="1586439"/>
             <a:ext cx="381000" cy="381000"/>
           </a:xfrm>
           <a:prstGeom prst="rect">
@@ -6677,6 +4196,2357 @@
           </a:prstGeom>
         </p:spPr>
       </p:pic>
+      <p:pic>
+        <p:nvPicPr>
+          <p:cNvPr id="20" name="Graphic 19">
+            <a:extLst>
+              <a:ext uri="{FF2B5EF4-FFF2-40B4-BE49-F238E27FC236}">
+                <a16:creationId xmlns:a16="http://schemas.microsoft.com/office/drawing/2014/main" id="{39A5444F-118E-AEBD-73C2-309188BA8764}"/>
+              </a:ext>
+            </a:extLst>
+          </p:cNvPr>
+          <p:cNvPicPr>
+            <a:picLocks noChangeAspect="1"/>
+          </p:cNvPicPr>
+          <p:nvPr/>
+        </p:nvPicPr>
+        <p:blipFill>
+          <a:blip r:embed="rId8">
+            <a:extLst>
+              <a:ext uri="{96DAC541-7B7A-43D3-8B79-37D633B846F1}">
+                <asvg:svgBlip xmlns:asvg="http://schemas.microsoft.com/office/drawing/2016/SVG/main" r:embed="rId9"/>
+              </a:ext>
+            </a:extLst>
+          </a:blip>
+          <a:stretch>
+            <a:fillRect/>
+          </a:stretch>
+        </p:blipFill>
+        <p:spPr>
+          <a:xfrm>
+            <a:off x="1920240" y="1586439"/>
+            <a:ext cx="381000" cy="381000"/>
+          </a:xfrm>
+          <a:prstGeom prst="rect">
+            <a:avLst/>
+          </a:prstGeom>
+        </p:spPr>
+      </p:pic>
+      <p:pic>
+        <p:nvPicPr>
+          <p:cNvPr id="22" name="Graphic 21">
+            <a:extLst>
+              <a:ext uri="{FF2B5EF4-FFF2-40B4-BE49-F238E27FC236}">
+                <a16:creationId xmlns:a16="http://schemas.microsoft.com/office/drawing/2014/main" id="{39F04247-847A-E757-D191-D1FB26D6B0C0}"/>
+              </a:ext>
+            </a:extLst>
+          </p:cNvPr>
+          <p:cNvPicPr>
+            <a:picLocks noChangeAspect="1"/>
+          </p:cNvPicPr>
+          <p:nvPr/>
+        </p:nvPicPr>
+        <p:blipFill>
+          <a:blip r:embed="rId10">
+            <a:extLst>
+              <a:ext uri="{96DAC541-7B7A-43D3-8B79-37D633B846F1}">
+                <asvg:svgBlip xmlns:asvg="http://schemas.microsoft.com/office/drawing/2016/SVG/main" r:embed="rId11"/>
+              </a:ext>
+            </a:extLst>
+          </a:blip>
+          <a:stretch>
+            <a:fillRect/>
+          </a:stretch>
+        </p:blipFill>
+        <p:spPr>
+          <a:xfrm>
+            <a:off x="4708959" y="2651760"/>
+            <a:ext cx="381000" cy="381000"/>
+          </a:xfrm>
+          <a:prstGeom prst="rect">
+            <a:avLst/>
+          </a:prstGeom>
+        </p:spPr>
+      </p:pic>
+      <p:pic>
+        <p:nvPicPr>
+          <p:cNvPr id="25" name="Graphic 60">
+            <a:extLst>
+              <a:ext uri="{FF2B5EF4-FFF2-40B4-BE49-F238E27FC236}">
+                <a16:creationId xmlns:a16="http://schemas.microsoft.com/office/drawing/2014/main" id="{78110C61-1A70-F8EC-D3B5-1AFD54F4EAD7}"/>
+              </a:ext>
+            </a:extLst>
+          </p:cNvPr>
+          <p:cNvPicPr>
+            <a:picLocks noChangeAspect="1" noChangeArrowheads="1"/>
+          </p:cNvPicPr>
+          <p:nvPr/>
+        </p:nvPicPr>
+        <p:blipFill>
+          <a:blip r:embed="rId12">
+            <a:extLst>
+              <a:ext uri="{28A0092B-C50C-407E-A947-70E740481C1C}">
+                <a14:useLocalDpi xmlns:a14="http://schemas.microsoft.com/office/drawing/2010/main" val="0"/>
+              </a:ext>
+            </a:extLst>
+          </a:blip>
+          <a:srcRect/>
+          <a:stretch>
+            <a:fillRect/>
+          </a:stretch>
+        </p:blipFill>
+        <p:spPr bwMode="auto">
+          <a:xfrm>
+            <a:off x="2697279" y="2697480"/>
+            <a:ext cx="457200" cy="457200"/>
+          </a:xfrm>
+          <a:prstGeom prst="rect">
+            <a:avLst/>
+          </a:prstGeom>
+          <a:noFill/>
+          <a:ln>
+            <a:noFill/>
+          </a:ln>
+          <a:extLst>
+            <a:ext uri="{909E8E84-426E-40DD-AFC4-6F175D3DCCD1}">
+              <a14:hiddenFill xmlns:a14="http://schemas.microsoft.com/office/drawing/2010/main">
+                <a:solidFill>
+                  <a:srgbClr val="FFFFFF"/>
+                </a:solidFill>
+              </a14:hiddenFill>
+            </a:ext>
+            <a:ext uri="{91240B29-F687-4F45-9708-019B960494DF}">
+              <a14:hiddenLine xmlns:a14="http://schemas.microsoft.com/office/drawing/2010/main" w="9525">
+                <a:solidFill>
+                  <a:srgbClr val="000000"/>
+                </a:solidFill>
+                <a:miter lim="800000"/>
+                <a:headEnd/>
+                <a:tailEnd/>
+              </a14:hiddenLine>
+            </a:ext>
+          </a:extLst>
+        </p:spPr>
+      </p:pic>
+      <p:sp>
+        <p:nvSpPr>
+          <p:cNvPr id="26" name="TextBox 16">
+            <a:extLst>
+              <a:ext uri="{FF2B5EF4-FFF2-40B4-BE49-F238E27FC236}">
+                <a16:creationId xmlns:a16="http://schemas.microsoft.com/office/drawing/2014/main" id="{12BAF212-124A-B62C-DAEF-B4A68D0001A1}"/>
+              </a:ext>
+            </a:extLst>
+          </p:cNvPr>
+          <p:cNvSpPr txBox="1">
+            <a:spLocks noChangeArrowheads="1"/>
+          </p:cNvSpPr>
+          <p:nvPr/>
+        </p:nvSpPr>
+        <p:spPr bwMode="auto">
+          <a:xfrm>
+            <a:off x="2514399" y="3108960"/>
+            <a:ext cx="822960" cy="274320"/>
+          </a:xfrm>
+          <a:prstGeom prst="rect">
+            <a:avLst/>
+          </a:prstGeom>
+          <a:noFill/>
+          <a:ln>
+            <a:noFill/>
+          </a:ln>
+          <a:extLst>
+            <a:ext uri="{909E8E84-426E-40DD-AFC4-6F175D3DCCD1}">
+              <a14:hiddenFill xmlns:a14="http://schemas.microsoft.com/office/drawing/2010/main">
+                <a:solidFill>
+                  <a:srgbClr val="FFFFFF"/>
+                </a:solidFill>
+              </a14:hiddenFill>
+            </a:ext>
+            <a:ext uri="{91240B29-F687-4F45-9708-019B960494DF}">
+              <a14:hiddenLine xmlns:a14="http://schemas.microsoft.com/office/drawing/2010/main" w="9525">
+                <a:solidFill>
+                  <a:srgbClr val="000000"/>
+                </a:solidFill>
+                <a:miter lim="800000"/>
+                <a:headEnd/>
+                <a:tailEnd/>
+              </a14:hiddenLine>
+            </a:ext>
+          </a:extLst>
+        </p:spPr>
+        <p:txBody>
+          <a:bodyPr wrap="square" lIns="0" rIns="0">
+            <a:spAutoFit/>
+          </a:bodyPr>
+          <a:lstStyle>
+            <a:lvl1pPr>
+              <a:defRPr>
+                <a:solidFill>
+                  <a:schemeClr val="tx1"/>
+                </a:solidFill>
+                <a:latin typeface="Calibri" panose="020F0502020204030204" pitchFamily="34" charset="0"/>
+              </a:defRPr>
+            </a:lvl1pPr>
+            <a:lvl2pPr marL="742950" indent="-285750">
+              <a:defRPr>
+                <a:solidFill>
+                  <a:schemeClr val="tx1"/>
+                </a:solidFill>
+                <a:latin typeface="Calibri" panose="020F0502020204030204" pitchFamily="34" charset="0"/>
+              </a:defRPr>
+            </a:lvl2pPr>
+            <a:lvl3pPr marL="1143000" indent="-228600">
+              <a:defRPr>
+                <a:solidFill>
+                  <a:schemeClr val="tx1"/>
+                </a:solidFill>
+                <a:latin typeface="Calibri" panose="020F0502020204030204" pitchFamily="34" charset="0"/>
+              </a:defRPr>
+            </a:lvl3pPr>
+            <a:lvl4pPr marL="1600200" indent="-228600">
+              <a:defRPr>
+                <a:solidFill>
+                  <a:schemeClr val="tx1"/>
+                </a:solidFill>
+                <a:latin typeface="Calibri" panose="020F0502020204030204" pitchFamily="34" charset="0"/>
+              </a:defRPr>
+            </a:lvl4pPr>
+            <a:lvl5pPr marL="2057400" indent="-228600">
+              <a:defRPr>
+                <a:solidFill>
+                  <a:schemeClr val="tx1"/>
+                </a:solidFill>
+                <a:latin typeface="Calibri" panose="020F0502020204030204" pitchFamily="34" charset="0"/>
+              </a:defRPr>
+            </a:lvl5pPr>
+            <a:lvl6pPr marL="2514600" indent="-228600" eaLnBrk="0" fontAlgn="base" hangingPunct="0">
+              <a:spcBef>
+                <a:spcPct val="0"/>
+              </a:spcBef>
+              <a:spcAft>
+                <a:spcPct val="0"/>
+              </a:spcAft>
+              <a:defRPr>
+                <a:solidFill>
+                  <a:schemeClr val="tx1"/>
+                </a:solidFill>
+                <a:latin typeface="Calibri" panose="020F0502020204030204" pitchFamily="34" charset="0"/>
+              </a:defRPr>
+            </a:lvl6pPr>
+            <a:lvl7pPr marL="2971800" indent="-228600" eaLnBrk="0" fontAlgn="base" hangingPunct="0">
+              <a:spcBef>
+                <a:spcPct val="0"/>
+              </a:spcBef>
+              <a:spcAft>
+                <a:spcPct val="0"/>
+              </a:spcAft>
+              <a:defRPr>
+                <a:solidFill>
+                  <a:schemeClr val="tx1"/>
+                </a:solidFill>
+                <a:latin typeface="Calibri" panose="020F0502020204030204" pitchFamily="34" charset="0"/>
+              </a:defRPr>
+            </a:lvl7pPr>
+            <a:lvl8pPr marL="3429000" indent="-228600" eaLnBrk="0" fontAlgn="base" hangingPunct="0">
+              <a:spcBef>
+                <a:spcPct val="0"/>
+              </a:spcBef>
+              <a:spcAft>
+                <a:spcPct val="0"/>
+              </a:spcAft>
+              <a:defRPr>
+                <a:solidFill>
+                  <a:schemeClr val="tx1"/>
+                </a:solidFill>
+                <a:latin typeface="Calibri" panose="020F0502020204030204" pitchFamily="34" charset="0"/>
+              </a:defRPr>
+            </a:lvl8pPr>
+            <a:lvl9pPr marL="3886200" indent="-228600" eaLnBrk="0" fontAlgn="base" hangingPunct="0">
+              <a:spcBef>
+                <a:spcPct val="0"/>
+              </a:spcBef>
+              <a:spcAft>
+                <a:spcPct val="0"/>
+              </a:spcAft>
+              <a:defRPr>
+                <a:solidFill>
+                  <a:schemeClr val="tx1"/>
+                </a:solidFill>
+                <a:latin typeface="Calibri" panose="020F0502020204030204" pitchFamily="34" charset="0"/>
+              </a:defRPr>
+            </a:lvl9pPr>
+          </a:lstStyle>
+          <a:p>
+            <a:pPr algn="ctr" eaLnBrk="1" hangingPunct="1"/>
+            <a:r>
+              <a:rPr lang="en-US" altLang="en-US" sz="1100" dirty="0">
+                <a:latin typeface="Arial" panose="020B0604020202020204" pitchFamily="34" charset="0"/>
+                <a:ea typeface="Amazon Ember" panose="020B0603020204020204" pitchFamily="34" charset="0"/>
+                <a:cs typeface="Arial" panose="020B0604020202020204" pitchFamily="34" charset="0"/>
+              </a:rPr>
+              <a:t>Bastion host</a:t>
+            </a:r>
+          </a:p>
+        </p:txBody>
+      </p:sp>
+      <p:sp>
+        <p:nvSpPr>
+          <p:cNvPr id="35" name="TextBox 17">
+            <a:extLst>
+              <a:ext uri="{FF2B5EF4-FFF2-40B4-BE49-F238E27FC236}">
+                <a16:creationId xmlns:a16="http://schemas.microsoft.com/office/drawing/2014/main" id="{C571C0B6-4922-B976-5979-82592D8BE827}"/>
+              </a:ext>
+            </a:extLst>
+          </p:cNvPr>
+          <p:cNvSpPr txBox="1">
+            <a:spLocks noChangeArrowheads="1"/>
+          </p:cNvSpPr>
+          <p:nvPr/>
+        </p:nvSpPr>
+        <p:spPr bwMode="auto">
+          <a:xfrm>
+            <a:off x="2377239" y="2331720"/>
+            <a:ext cx="1097280" cy="261610"/>
+          </a:xfrm>
+          <a:prstGeom prst="rect">
+            <a:avLst/>
+          </a:prstGeom>
+          <a:noFill/>
+          <a:ln>
+            <a:noFill/>
+          </a:ln>
+          <a:extLst>
+            <a:ext uri="{909E8E84-426E-40DD-AFC4-6F175D3DCCD1}">
+              <a14:hiddenFill xmlns:a14="http://schemas.microsoft.com/office/drawing/2010/main">
+                <a:solidFill>
+                  <a:srgbClr val="FFFFFF"/>
+                </a:solidFill>
+              </a14:hiddenFill>
+            </a:ext>
+            <a:ext uri="{91240B29-F687-4F45-9708-019B960494DF}">
+              <a14:hiddenLine xmlns:a14="http://schemas.microsoft.com/office/drawing/2010/main" w="9525">
+                <a:solidFill>
+                  <a:srgbClr val="000000"/>
+                </a:solidFill>
+                <a:miter lim="800000"/>
+                <a:headEnd/>
+                <a:tailEnd/>
+              </a14:hiddenLine>
+            </a:ext>
+          </a:extLst>
+        </p:spPr>
+        <p:txBody>
+          <a:bodyPr wrap="square">
+            <a:spAutoFit/>
+          </a:bodyPr>
+          <a:lstStyle>
+            <a:lvl1pPr>
+              <a:defRPr>
+                <a:solidFill>
+                  <a:schemeClr val="tx1"/>
+                </a:solidFill>
+                <a:latin typeface="Calibri" panose="020F0502020204030204" pitchFamily="34" charset="0"/>
+              </a:defRPr>
+            </a:lvl1pPr>
+            <a:lvl2pPr marL="742950" indent="-285750">
+              <a:defRPr>
+                <a:solidFill>
+                  <a:schemeClr val="tx1"/>
+                </a:solidFill>
+                <a:latin typeface="Calibri" panose="020F0502020204030204" pitchFamily="34" charset="0"/>
+              </a:defRPr>
+            </a:lvl2pPr>
+            <a:lvl3pPr marL="1143000" indent="-228600">
+              <a:defRPr>
+                <a:solidFill>
+                  <a:schemeClr val="tx1"/>
+                </a:solidFill>
+                <a:latin typeface="Calibri" panose="020F0502020204030204" pitchFamily="34" charset="0"/>
+              </a:defRPr>
+            </a:lvl3pPr>
+            <a:lvl4pPr marL="1600200" indent="-228600">
+              <a:defRPr>
+                <a:solidFill>
+                  <a:schemeClr val="tx1"/>
+                </a:solidFill>
+                <a:latin typeface="Calibri" panose="020F0502020204030204" pitchFamily="34" charset="0"/>
+              </a:defRPr>
+            </a:lvl4pPr>
+            <a:lvl5pPr marL="2057400" indent="-228600">
+              <a:defRPr>
+                <a:solidFill>
+                  <a:schemeClr val="tx1"/>
+                </a:solidFill>
+                <a:latin typeface="Calibri" panose="020F0502020204030204" pitchFamily="34" charset="0"/>
+              </a:defRPr>
+            </a:lvl5pPr>
+            <a:lvl6pPr marL="2514600" indent="-228600" eaLnBrk="0" fontAlgn="base" hangingPunct="0">
+              <a:spcBef>
+                <a:spcPct val="0"/>
+              </a:spcBef>
+              <a:spcAft>
+                <a:spcPct val="0"/>
+              </a:spcAft>
+              <a:defRPr>
+                <a:solidFill>
+                  <a:schemeClr val="tx1"/>
+                </a:solidFill>
+                <a:latin typeface="Calibri" panose="020F0502020204030204" pitchFamily="34" charset="0"/>
+              </a:defRPr>
+            </a:lvl6pPr>
+            <a:lvl7pPr marL="2971800" indent="-228600" eaLnBrk="0" fontAlgn="base" hangingPunct="0">
+              <a:spcBef>
+                <a:spcPct val="0"/>
+              </a:spcBef>
+              <a:spcAft>
+                <a:spcPct val="0"/>
+              </a:spcAft>
+              <a:defRPr>
+                <a:solidFill>
+                  <a:schemeClr val="tx1"/>
+                </a:solidFill>
+                <a:latin typeface="Calibri" panose="020F0502020204030204" pitchFamily="34" charset="0"/>
+              </a:defRPr>
+            </a:lvl7pPr>
+            <a:lvl8pPr marL="3429000" indent="-228600" eaLnBrk="0" fontAlgn="base" hangingPunct="0">
+              <a:spcBef>
+                <a:spcPct val="0"/>
+              </a:spcBef>
+              <a:spcAft>
+                <a:spcPct val="0"/>
+              </a:spcAft>
+              <a:defRPr>
+                <a:solidFill>
+                  <a:schemeClr val="tx1"/>
+                </a:solidFill>
+                <a:latin typeface="Calibri" panose="020F0502020204030204" pitchFamily="34" charset="0"/>
+              </a:defRPr>
+            </a:lvl8pPr>
+            <a:lvl9pPr marL="3886200" indent="-228600" eaLnBrk="0" fontAlgn="base" hangingPunct="0">
+              <a:spcBef>
+                <a:spcPct val="0"/>
+              </a:spcBef>
+              <a:spcAft>
+                <a:spcPct val="0"/>
+              </a:spcAft>
+              <a:defRPr>
+                <a:solidFill>
+                  <a:schemeClr val="tx1"/>
+                </a:solidFill>
+                <a:latin typeface="Calibri" panose="020F0502020204030204" pitchFamily="34" charset="0"/>
+              </a:defRPr>
+            </a:lvl9pPr>
+          </a:lstStyle>
+          <a:p>
+            <a:pPr algn="ctr" eaLnBrk="1" hangingPunct="1"/>
+            <a:r>
+              <a:rPr lang="en-US" altLang="en-US" sz="1100" dirty="0">
+                <a:latin typeface="Arial" panose="020B0604020202020204" pitchFamily="34" charset="0"/>
+                <a:ea typeface="Amazon Ember" panose="020B0603020204020204" pitchFamily="34" charset="0"/>
+                <a:cs typeface="Arial" panose="020B0604020202020204" pitchFamily="34" charset="0"/>
+              </a:rPr>
+              <a:t>NAT gateway</a:t>
+            </a:r>
+          </a:p>
+        </p:txBody>
+      </p:sp>
+      <p:pic>
+        <p:nvPicPr>
+          <p:cNvPr id="36" name="Graphic 35">
+            <a:extLst>
+              <a:ext uri="{FF2B5EF4-FFF2-40B4-BE49-F238E27FC236}">
+                <a16:creationId xmlns:a16="http://schemas.microsoft.com/office/drawing/2014/main" id="{68389D14-53CA-B5F2-F38C-52A869748383}"/>
+              </a:ext>
+            </a:extLst>
+          </p:cNvPr>
+          <p:cNvPicPr>
+            <a:picLocks noChangeAspect="1" noChangeArrowheads="1"/>
+          </p:cNvPicPr>
+          <p:nvPr/>
+        </p:nvPicPr>
+        <p:blipFill>
+          <a:blip r:embed="rId13">
+            <a:extLst>
+              <a:ext uri="{28A0092B-C50C-407E-A947-70E740481C1C}">
+                <a14:useLocalDpi xmlns:a14="http://schemas.microsoft.com/office/drawing/2010/main" val="0"/>
+              </a:ext>
+            </a:extLst>
+          </a:blip>
+          <a:srcRect/>
+          <a:stretch>
+            <a:fillRect/>
+          </a:stretch>
+        </p:blipFill>
+        <p:spPr bwMode="auto">
+          <a:xfrm>
+            <a:off x="2697279" y="1920240"/>
+            <a:ext cx="457200" cy="457200"/>
+          </a:xfrm>
+          <a:prstGeom prst="rect">
+            <a:avLst/>
+          </a:prstGeom>
+          <a:noFill/>
+          <a:ln>
+            <a:noFill/>
+          </a:ln>
+          <a:extLst>
+            <a:ext uri="{909E8E84-426E-40DD-AFC4-6F175D3DCCD1}">
+              <a14:hiddenFill xmlns:a14="http://schemas.microsoft.com/office/drawing/2010/main">
+                <a:solidFill>
+                  <a:srgbClr val="FFFFFF"/>
+                </a:solidFill>
+              </a14:hiddenFill>
+            </a:ext>
+            <a:ext uri="{91240B29-F687-4F45-9708-019B960494DF}">
+              <a14:hiddenLine xmlns:a14="http://schemas.microsoft.com/office/drawing/2010/main" w="9525">
+                <a:solidFill>
+                  <a:srgbClr val="000000"/>
+                </a:solidFill>
+                <a:miter lim="800000"/>
+                <a:headEnd/>
+                <a:tailEnd/>
+              </a14:hiddenLine>
+            </a:ext>
+          </a:extLst>
+        </p:spPr>
+      </p:pic>
+      <p:sp>
+        <p:nvSpPr>
+          <p:cNvPr id="37" name="TextBox 17">
+            <a:extLst>
+              <a:ext uri="{FF2B5EF4-FFF2-40B4-BE49-F238E27FC236}">
+                <a16:creationId xmlns:a16="http://schemas.microsoft.com/office/drawing/2014/main" id="{D9BF1BBD-F3E4-FFB6-3921-DD859E25EEC3}"/>
+              </a:ext>
+            </a:extLst>
+          </p:cNvPr>
+          <p:cNvSpPr txBox="1">
+            <a:spLocks noChangeArrowheads="1"/>
+          </p:cNvSpPr>
+          <p:nvPr/>
+        </p:nvSpPr>
+        <p:spPr bwMode="auto">
+          <a:xfrm>
+            <a:off x="6355080" y="2331720"/>
+            <a:ext cx="1097280" cy="261610"/>
+          </a:xfrm>
+          <a:prstGeom prst="rect">
+            <a:avLst/>
+          </a:prstGeom>
+          <a:noFill/>
+          <a:ln>
+            <a:noFill/>
+          </a:ln>
+          <a:extLst>
+            <a:ext uri="{909E8E84-426E-40DD-AFC4-6F175D3DCCD1}">
+              <a14:hiddenFill xmlns:a14="http://schemas.microsoft.com/office/drawing/2010/main">
+                <a:solidFill>
+                  <a:srgbClr val="FFFFFF"/>
+                </a:solidFill>
+              </a14:hiddenFill>
+            </a:ext>
+            <a:ext uri="{91240B29-F687-4F45-9708-019B960494DF}">
+              <a14:hiddenLine xmlns:a14="http://schemas.microsoft.com/office/drawing/2010/main" w="9525">
+                <a:solidFill>
+                  <a:srgbClr val="000000"/>
+                </a:solidFill>
+                <a:miter lim="800000"/>
+                <a:headEnd/>
+                <a:tailEnd/>
+              </a14:hiddenLine>
+            </a:ext>
+          </a:extLst>
+        </p:spPr>
+        <p:txBody>
+          <a:bodyPr wrap="square">
+            <a:spAutoFit/>
+          </a:bodyPr>
+          <a:lstStyle>
+            <a:lvl1pPr>
+              <a:defRPr>
+                <a:solidFill>
+                  <a:schemeClr val="tx1"/>
+                </a:solidFill>
+                <a:latin typeface="Calibri" panose="020F0502020204030204" pitchFamily="34" charset="0"/>
+              </a:defRPr>
+            </a:lvl1pPr>
+            <a:lvl2pPr marL="742950" indent="-285750">
+              <a:defRPr>
+                <a:solidFill>
+                  <a:schemeClr val="tx1"/>
+                </a:solidFill>
+                <a:latin typeface="Calibri" panose="020F0502020204030204" pitchFamily="34" charset="0"/>
+              </a:defRPr>
+            </a:lvl2pPr>
+            <a:lvl3pPr marL="1143000" indent="-228600">
+              <a:defRPr>
+                <a:solidFill>
+                  <a:schemeClr val="tx1"/>
+                </a:solidFill>
+                <a:latin typeface="Calibri" panose="020F0502020204030204" pitchFamily="34" charset="0"/>
+              </a:defRPr>
+            </a:lvl3pPr>
+            <a:lvl4pPr marL="1600200" indent="-228600">
+              <a:defRPr>
+                <a:solidFill>
+                  <a:schemeClr val="tx1"/>
+                </a:solidFill>
+                <a:latin typeface="Calibri" panose="020F0502020204030204" pitchFamily="34" charset="0"/>
+              </a:defRPr>
+            </a:lvl4pPr>
+            <a:lvl5pPr marL="2057400" indent="-228600">
+              <a:defRPr>
+                <a:solidFill>
+                  <a:schemeClr val="tx1"/>
+                </a:solidFill>
+                <a:latin typeface="Calibri" panose="020F0502020204030204" pitchFamily="34" charset="0"/>
+              </a:defRPr>
+            </a:lvl5pPr>
+            <a:lvl6pPr marL="2514600" indent="-228600" eaLnBrk="0" fontAlgn="base" hangingPunct="0">
+              <a:spcBef>
+                <a:spcPct val="0"/>
+              </a:spcBef>
+              <a:spcAft>
+                <a:spcPct val="0"/>
+              </a:spcAft>
+              <a:defRPr>
+                <a:solidFill>
+                  <a:schemeClr val="tx1"/>
+                </a:solidFill>
+                <a:latin typeface="Calibri" panose="020F0502020204030204" pitchFamily="34" charset="0"/>
+              </a:defRPr>
+            </a:lvl6pPr>
+            <a:lvl7pPr marL="2971800" indent="-228600" eaLnBrk="0" fontAlgn="base" hangingPunct="0">
+              <a:spcBef>
+                <a:spcPct val="0"/>
+              </a:spcBef>
+              <a:spcAft>
+                <a:spcPct val="0"/>
+              </a:spcAft>
+              <a:defRPr>
+                <a:solidFill>
+                  <a:schemeClr val="tx1"/>
+                </a:solidFill>
+                <a:latin typeface="Calibri" panose="020F0502020204030204" pitchFamily="34" charset="0"/>
+              </a:defRPr>
+            </a:lvl7pPr>
+            <a:lvl8pPr marL="3429000" indent="-228600" eaLnBrk="0" fontAlgn="base" hangingPunct="0">
+              <a:spcBef>
+                <a:spcPct val="0"/>
+              </a:spcBef>
+              <a:spcAft>
+                <a:spcPct val="0"/>
+              </a:spcAft>
+              <a:defRPr>
+                <a:solidFill>
+                  <a:schemeClr val="tx1"/>
+                </a:solidFill>
+                <a:latin typeface="Calibri" panose="020F0502020204030204" pitchFamily="34" charset="0"/>
+              </a:defRPr>
+            </a:lvl8pPr>
+            <a:lvl9pPr marL="3886200" indent="-228600" eaLnBrk="0" fontAlgn="base" hangingPunct="0">
+              <a:spcBef>
+                <a:spcPct val="0"/>
+              </a:spcBef>
+              <a:spcAft>
+                <a:spcPct val="0"/>
+              </a:spcAft>
+              <a:defRPr>
+                <a:solidFill>
+                  <a:schemeClr val="tx1"/>
+                </a:solidFill>
+                <a:latin typeface="Calibri" panose="020F0502020204030204" pitchFamily="34" charset="0"/>
+              </a:defRPr>
+            </a:lvl9pPr>
+          </a:lstStyle>
+          <a:p>
+            <a:pPr algn="ctr" eaLnBrk="1" hangingPunct="1"/>
+            <a:r>
+              <a:rPr lang="en-US" altLang="en-US" sz="1100" dirty="0">
+                <a:latin typeface="Arial" panose="020B0604020202020204" pitchFamily="34" charset="0"/>
+                <a:ea typeface="Amazon Ember" panose="020B0603020204020204" pitchFamily="34" charset="0"/>
+                <a:cs typeface="Arial" panose="020B0604020202020204" pitchFamily="34" charset="0"/>
+              </a:rPr>
+              <a:t>NAT gateway</a:t>
+            </a:r>
+          </a:p>
+        </p:txBody>
+      </p:sp>
+      <p:pic>
+        <p:nvPicPr>
+          <p:cNvPr id="38" name="Graphic 35">
+            <a:extLst>
+              <a:ext uri="{FF2B5EF4-FFF2-40B4-BE49-F238E27FC236}">
+                <a16:creationId xmlns:a16="http://schemas.microsoft.com/office/drawing/2014/main" id="{AAFC4404-D7F5-2BE6-7F25-6DEFB469E2FB}"/>
+              </a:ext>
+            </a:extLst>
+          </p:cNvPr>
+          <p:cNvPicPr>
+            <a:picLocks noChangeAspect="1" noChangeArrowheads="1"/>
+          </p:cNvPicPr>
+          <p:nvPr/>
+        </p:nvPicPr>
+        <p:blipFill>
+          <a:blip r:embed="rId13">
+            <a:extLst>
+              <a:ext uri="{28A0092B-C50C-407E-A947-70E740481C1C}">
+                <a14:useLocalDpi xmlns:a14="http://schemas.microsoft.com/office/drawing/2010/main" val="0"/>
+              </a:ext>
+            </a:extLst>
+          </a:blip>
+          <a:srcRect/>
+          <a:stretch>
+            <a:fillRect/>
+          </a:stretch>
+        </p:blipFill>
+        <p:spPr bwMode="auto">
+          <a:xfrm>
+            <a:off x="6675120" y="1920240"/>
+            <a:ext cx="457200" cy="457200"/>
+          </a:xfrm>
+          <a:prstGeom prst="rect">
+            <a:avLst/>
+          </a:prstGeom>
+          <a:noFill/>
+          <a:ln>
+            <a:noFill/>
+          </a:ln>
+          <a:extLst>
+            <a:ext uri="{909E8E84-426E-40DD-AFC4-6F175D3DCCD1}">
+              <a14:hiddenFill xmlns:a14="http://schemas.microsoft.com/office/drawing/2010/main">
+                <a:solidFill>
+                  <a:srgbClr val="FFFFFF"/>
+                </a:solidFill>
+              </a14:hiddenFill>
+            </a:ext>
+            <a:ext uri="{91240B29-F687-4F45-9708-019B960494DF}">
+              <a14:hiddenLine xmlns:a14="http://schemas.microsoft.com/office/drawing/2010/main" w="9525">
+                <a:solidFill>
+                  <a:srgbClr val="000000"/>
+                </a:solidFill>
+                <a:miter lim="800000"/>
+                <a:headEnd/>
+                <a:tailEnd/>
+              </a14:hiddenLine>
+            </a:ext>
+          </a:extLst>
+        </p:spPr>
+      </p:pic>
+      <p:sp>
+        <p:nvSpPr>
+          <p:cNvPr id="13" name="Rectangle 12">
+            <a:extLst>
+              <a:ext uri="{FF2B5EF4-FFF2-40B4-BE49-F238E27FC236}">
+                <a16:creationId xmlns:a16="http://schemas.microsoft.com/office/drawing/2014/main" id="{254A236B-F5A7-2461-CDB1-E99A921F3A0D}"/>
+              </a:ext>
+            </a:extLst>
+          </p:cNvPr>
+          <p:cNvSpPr/>
+          <p:nvPr/>
+        </p:nvSpPr>
+        <p:spPr>
+          <a:xfrm>
+            <a:off x="1920242" y="3566160"/>
+            <a:ext cx="1828800" cy="2286000"/>
+          </a:xfrm>
+          <a:prstGeom prst="rect">
+            <a:avLst/>
+          </a:prstGeom>
+          <a:solidFill>
+            <a:srgbClr val="007CBC">
+              <a:alpha val="9804"/>
+            </a:srgbClr>
+          </a:solidFill>
+          <a:ln w="12700">
+            <a:noFill/>
+            <a:prstDash val="dash"/>
+          </a:ln>
+        </p:spPr>
+        <p:style>
+          <a:lnRef idx="2">
+            <a:schemeClr val="accent1">
+              <a:shade val="50000"/>
+            </a:schemeClr>
+          </a:lnRef>
+          <a:fillRef idx="1">
+            <a:schemeClr val="accent1"/>
+          </a:fillRef>
+          <a:effectRef idx="0">
+            <a:schemeClr val="accent1"/>
+          </a:effectRef>
+          <a:fontRef idx="minor">
+            <a:schemeClr val="lt1"/>
+          </a:fontRef>
+        </p:style>
+        <p:txBody>
+          <a:bodyPr lIns="502920"/>
+          <a:lstStyle/>
+          <a:p>
+            <a:pPr eaLnBrk="1" fontAlgn="auto" hangingPunct="1">
+              <a:spcBef>
+                <a:spcPts val="0"/>
+              </a:spcBef>
+              <a:spcAft>
+                <a:spcPts val="0"/>
+              </a:spcAft>
+              <a:defRPr/>
+            </a:pPr>
+            <a:r>
+              <a:rPr lang="en-US" sz="1200" dirty="0">
+                <a:solidFill>
+                  <a:srgbClr val="5B9CD5"/>
+                </a:solidFill>
+                <a:latin typeface="Arial" panose="020B0604020202020204" pitchFamily="34" charset="0"/>
+                <a:cs typeface="Arial" panose="020B0604020202020204" pitchFamily="34" charset="0"/>
+              </a:rPr>
+              <a:t>Private subnet</a:t>
+            </a:r>
+          </a:p>
+        </p:txBody>
+      </p:sp>
+      <p:sp>
+        <p:nvSpPr>
+          <p:cNvPr id="14" name="Rectangle 13">
+            <a:extLst>
+              <a:ext uri="{FF2B5EF4-FFF2-40B4-BE49-F238E27FC236}">
+                <a16:creationId xmlns:a16="http://schemas.microsoft.com/office/drawing/2014/main" id="{FC2247FC-C1A9-58A8-5869-4A89D4833D0E}"/>
+              </a:ext>
+            </a:extLst>
+          </p:cNvPr>
+          <p:cNvSpPr/>
+          <p:nvPr/>
+        </p:nvSpPr>
+        <p:spPr>
+          <a:xfrm>
+            <a:off x="6080559" y="3657600"/>
+            <a:ext cx="1828800" cy="2194560"/>
+          </a:xfrm>
+          <a:prstGeom prst="rect">
+            <a:avLst/>
+          </a:prstGeom>
+          <a:solidFill>
+            <a:srgbClr val="007CBC">
+              <a:alpha val="9804"/>
+            </a:srgbClr>
+          </a:solidFill>
+          <a:ln w="12700">
+            <a:noFill/>
+            <a:prstDash val="dash"/>
+          </a:ln>
+        </p:spPr>
+        <p:style>
+          <a:lnRef idx="2">
+            <a:schemeClr val="accent1">
+              <a:shade val="50000"/>
+            </a:schemeClr>
+          </a:lnRef>
+          <a:fillRef idx="1">
+            <a:schemeClr val="accent1"/>
+          </a:fillRef>
+          <a:effectRef idx="0">
+            <a:schemeClr val="accent1"/>
+          </a:effectRef>
+          <a:fontRef idx="minor">
+            <a:schemeClr val="lt1"/>
+          </a:fontRef>
+        </p:style>
+        <p:txBody>
+          <a:bodyPr lIns="502920"/>
+          <a:lstStyle/>
+          <a:p>
+            <a:pPr eaLnBrk="1" fontAlgn="auto" hangingPunct="1">
+              <a:spcBef>
+                <a:spcPts val="0"/>
+              </a:spcBef>
+              <a:spcAft>
+                <a:spcPts val="0"/>
+              </a:spcAft>
+              <a:defRPr/>
+            </a:pPr>
+            <a:r>
+              <a:rPr lang="en-US" sz="1200" dirty="0">
+                <a:solidFill>
+                  <a:srgbClr val="5B9CD5"/>
+                </a:solidFill>
+                <a:latin typeface="Arial" panose="020B0604020202020204" pitchFamily="34" charset="0"/>
+                <a:cs typeface="Arial" panose="020B0604020202020204" pitchFamily="34" charset="0"/>
+              </a:rPr>
+              <a:t>Private subnet</a:t>
+            </a:r>
+          </a:p>
+        </p:txBody>
+      </p:sp>
+      <p:pic>
+        <p:nvPicPr>
+          <p:cNvPr id="15" name="Graphic 14">
+            <a:extLst>
+              <a:ext uri="{FF2B5EF4-FFF2-40B4-BE49-F238E27FC236}">
+                <a16:creationId xmlns:a16="http://schemas.microsoft.com/office/drawing/2014/main" id="{557675C8-DD93-36F4-8EE7-689E2C4E72A5}"/>
+              </a:ext>
+            </a:extLst>
+          </p:cNvPr>
+          <p:cNvPicPr>
+            <a:picLocks noChangeAspect="1"/>
+          </p:cNvPicPr>
+          <p:nvPr/>
+        </p:nvPicPr>
+        <p:blipFill>
+          <a:blip r:embed="rId14">
+            <a:extLst>
+              <a:ext uri="{96DAC541-7B7A-43D3-8B79-37D633B846F1}">
+                <asvg:svgBlip xmlns:asvg="http://schemas.microsoft.com/office/drawing/2016/SVG/main" r:embed="rId15"/>
+              </a:ext>
+            </a:extLst>
+          </a:blip>
+          <a:stretch>
+            <a:fillRect/>
+          </a:stretch>
+        </p:blipFill>
+        <p:spPr>
+          <a:xfrm>
+            <a:off x="1920242" y="3566160"/>
+            <a:ext cx="381000" cy="381000"/>
+          </a:xfrm>
+          <a:prstGeom prst="rect">
+            <a:avLst/>
+          </a:prstGeom>
+        </p:spPr>
+      </p:pic>
+      <p:pic>
+        <p:nvPicPr>
+          <p:cNvPr id="16" name="Graphic 15">
+            <a:extLst>
+              <a:ext uri="{FF2B5EF4-FFF2-40B4-BE49-F238E27FC236}">
+                <a16:creationId xmlns:a16="http://schemas.microsoft.com/office/drawing/2014/main" id="{071E41B8-B94C-AFE9-A10B-C11CCCB729FC}"/>
+              </a:ext>
+            </a:extLst>
+          </p:cNvPr>
+          <p:cNvPicPr>
+            <a:picLocks noChangeAspect="1"/>
+          </p:cNvPicPr>
+          <p:nvPr/>
+        </p:nvPicPr>
+        <p:blipFill>
+          <a:blip r:embed="rId14">
+            <a:extLst>
+              <a:ext uri="{96DAC541-7B7A-43D3-8B79-37D633B846F1}">
+                <asvg:svgBlip xmlns:asvg="http://schemas.microsoft.com/office/drawing/2016/SVG/main" r:embed="rId15"/>
+              </a:ext>
+            </a:extLst>
+          </a:blip>
+          <a:stretch>
+            <a:fillRect/>
+          </a:stretch>
+        </p:blipFill>
+        <p:spPr>
+          <a:xfrm>
+            <a:off x="6080559" y="3657600"/>
+            <a:ext cx="381000" cy="381000"/>
+          </a:xfrm>
+          <a:prstGeom prst="rect">
+            <a:avLst/>
+          </a:prstGeom>
+        </p:spPr>
+      </p:pic>
+      <p:pic>
+        <p:nvPicPr>
+          <p:cNvPr id="27" name="Graphic 62">
+            <a:extLst>
+              <a:ext uri="{FF2B5EF4-FFF2-40B4-BE49-F238E27FC236}">
+                <a16:creationId xmlns:a16="http://schemas.microsoft.com/office/drawing/2014/main" id="{3A5EDC42-A0F3-F98A-83F6-4EF73716641D}"/>
+              </a:ext>
+            </a:extLst>
+          </p:cNvPr>
+          <p:cNvPicPr>
+            <a:picLocks noChangeAspect="1" noChangeArrowheads="1"/>
+          </p:cNvPicPr>
+          <p:nvPr/>
+        </p:nvPicPr>
+        <p:blipFill>
+          <a:blip r:embed="rId16">
+            <a:extLst>
+              <a:ext uri="{28A0092B-C50C-407E-A947-70E740481C1C}">
+                <a14:useLocalDpi xmlns:a14="http://schemas.microsoft.com/office/drawing/2010/main" val="0"/>
+              </a:ext>
+            </a:extLst>
+          </a:blip>
+          <a:srcRect/>
+          <a:stretch>
+            <a:fillRect/>
+          </a:stretch>
+        </p:blipFill>
+        <p:spPr bwMode="auto">
+          <a:xfrm>
+            <a:off x="2697279" y="4389120"/>
+            <a:ext cx="457200" cy="457200"/>
+          </a:xfrm>
+          <a:prstGeom prst="rect">
+            <a:avLst/>
+          </a:prstGeom>
+          <a:noFill/>
+          <a:ln>
+            <a:noFill/>
+          </a:ln>
+          <a:extLst>
+            <a:ext uri="{909E8E84-426E-40DD-AFC4-6F175D3DCCD1}">
+              <a14:hiddenFill xmlns:a14="http://schemas.microsoft.com/office/drawing/2010/main">
+                <a:solidFill>
+                  <a:srgbClr val="FFFFFF"/>
+                </a:solidFill>
+              </a14:hiddenFill>
+            </a:ext>
+            <a:ext uri="{91240B29-F687-4F45-9708-019B960494DF}">
+              <a14:hiddenLine xmlns:a14="http://schemas.microsoft.com/office/drawing/2010/main" w="9525">
+                <a:solidFill>
+                  <a:srgbClr val="000000"/>
+                </a:solidFill>
+                <a:miter lim="800000"/>
+                <a:headEnd/>
+                <a:tailEnd/>
+              </a14:hiddenLine>
+            </a:ext>
+          </a:extLst>
+        </p:spPr>
+      </p:pic>
+      <p:sp>
+        <p:nvSpPr>
+          <p:cNvPr id="29" name="TextBox 16">
+            <a:extLst>
+              <a:ext uri="{FF2B5EF4-FFF2-40B4-BE49-F238E27FC236}">
+                <a16:creationId xmlns:a16="http://schemas.microsoft.com/office/drawing/2014/main" id="{23DEA758-B9AF-2ECB-BCE7-3A7143520D88}"/>
+              </a:ext>
+            </a:extLst>
+          </p:cNvPr>
+          <p:cNvSpPr txBox="1">
+            <a:spLocks noChangeArrowheads="1"/>
+          </p:cNvSpPr>
+          <p:nvPr/>
+        </p:nvSpPr>
+        <p:spPr bwMode="auto">
+          <a:xfrm>
+            <a:off x="2560119" y="4800600"/>
+            <a:ext cx="731520" cy="274320"/>
+          </a:xfrm>
+          <a:prstGeom prst="rect">
+            <a:avLst/>
+          </a:prstGeom>
+          <a:noFill/>
+          <a:ln>
+            <a:noFill/>
+          </a:ln>
+          <a:extLst>
+            <a:ext uri="{909E8E84-426E-40DD-AFC4-6F175D3DCCD1}">
+              <a14:hiddenFill xmlns:a14="http://schemas.microsoft.com/office/drawing/2010/main">
+                <a:solidFill>
+                  <a:srgbClr val="FFFFFF"/>
+                </a:solidFill>
+              </a14:hiddenFill>
+            </a:ext>
+            <a:ext uri="{91240B29-F687-4F45-9708-019B960494DF}">
+              <a14:hiddenLine xmlns:a14="http://schemas.microsoft.com/office/drawing/2010/main" w="9525">
+                <a:solidFill>
+                  <a:srgbClr val="000000"/>
+                </a:solidFill>
+                <a:miter lim="800000"/>
+                <a:headEnd/>
+                <a:tailEnd/>
+              </a14:hiddenLine>
+            </a:ext>
+          </a:extLst>
+        </p:spPr>
+        <p:txBody>
+          <a:bodyPr wrap="square" lIns="0" rIns="0">
+            <a:spAutoFit/>
+          </a:bodyPr>
+          <a:lstStyle>
+            <a:lvl1pPr>
+              <a:defRPr>
+                <a:solidFill>
+                  <a:schemeClr val="tx1"/>
+                </a:solidFill>
+                <a:latin typeface="Calibri" panose="020F0502020204030204" pitchFamily="34" charset="0"/>
+              </a:defRPr>
+            </a:lvl1pPr>
+            <a:lvl2pPr marL="742950" indent="-285750">
+              <a:defRPr>
+                <a:solidFill>
+                  <a:schemeClr val="tx1"/>
+                </a:solidFill>
+                <a:latin typeface="Calibri" panose="020F0502020204030204" pitchFamily="34" charset="0"/>
+              </a:defRPr>
+            </a:lvl2pPr>
+            <a:lvl3pPr marL="1143000" indent="-228600">
+              <a:defRPr>
+                <a:solidFill>
+                  <a:schemeClr val="tx1"/>
+                </a:solidFill>
+                <a:latin typeface="Calibri" panose="020F0502020204030204" pitchFamily="34" charset="0"/>
+              </a:defRPr>
+            </a:lvl3pPr>
+            <a:lvl4pPr marL="1600200" indent="-228600">
+              <a:defRPr>
+                <a:solidFill>
+                  <a:schemeClr val="tx1"/>
+                </a:solidFill>
+                <a:latin typeface="Calibri" panose="020F0502020204030204" pitchFamily="34" charset="0"/>
+              </a:defRPr>
+            </a:lvl4pPr>
+            <a:lvl5pPr marL="2057400" indent="-228600">
+              <a:defRPr>
+                <a:solidFill>
+                  <a:schemeClr val="tx1"/>
+                </a:solidFill>
+                <a:latin typeface="Calibri" panose="020F0502020204030204" pitchFamily="34" charset="0"/>
+              </a:defRPr>
+            </a:lvl5pPr>
+            <a:lvl6pPr marL="2514600" indent="-228600" eaLnBrk="0" fontAlgn="base" hangingPunct="0">
+              <a:spcBef>
+                <a:spcPct val="0"/>
+              </a:spcBef>
+              <a:spcAft>
+                <a:spcPct val="0"/>
+              </a:spcAft>
+              <a:defRPr>
+                <a:solidFill>
+                  <a:schemeClr val="tx1"/>
+                </a:solidFill>
+                <a:latin typeface="Calibri" panose="020F0502020204030204" pitchFamily="34" charset="0"/>
+              </a:defRPr>
+            </a:lvl6pPr>
+            <a:lvl7pPr marL="2971800" indent="-228600" eaLnBrk="0" fontAlgn="base" hangingPunct="0">
+              <a:spcBef>
+                <a:spcPct val="0"/>
+              </a:spcBef>
+              <a:spcAft>
+                <a:spcPct val="0"/>
+              </a:spcAft>
+              <a:defRPr>
+                <a:solidFill>
+                  <a:schemeClr val="tx1"/>
+                </a:solidFill>
+                <a:latin typeface="Calibri" panose="020F0502020204030204" pitchFamily="34" charset="0"/>
+              </a:defRPr>
+            </a:lvl7pPr>
+            <a:lvl8pPr marL="3429000" indent="-228600" eaLnBrk="0" fontAlgn="base" hangingPunct="0">
+              <a:spcBef>
+                <a:spcPct val="0"/>
+              </a:spcBef>
+              <a:spcAft>
+                <a:spcPct val="0"/>
+              </a:spcAft>
+              <a:defRPr>
+                <a:solidFill>
+                  <a:schemeClr val="tx1"/>
+                </a:solidFill>
+                <a:latin typeface="Calibri" panose="020F0502020204030204" pitchFamily="34" charset="0"/>
+              </a:defRPr>
+            </a:lvl8pPr>
+            <a:lvl9pPr marL="3886200" indent="-228600" eaLnBrk="0" fontAlgn="base" hangingPunct="0">
+              <a:spcBef>
+                <a:spcPct val="0"/>
+              </a:spcBef>
+              <a:spcAft>
+                <a:spcPct val="0"/>
+              </a:spcAft>
+              <a:defRPr>
+                <a:solidFill>
+                  <a:schemeClr val="tx1"/>
+                </a:solidFill>
+                <a:latin typeface="Calibri" panose="020F0502020204030204" pitchFamily="34" charset="0"/>
+              </a:defRPr>
+            </a:lvl9pPr>
+          </a:lstStyle>
+          <a:p>
+            <a:pPr algn="ctr" eaLnBrk="1" hangingPunct="1"/>
+            <a:r>
+              <a:rPr lang="en-US" altLang="en-US" sz="1100" dirty="0">
+                <a:latin typeface="Arial" panose="020B0604020202020204" pitchFamily="34" charset="0"/>
+                <a:ea typeface="Amazon Ember" panose="020B0603020204020204" pitchFamily="34" charset="0"/>
+                <a:cs typeface="Arial" panose="020B0604020202020204" pitchFamily="34" charset="0"/>
+              </a:rPr>
+              <a:t>Data nodes</a:t>
+            </a:r>
+          </a:p>
+        </p:txBody>
+      </p:sp>
+      <p:pic>
+        <p:nvPicPr>
+          <p:cNvPr id="23" name="Graphic 22">
+            <a:extLst>
+              <a:ext uri="{FF2B5EF4-FFF2-40B4-BE49-F238E27FC236}">
+                <a16:creationId xmlns:a16="http://schemas.microsoft.com/office/drawing/2014/main" id="{247480B1-6DB6-DA36-2AB2-0110CF2317A8}"/>
+              </a:ext>
+            </a:extLst>
+          </p:cNvPr>
+          <p:cNvPicPr>
+            <a:picLocks noChangeAspect="1"/>
+          </p:cNvPicPr>
+          <p:nvPr/>
+        </p:nvPicPr>
+        <p:blipFill>
+          <a:blip r:embed="rId10">
+            <a:extLst>
+              <a:ext uri="{96DAC541-7B7A-43D3-8B79-37D633B846F1}">
+                <asvg:svgBlip xmlns:asvg="http://schemas.microsoft.com/office/drawing/2016/SVG/main" r:embed="rId11"/>
+              </a:ext>
+            </a:extLst>
+          </a:blip>
+          <a:stretch>
+            <a:fillRect/>
+          </a:stretch>
+        </p:blipFill>
+        <p:spPr>
+          <a:xfrm>
+            <a:off x="4708959" y="4297680"/>
+            <a:ext cx="381000" cy="381000"/>
+          </a:xfrm>
+          <a:prstGeom prst="rect">
+            <a:avLst/>
+          </a:prstGeom>
+        </p:spPr>
+      </p:pic>
+      <p:pic>
+        <p:nvPicPr>
+          <p:cNvPr id="28" name="Graphic 62">
+            <a:extLst>
+              <a:ext uri="{FF2B5EF4-FFF2-40B4-BE49-F238E27FC236}">
+                <a16:creationId xmlns:a16="http://schemas.microsoft.com/office/drawing/2014/main" id="{E155BD68-CB11-A4D6-56FC-EF6F67DDD1F2}"/>
+              </a:ext>
+            </a:extLst>
+          </p:cNvPr>
+          <p:cNvPicPr>
+            <a:picLocks noChangeAspect="1" noChangeArrowheads="1"/>
+          </p:cNvPicPr>
+          <p:nvPr/>
+        </p:nvPicPr>
+        <p:blipFill>
+          <a:blip r:embed="rId16">
+            <a:extLst>
+              <a:ext uri="{28A0092B-C50C-407E-A947-70E740481C1C}">
+                <a14:useLocalDpi xmlns:a14="http://schemas.microsoft.com/office/drawing/2010/main" val="0"/>
+              </a:ext>
+            </a:extLst>
+          </a:blip>
+          <a:srcRect/>
+          <a:stretch>
+            <a:fillRect/>
+          </a:stretch>
+        </p:blipFill>
+        <p:spPr bwMode="auto">
+          <a:xfrm>
+            <a:off x="6675120" y="4389120"/>
+            <a:ext cx="457200" cy="457200"/>
+          </a:xfrm>
+          <a:prstGeom prst="rect">
+            <a:avLst/>
+          </a:prstGeom>
+          <a:noFill/>
+          <a:ln>
+            <a:noFill/>
+          </a:ln>
+          <a:extLst>
+            <a:ext uri="{909E8E84-426E-40DD-AFC4-6F175D3DCCD1}">
+              <a14:hiddenFill xmlns:a14="http://schemas.microsoft.com/office/drawing/2010/main">
+                <a:solidFill>
+                  <a:srgbClr val="FFFFFF"/>
+                </a:solidFill>
+              </a14:hiddenFill>
+            </a:ext>
+            <a:ext uri="{91240B29-F687-4F45-9708-019B960494DF}">
+              <a14:hiddenLine xmlns:a14="http://schemas.microsoft.com/office/drawing/2010/main" w="9525">
+                <a:solidFill>
+                  <a:srgbClr val="000000"/>
+                </a:solidFill>
+                <a:miter lim="800000"/>
+                <a:headEnd/>
+                <a:tailEnd/>
+              </a14:hiddenLine>
+            </a:ext>
+          </a:extLst>
+        </p:spPr>
+      </p:pic>
+      <p:sp>
+        <p:nvSpPr>
+          <p:cNvPr id="30" name="TextBox 16">
+            <a:extLst>
+              <a:ext uri="{FF2B5EF4-FFF2-40B4-BE49-F238E27FC236}">
+                <a16:creationId xmlns:a16="http://schemas.microsoft.com/office/drawing/2014/main" id="{9ECD80DE-7979-C904-2F69-0EAA4FE78779}"/>
+              </a:ext>
+            </a:extLst>
+          </p:cNvPr>
+          <p:cNvSpPr txBox="1">
+            <a:spLocks noChangeArrowheads="1"/>
+          </p:cNvSpPr>
+          <p:nvPr/>
+        </p:nvSpPr>
+        <p:spPr bwMode="auto">
+          <a:xfrm>
+            <a:off x="6537960" y="4800600"/>
+            <a:ext cx="731520" cy="274320"/>
+          </a:xfrm>
+          <a:prstGeom prst="rect">
+            <a:avLst/>
+          </a:prstGeom>
+          <a:noFill/>
+          <a:ln>
+            <a:noFill/>
+          </a:ln>
+          <a:extLst>
+            <a:ext uri="{909E8E84-426E-40DD-AFC4-6F175D3DCCD1}">
+              <a14:hiddenFill xmlns:a14="http://schemas.microsoft.com/office/drawing/2010/main">
+                <a:solidFill>
+                  <a:srgbClr val="FFFFFF"/>
+                </a:solidFill>
+              </a14:hiddenFill>
+            </a:ext>
+            <a:ext uri="{91240B29-F687-4F45-9708-019B960494DF}">
+              <a14:hiddenLine xmlns:a14="http://schemas.microsoft.com/office/drawing/2010/main" w="9525">
+                <a:solidFill>
+                  <a:srgbClr val="000000"/>
+                </a:solidFill>
+                <a:miter lim="800000"/>
+                <a:headEnd/>
+                <a:tailEnd/>
+              </a14:hiddenLine>
+            </a:ext>
+          </a:extLst>
+        </p:spPr>
+        <p:txBody>
+          <a:bodyPr wrap="square" lIns="0" rIns="0">
+            <a:spAutoFit/>
+          </a:bodyPr>
+          <a:lstStyle>
+            <a:lvl1pPr>
+              <a:defRPr>
+                <a:solidFill>
+                  <a:schemeClr val="tx1"/>
+                </a:solidFill>
+                <a:latin typeface="Calibri" panose="020F0502020204030204" pitchFamily="34" charset="0"/>
+              </a:defRPr>
+            </a:lvl1pPr>
+            <a:lvl2pPr marL="742950" indent="-285750">
+              <a:defRPr>
+                <a:solidFill>
+                  <a:schemeClr val="tx1"/>
+                </a:solidFill>
+                <a:latin typeface="Calibri" panose="020F0502020204030204" pitchFamily="34" charset="0"/>
+              </a:defRPr>
+            </a:lvl2pPr>
+            <a:lvl3pPr marL="1143000" indent="-228600">
+              <a:defRPr>
+                <a:solidFill>
+                  <a:schemeClr val="tx1"/>
+                </a:solidFill>
+                <a:latin typeface="Calibri" panose="020F0502020204030204" pitchFamily="34" charset="0"/>
+              </a:defRPr>
+            </a:lvl3pPr>
+            <a:lvl4pPr marL="1600200" indent="-228600">
+              <a:defRPr>
+                <a:solidFill>
+                  <a:schemeClr val="tx1"/>
+                </a:solidFill>
+                <a:latin typeface="Calibri" panose="020F0502020204030204" pitchFamily="34" charset="0"/>
+              </a:defRPr>
+            </a:lvl4pPr>
+            <a:lvl5pPr marL="2057400" indent="-228600">
+              <a:defRPr>
+                <a:solidFill>
+                  <a:schemeClr val="tx1"/>
+                </a:solidFill>
+                <a:latin typeface="Calibri" panose="020F0502020204030204" pitchFamily="34" charset="0"/>
+              </a:defRPr>
+            </a:lvl5pPr>
+            <a:lvl6pPr marL="2514600" indent="-228600" eaLnBrk="0" fontAlgn="base" hangingPunct="0">
+              <a:spcBef>
+                <a:spcPct val="0"/>
+              </a:spcBef>
+              <a:spcAft>
+                <a:spcPct val="0"/>
+              </a:spcAft>
+              <a:defRPr>
+                <a:solidFill>
+                  <a:schemeClr val="tx1"/>
+                </a:solidFill>
+                <a:latin typeface="Calibri" panose="020F0502020204030204" pitchFamily="34" charset="0"/>
+              </a:defRPr>
+            </a:lvl6pPr>
+            <a:lvl7pPr marL="2971800" indent="-228600" eaLnBrk="0" fontAlgn="base" hangingPunct="0">
+              <a:spcBef>
+                <a:spcPct val="0"/>
+              </a:spcBef>
+              <a:spcAft>
+                <a:spcPct val="0"/>
+              </a:spcAft>
+              <a:defRPr>
+                <a:solidFill>
+                  <a:schemeClr val="tx1"/>
+                </a:solidFill>
+                <a:latin typeface="Calibri" panose="020F0502020204030204" pitchFamily="34" charset="0"/>
+              </a:defRPr>
+            </a:lvl7pPr>
+            <a:lvl8pPr marL="3429000" indent="-228600" eaLnBrk="0" fontAlgn="base" hangingPunct="0">
+              <a:spcBef>
+                <a:spcPct val="0"/>
+              </a:spcBef>
+              <a:spcAft>
+                <a:spcPct val="0"/>
+              </a:spcAft>
+              <a:defRPr>
+                <a:solidFill>
+                  <a:schemeClr val="tx1"/>
+                </a:solidFill>
+                <a:latin typeface="Calibri" panose="020F0502020204030204" pitchFamily="34" charset="0"/>
+              </a:defRPr>
+            </a:lvl8pPr>
+            <a:lvl9pPr marL="3886200" indent="-228600" eaLnBrk="0" fontAlgn="base" hangingPunct="0">
+              <a:spcBef>
+                <a:spcPct val="0"/>
+              </a:spcBef>
+              <a:spcAft>
+                <a:spcPct val="0"/>
+              </a:spcAft>
+              <a:defRPr>
+                <a:solidFill>
+                  <a:schemeClr val="tx1"/>
+                </a:solidFill>
+                <a:latin typeface="Calibri" panose="020F0502020204030204" pitchFamily="34" charset="0"/>
+              </a:defRPr>
+            </a:lvl9pPr>
+          </a:lstStyle>
+          <a:p>
+            <a:pPr algn="ctr" eaLnBrk="1" hangingPunct="1"/>
+            <a:r>
+              <a:rPr lang="en-US" altLang="en-US" sz="1100" dirty="0">
+                <a:latin typeface="Arial" panose="020B0604020202020204" pitchFamily="34" charset="0"/>
+                <a:ea typeface="Amazon Ember" panose="020B0603020204020204" pitchFamily="34" charset="0"/>
+                <a:cs typeface="Arial" panose="020B0604020202020204" pitchFamily="34" charset="0"/>
+              </a:rPr>
+              <a:t>Data nodes</a:t>
+            </a:r>
+          </a:p>
+        </p:txBody>
+      </p:sp>
+      <p:sp>
+        <p:nvSpPr>
+          <p:cNvPr id="31" name="TextBox 18">
+            <a:extLst>
+              <a:ext uri="{FF2B5EF4-FFF2-40B4-BE49-F238E27FC236}">
+                <a16:creationId xmlns:a16="http://schemas.microsoft.com/office/drawing/2014/main" id="{3F66B95A-E558-46DD-DA53-6A4CF0F0E946}"/>
+              </a:ext>
+            </a:extLst>
+          </p:cNvPr>
+          <p:cNvSpPr txBox="1">
+            <a:spLocks noChangeArrowheads="1"/>
+          </p:cNvSpPr>
+          <p:nvPr/>
+        </p:nvSpPr>
+        <p:spPr bwMode="auto">
+          <a:xfrm>
+            <a:off x="2057199" y="5550408"/>
+            <a:ext cx="1645920" cy="261610"/>
+          </a:xfrm>
+          <a:prstGeom prst="rect">
+            <a:avLst/>
+          </a:prstGeom>
+          <a:noFill/>
+          <a:ln>
+            <a:noFill/>
+          </a:ln>
+          <a:extLst>
+            <a:ext uri="{909E8E84-426E-40DD-AFC4-6F175D3DCCD1}">
+              <a14:hiddenFill xmlns:a14="http://schemas.microsoft.com/office/drawing/2010/main">
+                <a:solidFill>
+                  <a:srgbClr val="FFFFFF"/>
+                </a:solidFill>
+              </a14:hiddenFill>
+            </a:ext>
+            <a:ext uri="{91240B29-F687-4F45-9708-019B960494DF}">
+              <a14:hiddenLine xmlns:a14="http://schemas.microsoft.com/office/drawing/2010/main" w="9525">
+                <a:solidFill>
+                  <a:srgbClr val="000000"/>
+                </a:solidFill>
+                <a:miter lim="800000"/>
+                <a:headEnd/>
+                <a:tailEnd/>
+              </a14:hiddenLine>
+            </a:ext>
+          </a:extLst>
+        </p:spPr>
+        <p:txBody>
+          <a:bodyPr wrap="square">
+            <a:spAutoFit/>
+          </a:bodyPr>
+          <a:lstStyle>
+            <a:lvl1pPr>
+              <a:defRPr>
+                <a:solidFill>
+                  <a:schemeClr val="tx1"/>
+                </a:solidFill>
+                <a:latin typeface="Calibri" panose="020F0502020204030204" pitchFamily="34" charset="0"/>
+              </a:defRPr>
+            </a:lvl1pPr>
+            <a:lvl2pPr marL="742950" indent="-285750">
+              <a:defRPr>
+                <a:solidFill>
+                  <a:schemeClr val="tx1"/>
+                </a:solidFill>
+                <a:latin typeface="Calibri" panose="020F0502020204030204" pitchFamily="34" charset="0"/>
+              </a:defRPr>
+            </a:lvl2pPr>
+            <a:lvl3pPr marL="1143000" indent="-228600">
+              <a:defRPr>
+                <a:solidFill>
+                  <a:schemeClr val="tx1"/>
+                </a:solidFill>
+                <a:latin typeface="Calibri" panose="020F0502020204030204" pitchFamily="34" charset="0"/>
+              </a:defRPr>
+            </a:lvl3pPr>
+            <a:lvl4pPr marL="1600200" indent="-228600">
+              <a:defRPr>
+                <a:solidFill>
+                  <a:schemeClr val="tx1"/>
+                </a:solidFill>
+                <a:latin typeface="Calibri" panose="020F0502020204030204" pitchFamily="34" charset="0"/>
+              </a:defRPr>
+            </a:lvl4pPr>
+            <a:lvl5pPr marL="2057400" indent="-228600">
+              <a:defRPr>
+                <a:solidFill>
+                  <a:schemeClr val="tx1"/>
+                </a:solidFill>
+                <a:latin typeface="Calibri" panose="020F0502020204030204" pitchFamily="34" charset="0"/>
+              </a:defRPr>
+            </a:lvl5pPr>
+            <a:lvl6pPr marL="2514600" indent="-228600" eaLnBrk="0" fontAlgn="base" hangingPunct="0">
+              <a:spcBef>
+                <a:spcPct val="0"/>
+              </a:spcBef>
+              <a:spcAft>
+                <a:spcPct val="0"/>
+              </a:spcAft>
+              <a:defRPr>
+                <a:solidFill>
+                  <a:schemeClr val="tx1"/>
+                </a:solidFill>
+                <a:latin typeface="Calibri" panose="020F0502020204030204" pitchFamily="34" charset="0"/>
+              </a:defRPr>
+            </a:lvl6pPr>
+            <a:lvl7pPr marL="2971800" indent="-228600" eaLnBrk="0" fontAlgn="base" hangingPunct="0">
+              <a:spcBef>
+                <a:spcPct val="0"/>
+              </a:spcBef>
+              <a:spcAft>
+                <a:spcPct val="0"/>
+              </a:spcAft>
+              <a:defRPr>
+                <a:solidFill>
+                  <a:schemeClr val="tx1"/>
+                </a:solidFill>
+                <a:latin typeface="Calibri" panose="020F0502020204030204" pitchFamily="34" charset="0"/>
+              </a:defRPr>
+            </a:lvl7pPr>
+            <a:lvl8pPr marL="3429000" indent="-228600" eaLnBrk="0" fontAlgn="base" hangingPunct="0">
+              <a:spcBef>
+                <a:spcPct val="0"/>
+              </a:spcBef>
+              <a:spcAft>
+                <a:spcPct val="0"/>
+              </a:spcAft>
+              <a:defRPr>
+                <a:solidFill>
+                  <a:schemeClr val="tx1"/>
+                </a:solidFill>
+                <a:latin typeface="Calibri" panose="020F0502020204030204" pitchFamily="34" charset="0"/>
+              </a:defRPr>
+            </a:lvl8pPr>
+            <a:lvl9pPr marL="3886200" indent="-228600" eaLnBrk="0" fontAlgn="base" hangingPunct="0">
+              <a:spcBef>
+                <a:spcPct val="0"/>
+              </a:spcBef>
+              <a:spcAft>
+                <a:spcPct val="0"/>
+              </a:spcAft>
+              <a:defRPr>
+                <a:solidFill>
+                  <a:schemeClr val="tx1"/>
+                </a:solidFill>
+                <a:latin typeface="Calibri" panose="020F0502020204030204" pitchFamily="34" charset="0"/>
+              </a:defRPr>
+            </a:lvl9pPr>
+          </a:lstStyle>
+          <a:p>
+            <a:pPr algn="ctr" eaLnBrk="1" hangingPunct="1"/>
+            <a:r>
+              <a:rPr lang="en-US" altLang="en-US" sz="1100" dirty="0">
+                <a:latin typeface="Arial" panose="020B0604020202020204" pitchFamily="34" charset="0"/>
+                <a:ea typeface="Amazon Ember" panose="020B0603020204020204" pitchFamily="34" charset="0"/>
+                <a:cs typeface="Arial" panose="020B0604020202020204" pitchFamily="34" charset="0"/>
+              </a:rPr>
+              <a:t>ElastiCache for Redis</a:t>
+            </a:r>
+          </a:p>
+        </p:txBody>
+      </p:sp>
+      <p:pic>
+        <p:nvPicPr>
+          <p:cNvPr id="32" name="Graphic 24">
+            <a:extLst>
+              <a:ext uri="{FF2B5EF4-FFF2-40B4-BE49-F238E27FC236}">
+                <a16:creationId xmlns:a16="http://schemas.microsoft.com/office/drawing/2014/main" id="{B85B84C1-FFAB-6160-092A-B7730A9069BA}"/>
+              </a:ext>
+            </a:extLst>
+          </p:cNvPr>
+          <p:cNvPicPr>
+            <a:picLocks noChangeAspect="1" noChangeArrowheads="1"/>
+          </p:cNvPicPr>
+          <p:nvPr/>
+        </p:nvPicPr>
+        <p:blipFill>
+          <a:blip r:embed="rId17">
+            <a:extLst>
+              <a:ext uri="{28A0092B-C50C-407E-A947-70E740481C1C}">
+                <a14:useLocalDpi xmlns:a14="http://schemas.microsoft.com/office/drawing/2010/main" val="0"/>
+              </a:ext>
+            </a:extLst>
+          </a:blip>
+          <a:srcRect/>
+          <a:stretch>
+            <a:fillRect/>
+          </a:stretch>
+        </p:blipFill>
+        <p:spPr bwMode="auto">
+          <a:xfrm>
+            <a:off x="2697279" y="5136482"/>
+            <a:ext cx="457200" cy="457200"/>
+          </a:xfrm>
+          <a:prstGeom prst="rect">
+            <a:avLst/>
+          </a:prstGeom>
+          <a:noFill/>
+          <a:ln>
+            <a:noFill/>
+          </a:ln>
+          <a:extLst>
+            <a:ext uri="{909E8E84-426E-40DD-AFC4-6F175D3DCCD1}">
+              <a14:hiddenFill xmlns:a14="http://schemas.microsoft.com/office/drawing/2010/main">
+                <a:solidFill>
+                  <a:srgbClr val="FFFFFF"/>
+                </a:solidFill>
+              </a14:hiddenFill>
+            </a:ext>
+            <a:ext uri="{91240B29-F687-4F45-9708-019B960494DF}">
+              <a14:hiddenLine xmlns:a14="http://schemas.microsoft.com/office/drawing/2010/main" w="9525">
+                <a:solidFill>
+                  <a:srgbClr val="000000"/>
+                </a:solidFill>
+                <a:miter lim="800000"/>
+                <a:headEnd/>
+                <a:tailEnd/>
+              </a14:hiddenLine>
+            </a:ext>
+          </a:extLst>
+        </p:spPr>
+      </p:pic>
+      <p:sp>
+        <p:nvSpPr>
+          <p:cNvPr id="33" name="TextBox 18">
+            <a:extLst>
+              <a:ext uri="{FF2B5EF4-FFF2-40B4-BE49-F238E27FC236}">
+                <a16:creationId xmlns:a16="http://schemas.microsoft.com/office/drawing/2014/main" id="{B1FE8E23-1AC0-A7A2-68AF-FC67EFB19FDB}"/>
+              </a:ext>
+            </a:extLst>
+          </p:cNvPr>
+          <p:cNvSpPr txBox="1">
+            <a:spLocks noChangeArrowheads="1"/>
+          </p:cNvSpPr>
+          <p:nvPr/>
+        </p:nvSpPr>
+        <p:spPr bwMode="auto">
+          <a:xfrm>
+            <a:off x="6126480" y="5549185"/>
+            <a:ext cx="1554480" cy="274320"/>
+          </a:xfrm>
+          <a:prstGeom prst="rect">
+            <a:avLst/>
+          </a:prstGeom>
+          <a:noFill/>
+          <a:ln>
+            <a:noFill/>
+          </a:ln>
+          <a:extLst>
+            <a:ext uri="{909E8E84-426E-40DD-AFC4-6F175D3DCCD1}">
+              <a14:hiddenFill xmlns:a14="http://schemas.microsoft.com/office/drawing/2010/main">
+                <a:solidFill>
+                  <a:srgbClr val="FFFFFF"/>
+                </a:solidFill>
+              </a14:hiddenFill>
+            </a:ext>
+            <a:ext uri="{91240B29-F687-4F45-9708-019B960494DF}">
+              <a14:hiddenLine xmlns:a14="http://schemas.microsoft.com/office/drawing/2010/main" w="9525">
+                <a:solidFill>
+                  <a:srgbClr val="000000"/>
+                </a:solidFill>
+                <a:miter lim="800000"/>
+                <a:headEnd/>
+                <a:tailEnd/>
+              </a14:hiddenLine>
+            </a:ext>
+          </a:extLst>
+        </p:spPr>
+        <p:txBody>
+          <a:bodyPr wrap="square">
+            <a:spAutoFit/>
+          </a:bodyPr>
+          <a:lstStyle>
+            <a:lvl1pPr>
+              <a:defRPr>
+                <a:solidFill>
+                  <a:schemeClr val="tx1"/>
+                </a:solidFill>
+                <a:latin typeface="Calibri" panose="020F0502020204030204" pitchFamily="34" charset="0"/>
+              </a:defRPr>
+            </a:lvl1pPr>
+            <a:lvl2pPr marL="742950" indent="-285750">
+              <a:defRPr>
+                <a:solidFill>
+                  <a:schemeClr val="tx1"/>
+                </a:solidFill>
+                <a:latin typeface="Calibri" panose="020F0502020204030204" pitchFamily="34" charset="0"/>
+              </a:defRPr>
+            </a:lvl2pPr>
+            <a:lvl3pPr marL="1143000" indent="-228600">
+              <a:defRPr>
+                <a:solidFill>
+                  <a:schemeClr val="tx1"/>
+                </a:solidFill>
+                <a:latin typeface="Calibri" panose="020F0502020204030204" pitchFamily="34" charset="0"/>
+              </a:defRPr>
+            </a:lvl3pPr>
+            <a:lvl4pPr marL="1600200" indent="-228600">
+              <a:defRPr>
+                <a:solidFill>
+                  <a:schemeClr val="tx1"/>
+                </a:solidFill>
+                <a:latin typeface="Calibri" panose="020F0502020204030204" pitchFamily="34" charset="0"/>
+              </a:defRPr>
+            </a:lvl4pPr>
+            <a:lvl5pPr marL="2057400" indent="-228600">
+              <a:defRPr>
+                <a:solidFill>
+                  <a:schemeClr val="tx1"/>
+                </a:solidFill>
+                <a:latin typeface="Calibri" panose="020F0502020204030204" pitchFamily="34" charset="0"/>
+              </a:defRPr>
+            </a:lvl5pPr>
+            <a:lvl6pPr marL="2514600" indent="-228600" eaLnBrk="0" fontAlgn="base" hangingPunct="0">
+              <a:spcBef>
+                <a:spcPct val="0"/>
+              </a:spcBef>
+              <a:spcAft>
+                <a:spcPct val="0"/>
+              </a:spcAft>
+              <a:defRPr>
+                <a:solidFill>
+                  <a:schemeClr val="tx1"/>
+                </a:solidFill>
+                <a:latin typeface="Calibri" panose="020F0502020204030204" pitchFamily="34" charset="0"/>
+              </a:defRPr>
+            </a:lvl6pPr>
+            <a:lvl7pPr marL="2971800" indent="-228600" eaLnBrk="0" fontAlgn="base" hangingPunct="0">
+              <a:spcBef>
+                <a:spcPct val="0"/>
+              </a:spcBef>
+              <a:spcAft>
+                <a:spcPct val="0"/>
+              </a:spcAft>
+              <a:defRPr>
+                <a:solidFill>
+                  <a:schemeClr val="tx1"/>
+                </a:solidFill>
+                <a:latin typeface="Calibri" panose="020F0502020204030204" pitchFamily="34" charset="0"/>
+              </a:defRPr>
+            </a:lvl7pPr>
+            <a:lvl8pPr marL="3429000" indent="-228600" eaLnBrk="0" fontAlgn="base" hangingPunct="0">
+              <a:spcBef>
+                <a:spcPct val="0"/>
+              </a:spcBef>
+              <a:spcAft>
+                <a:spcPct val="0"/>
+              </a:spcAft>
+              <a:defRPr>
+                <a:solidFill>
+                  <a:schemeClr val="tx1"/>
+                </a:solidFill>
+                <a:latin typeface="Calibri" panose="020F0502020204030204" pitchFamily="34" charset="0"/>
+              </a:defRPr>
+            </a:lvl8pPr>
+            <a:lvl9pPr marL="3886200" indent="-228600" eaLnBrk="0" fontAlgn="base" hangingPunct="0">
+              <a:spcBef>
+                <a:spcPct val="0"/>
+              </a:spcBef>
+              <a:spcAft>
+                <a:spcPct val="0"/>
+              </a:spcAft>
+              <a:defRPr>
+                <a:solidFill>
+                  <a:schemeClr val="tx1"/>
+                </a:solidFill>
+                <a:latin typeface="Calibri" panose="020F0502020204030204" pitchFamily="34" charset="0"/>
+              </a:defRPr>
+            </a:lvl9pPr>
+          </a:lstStyle>
+          <a:p>
+            <a:pPr algn="ctr" eaLnBrk="1" hangingPunct="1"/>
+            <a:r>
+              <a:rPr lang="en-US" altLang="en-US" sz="1100" dirty="0">
+                <a:latin typeface="Arial" panose="020B0604020202020204" pitchFamily="34" charset="0"/>
+                <a:ea typeface="Amazon Ember" panose="020B0603020204020204" pitchFamily="34" charset="0"/>
+                <a:cs typeface="Arial" panose="020B0604020202020204" pitchFamily="34" charset="0"/>
+              </a:rPr>
+              <a:t>ElastiCache for Redis</a:t>
+            </a:r>
+          </a:p>
+        </p:txBody>
+      </p:sp>
+      <p:pic>
+        <p:nvPicPr>
+          <p:cNvPr id="34" name="Graphic 24">
+            <a:extLst>
+              <a:ext uri="{FF2B5EF4-FFF2-40B4-BE49-F238E27FC236}">
+                <a16:creationId xmlns:a16="http://schemas.microsoft.com/office/drawing/2014/main" id="{BD3947F1-0891-B543-30B9-C815B9065987}"/>
+              </a:ext>
+            </a:extLst>
+          </p:cNvPr>
+          <p:cNvPicPr>
+            <a:picLocks noChangeAspect="1" noChangeArrowheads="1"/>
+          </p:cNvPicPr>
+          <p:nvPr/>
+        </p:nvPicPr>
+        <p:blipFill>
+          <a:blip r:embed="rId17">
+            <a:extLst>
+              <a:ext uri="{28A0092B-C50C-407E-A947-70E740481C1C}">
+                <a14:useLocalDpi xmlns:a14="http://schemas.microsoft.com/office/drawing/2010/main" val="0"/>
+              </a:ext>
+            </a:extLst>
+          </a:blip>
+          <a:srcRect/>
+          <a:stretch>
+            <a:fillRect/>
+          </a:stretch>
+        </p:blipFill>
+        <p:spPr bwMode="auto">
+          <a:xfrm>
+            <a:off x="6675120" y="5136482"/>
+            <a:ext cx="457200" cy="457200"/>
+          </a:xfrm>
+          <a:prstGeom prst="rect">
+            <a:avLst/>
+          </a:prstGeom>
+          <a:noFill/>
+          <a:ln>
+            <a:noFill/>
+          </a:ln>
+          <a:extLst>
+            <a:ext uri="{909E8E84-426E-40DD-AFC4-6F175D3DCCD1}">
+              <a14:hiddenFill xmlns:a14="http://schemas.microsoft.com/office/drawing/2010/main">
+                <a:solidFill>
+                  <a:srgbClr val="FFFFFF"/>
+                </a:solidFill>
+              </a14:hiddenFill>
+            </a:ext>
+            <a:ext uri="{91240B29-F687-4F45-9708-019B960494DF}">
+              <a14:hiddenLine xmlns:a14="http://schemas.microsoft.com/office/drawing/2010/main" w="9525">
+                <a:solidFill>
+                  <a:srgbClr val="000000"/>
+                </a:solidFill>
+                <a:miter lim="800000"/>
+                <a:headEnd/>
+                <a:tailEnd/>
+              </a14:hiddenLine>
+            </a:ext>
+          </a:extLst>
+        </p:spPr>
+      </p:pic>
+      <p:cxnSp>
+        <p:nvCxnSpPr>
+          <p:cNvPr id="43" name="Straight Arrow Connector 42">
+            <a:extLst>
+              <a:ext uri="{FF2B5EF4-FFF2-40B4-BE49-F238E27FC236}">
+                <a16:creationId xmlns:a16="http://schemas.microsoft.com/office/drawing/2014/main" id="{1879B0AB-1E79-8BA6-C9D0-73DCC9BE6515}"/>
+              </a:ext>
+            </a:extLst>
+          </p:cNvPr>
+          <p:cNvCxnSpPr>
+            <a:cxnSpLocks/>
+            <a:stCxn id="32" idx="3"/>
+            <a:endCxn id="34" idx="1"/>
+          </p:cNvCxnSpPr>
+          <p:nvPr/>
+        </p:nvCxnSpPr>
+        <p:spPr>
+          <a:xfrm>
+            <a:off x="3154479" y="5365082"/>
+            <a:ext cx="3520641" cy="0"/>
+          </a:xfrm>
+          <a:prstGeom prst="straightConnector1">
+            <a:avLst/>
+          </a:prstGeom>
+          <a:ln w="12700">
+            <a:solidFill>
+              <a:srgbClr val="545B64"/>
+            </a:solidFill>
+            <a:headEnd type="none" w="med" len="sm"/>
+            <a:tailEnd type="arrow" w="med" len="sm"/>
+          </a:ln>
+        </p:spPr>
+        <p:style>
+          <a:lnRef idx="1">
+            <a:schemeClr val="accent1"/>
+          </a:lnRef>
+          <a:fillRef idx="0">
+            <a:schemeClr val="accent1"/>
+          </a:fillRef>
+          <a:effectRef idx="0">
+            <a:schemeClr val="accent1"/>
+          </a:effectRef>
+          <a:fontRef idx="minor">
+            <a:schemeClr val="tx1"/>
+          </a:fontRef>
+        </p:style>
+      </p:cxnSp>
+      <p:sp>
+        <p:nvSpPr>
+          <p:cNvPr id="45" name="TextBox 22">
+            <a:extLst>
+              <a:ext uri="{FF2B5EF4-FFF2-40B4-BE49-F238E27FC236}">
+                <a16:creationId xmlns:a16="http://schemas.microsoft.com/office/drawing/2014/main" id="{61213B28-9E6A-ACBF-3CFB-4F9B10AF8175}"/>
+              </a:ext>
+            </a:extLst>
+          </p:cNvPr>
+          <p:cNvSpPr txBox="1">
+            <a:spLocks noChangeArrowheads="1"/>
+          </p:cNvSpPr>
+          <p:nvPr/>
+        </p:nvSpPr>
+        <p:spPr bwMode="auto">
+          <a:xfrm>
+            <a:off x="4068878" y="4005072"/>
+            <a:ext cx="1645920" cy="261610"/>
+          </a:xfrm>
+          <a:prstGeom prst="rect">
+            <a:avLst/>
+          </a:prstGeom>
+          <a:noFill/>
+          <a:ln>
+            <a:noFill/>
+          </a:ln>
+          <a:extLst>
+            <a:ext uri="{909E8E84-426E-40DD-AFC4-6F175D3DCCD1}">
+              <a14:hiddenFill xmlns:a14="http://schemas.microsoft.com/office/drawing/2010/main">
+                <a:solidFill>
+                  <a:srgbClr val="FFFFFF"/>
+                </a:solidFill>
+              </a14:hiddenFill>
+            </a:ext>
+            <a:ext uri="{91240B29-F687-4F45-9708-019B960494DF}">
+              <a14:hiddenLine xmlns:a14="http://schemas.microsoft.com/office/drawing/2010/main" w="9525">
+                <a:solidFill>
+                  <a:srgbClr val="000000"/>
+                </a:solidFill>
+                <a:miter lim="800000"/>
+                <a:headEnd/>
+                <a:tailEnd/>
+              </a14:hiddenLine>
+            </a:ext>
+          </a:extLst>
+        </p:spPr>
+        <p:txBody>
+          <a:bodyPr wrap="square">
+            <a:spAutoFit/>
+          </a:bodyPr>
+          <a:lstStyle>
+            <a:lvl1pPr>
+              <a:defRPr>
+                <a:solidFill>
+                  <a:schemeClr val="tx1"/>
+                </a:solidFill>
+                <a:latin typeface="Calibri" panose="020F0502020204030204" pitchFamily="34" charset="0"/>
+              </a:defRPr>
+            </a:lvl1pPr>
+            <a:lvl2pPr marL="742950" indent="-285750">
+              <a:defRPr>
+                <a:solidFill>
+                  <a:schemeClr val="tx1"/>
+                </a:solidFill>
+                <a:latin typeface="Calibri" panose="020F0502020204030204" pitchFamily="34" charset="0"/>
+              </a:defRPr>
+            </a:lvl2pPr>
+            <a:lvl3pPr marL="1143000" indent="-228600">
+              <a:defRPr>
+                <a:solidFill>
+                  <a:schemeClr val="tx1"/>
+                </a:solidFill>
+                <a:latin typeface="Calibri" panose="020F0502020204030204" pitchFamily="34" charset="0"/>
+              </a:defRPr>
+            </a:lvl3pPr>
+            <a:lvl4pPr marL="1600200" indent="-228600">
+              <a:defRPr>
+                <a:solidFill>
+                  <a:schemeClr val="tx1"/>
+                </a:solidFill>
+                <a:latin typeface="Calibri" panose="020F0502020204030204" pitchFamily="34" charset="0"/>
+              </a:defRPr>
+            </a:lvl4pPr>
+            <a:lvl5pPr marL="2057400" indent="-228600">
+              <a:defRPr>
+                <a:solidFill>
+                  <a:schemeClr val="tx1"/>
+                </a:solidFill>
+                <a:latin typeface="Calibri" panose="020F0502020204030204" pitchFamily="34" charset="0"/>
+              </a:defRPr>
+            </a:lvl5pPr>
+            <a:lvl6pPr marL="2514600" indent="-228600" eaLnBrk="0" fontAlgn="base" hangingPunct="0">
+              <a:spcBef>
+                <a:spcPct val="0"/>
+              </a:spcBef>
+              <a:spcAft>
+                <a:spcPct val="0"/>
+              </a:spcAft>
+              <a:defRPr>
+                <a:solidFill>
+                  <a:schemeClr val="tx1"/>
+                </a:solidFill>
+                <a:latin typeface="Calibri" panose="020F0502020204030204" pitchFamily="34" charset="0"/>
+              </a:defRPr>
+            </a:lvl6pPr>
+            <a:lvl7pPr marL="2971800" indent="-228600" eaLnBrk="0" fontAlgn="base" hangingPunct="0">
+              <a:spcBef>
+                <a:spcPct val="0"/>
+              </a:spcBef>
+              <a:spcAft>
+                <a:spcPct val="0"/>
+              </a:spcAft>
+              <a:defRPr>
+                <a:solidFill>
+                  <a:schemeClr val="tx1"/>
+                </a:solidFill>
+                <a:latin typeface="Calibri" panose="020F0502020204030204" pitchFamily="34" charset="0"/>
+              </a:defRPr>
+            </a:lvl7pPr>
+            <a:lvl8pPr marL="3429000" indent="-228600" eaLnBrk="0" fontAlgn="base" hangingPunct="0">
+              <a:spcBef>
+                <a:spcPct val="0"/>
+              </a:spcBef>
+              <a:spcAft>
+                <a:spcPct val="0"/>
+              </a:spcAft>
+              <a:defRPr>
+                <a:solidFill>
+                  <a:schemeClr val="tx1"/>
+                </a:solidFill>
+                <a:latin typeface="Calibri" panose="020F0502020204030204" pitchFamily="34" charset="0"/>
+              </a:defRPr>
+            </a:lvl8pPr>
+            <a:lvl9pPr marL="3886200" indent="-228600" eaLnBrk="0" fontAlgn="base" hangingPunct="0">
+              <a:spcBef>
+                <a:spcPct val="0"/>
+              </a:spcBef>
+              <a:spcAft>
+                <a:spcPct val="0"/>
+              </a:spcAft>
+              <a:defRPr>
+                <a:solidFill>
+                  <a:schemeClr val="tx1"/>
+                </a:solidFill>
+                <a:latin typeface="Calibri" panose="020F0502020204030204" pitchFamily="34" charset="0"/>
+              </a:defRPr>
+            </a:lvl9pPr>
+          </a:lstStyle>
+          <a:p>
+            <a:pPr algn="ctr" eaLnBrk="1" hangingPunct="1"/>
+            <a:r>
+              <a:rPr lang="en-US" altLang="en-US" sz="1100" dirty="0">
+                <a:latin typeface="Arial" panose="020B0604020202020204" pitchFamily="34" charset="0"/>
+                <a:ea typeface="Amazon Ember" panose="020B0603020204020204" pitchFamily="34" charset="0"/>
+                <a:cs typeface="Arial" panose="020B0604020202020204" pitchFamily="34" charset="0"/>
+              </a:rPr>
+              <a:t>Network Load Balancer</a:t>
+            </a:r>
+          </a:p>
+        </p:txBody>
+      </p:sp>
+      <p:pic>
+        <p:nvPicPr>
+          <p:cNvPr id="46" name="Graphic 24">
+            <a:extLst>
+              <a:ext uri="{FF2B5EF4-FFF2-40B4-BE49-F238E27FC236}">
+                <a16:creationId xmlns:a16="http://schemas.microsoft.com/office/drawing/2014/main" id="{818F2F54-5B21-048C-EDD0-E37D3D97D3E0}"/>
+              </a:ext>
+            </a:extLst>
+          </p:cNvPr>
+          <p:cNvPicPr>
+            <a:picLocks noChangeAspect="1" noChangeArrowheads="1"/>
+          </p:cNvPicPr>
+          <p:nvPr/>
+        </p:nvPicPr>
+        <p:blipFill>
+          <a:blip r:embed="rId18">
+            <a:extLst>
+              <a:ext uri="{28A0092B-C50C-407E-A947-70E740481C1C}">
+                <a14:useLocalDpi xmlns:a14="http://schemas.microsoft.com/office/drawing/2010/main" val="0"/>
+              </a:ext>
+            </a:extLst>
+          </a:blip>
+          <a:srcRect/>
+          <a:stretch>
+            <a:fillRect/>
+          </a:stretch>
+        </p:blipFill>
+        <p:spPr bwMode="auto">
+          <a:xfrm>
+            <a:off x="4663239" y="3566160"/>
+            <a:ext cx="457200" cy="457200"/>
+          </a:xfrm>
+          <a:prstGeom prst="rect">
+            <a:avLst/>
+          </a:prstGeom>
+          <a:noFill/>
+          <a:ln>
+            <a:noFill/>
+          </a:ln>
+          <a:extLst>
+            <a:ext uri="{909E8E84-426E-40DD-AFC4-6F175D3DCCD1}">
+              <a14:hiddenFill xmlns:a14="http://schemas.microsoft.com/office/drawing/2010/main">
+                <a:solidFill>
+                  <a:srgbClr val="FFFFFF"/>
+                </a:solidFill>
+              </a14:hiddenFill>
+            </a:ext>
+            <a:ext uri="{91240B29-F687-4F45-9708-019B960494DF}">
+              <a14:hiddenLine xmlns:a14="http://schemas.microsoft.com/office/drawing/2010/main" w="9525">
+                <a:solidFill>
+                  <a:srgbClr val="000000"/>
+                </a:solidFill>
+                <a:miter lim="800000"/>
+                <a:headEnd/>
+                <a:tailEnd/>
+              </a14:hiddenLine>
+            </a:ext>
+          </a:extLst>
+        </p:spPr>
+      </p:pic>
+      <p:sp>
+        <p:nvSpPr>
+          <p:cNvPr id="50" name="Rectangle 49">
+            <a:extLst>
+              <a:ext uri="{FF2B5EF4-FFF2-40B4-BE49-F238E27FC236}">
+                <a16:creationId xmlns:a16="http://schemas.microsoft.com/office/drawing/2014/main" id="{8FA624E8-5A7E-4B3F-AC2F-1E24C55FB105}"/>
+              </a:ext>
+            </a:extLst>
+          </p:cNvPr>
+          <p:cNvSpPr/>
+          <p:nvPr/>
+        </p:nvSpPr>
+        <p:spPr>
+          <a:xfrm>
+            <a:off x="2422959" y="2651760"/>
+            <a:ext cx="4983480" cy="731520"/>
+          </a:xfrm>
+          <a:prstGeom prst="rect">
+            <a:avLst/>
+          </a:prstGeom>
+          <a:noFill/>
+          <a:ln w="12700">
+            <a:solidFill>
+              <a:srgbClr val="D86613"/>
+            </a:solidFill>
+            <a:prstDash val="dash"/>
+          </a:ln>
+        </p:spPr>
+        <p:style>
+          <a:lnRef idx="2">
+            <a:schemeClr val="accent1">
+              <a:shade val="50000"/>
+            </a:schemeClr>
+          </a:lnRef>
+          <a:fillRef idx="1">
+            <a:schemeClr val="accent1"/>
+          </a:fillRef>
+          <a:effectRef idx="0">
+            <a:schemeClr val="accent1"/>
+          </a:effectRef>
+          <a:fontRef idx="minor">
+            <a:schemeClr val="lt1"/>
+          </a:fontRef>
+        </p:style>
+        <p:txBody>
+          <a:bodyPr tIns="91440"/>
+          <a:lstStyle/>
+          <a:p>
+            <a:pPr algn="ctr" eaLnBrk="1" fontAlgn="auto" hangingPunct="1">
+              <a:spcBef>
+                <a:spcPts val="0"/>
+              </a:spcBef>
+              <a:spcAft>
+                <a:spcPts val="0"/>
+              </a:spcAft>
+              <a:defRPr/>
+            </a:pPr>
+            <a:endParaRPr lang="en-US" sz="1200" dirty="0">
+              <a:solidFill>
+                <a:srgbClr val="D86613"/>
+              </a:solidFill>
+              <a:latin typeface="Arial" panose="020B0604020202020204" pitchFamily="34" charset="0"/>
+              <a:cs typeface="Arial" panose="020B0604020202020204" pitchFamily="34" charset="0"/>
+            </a:endParaRPr>
+          </a:p>
+          <a:p>
+            <a:pPr algn="ctr" eaLnBrk="1" fontAlgn="auto" hangingPunct="1">
+              <a:spcBef>
+                <a:spcPts val="0"/>
+              </a:spcBef>
+              <a:spcAft>
+                <a:spcPts val="0"/>
+              </a:spcAft>
+              <a:defRPr/>
+            </a:pPr>
+            <a:endParaRPr lang="en-US" sz="1200" dirty="0">
+              <a:solidFill>
+                <a:srgbClr val="D86613"/>
+              </a:solidFill>
+              <a:latin typeface="Arial" panose="020B0604020202020204" pitchFamily="34" charset="0"/>
+              <a:cs typeface="Arial" panose="020B0604020202020204" pitchFamily="34" charset="0"/>
+            </a:endParaRPr>
+          </a:p>
+          <a:p>
+            <a:pPr algn="ctr" eaLnBrk="1" fontAlgn="auto" hangingPunct="1">
+              <a:spcBef>
+                <a:spcPts val="0"/>
+              </a:spcBef>
+              <a:spcAft>
+                <a:spcPts val="0"/>
+              </a:spcAft>
+              <a:defRPr/>
+            </a:pPr>
+            <a:r>
+              <a:rPr lang="en-US" sz="1200" dirty="0">
+                <a:solidFill>
+                  <a:srgbClr val="D86613"/>
+                </a:solidFill>
+                <a:latin typeface="Arial" panose="020B0604020202020204" pitchFamily="34" charset="0"/>
+                <a:cs typeface="Arial" panose="020B0604020202020204" pitchFamily="34" charset="0"/>
+              </a:rPr>
+              <a:t>Auto Scaling group</a:t>
+            </a:r>
+          </a:p>
+        </p:txBody>
+      </p:sp>
+      <p:sp>
+        <p:nvSpPr>
+          <p:cNvPr id="51" name="Rectangle 50">
+            <a:extLst>
+              <a:ext uri="{FF2B5EF4-FFF2-40B4-BE49-F238E27FC236}">
+                <a16:creationId xmlns:a16="http://schemas.microsoft.com/office/drawing/2014/main" id="{B79F8427-3A56-4D02-AD0B-DA2BC6FB569D}"/>
+              </a:ext>
+            </a:extLst>
+          </p:cNvPr>
+          <p:cNvSpPr/>
+          <p:nvPr/>
+        </p:nvSpPr>
+        <p:spPr>
+          <a:xfrm>
+            <a:off x="2422959" y="4297680"/>
+            <a:ext cx="4983480" cy="731520"/>
+          </a:xfrm>
+          <a:prstGeom prst="rect">
+            <a:avLst/>
+          </a:prstGeom>
+          <a:noFill/>
+          <a:ln w="12700">
+            <a:solidFill>
+              <a:srgbClr val="D86613"/>
+            </a:solidFill>
+            <a:prstDash val="dash"/>
+          </a:ln>
+        </p:spPr>
+        <p:style>
+          <a:lnRef idx="2">
+            <a:schemeClr val="accent1">
+              <a:shade val="50000"/>
+            </a:schemeClr>
+          </a:lnRef>
+          <a:fillRef idx="1">
+            <a:schemeClr val="accent1"/>
+          </a:fillRef>
+          <a:effectRef idx="0">
+            <a:schemeClr val="accent1"/>
+          </a:effectRef>
+          <a:fontRef idx="minor">
+            <a:schemeClr val="lt1"/>
+          </a:fontRef>
+        </p:style>
+        <p:txBody>
+          <a:bodyPr tIns="91440"/>
+          <a:lstStyle/>
+          <a:p>
+            <a:pPr algn="ctr" eaLnBrk="1" fontAlgn="auto" hangingPunct="1">
+              <a:spcBef>
+                <a:spcPts val="0"/>
+              </a:spcBef>
+              <a:spcAft>
+                <a:spcPts val="0"/>
+              </a:spcAft>
+              <a:defRPr/>
+            </a:pPr>
+            <a:endParaRPr lang="en-US" sz="1200" dirty="0">
+              <a:solidFill>
+                <a:srgbClr val="D86613"/>
+              </a:solidFill>
+              <a:latin typeface="Arial" panose="020B0604020202020204" pitchFamily="34" charset="0"/>
+              <a:cs typeface="Arial" panose="020B0604020202020204" pitchFamily="34" charset="0"/>
+            </a:endParaRPr>
+          </a:p>
+          <a:p>
+            <a:pPr algn="ctr" eaLnBrk="1" fontAlgn="auto" hangingPunct="1">
+              <a:spcBef>
+                <a:spcPts val="0"/>
+              </a:spcBef>
+              <a:spcAft>
+                <a:spcPts val="0"/>
+              </a:spcAft>
+              <a:defRPr/>
+            </a:pPr>
+            <a:endParaRPr lang="en-US" sz="1200" dirty="0">
+              <a:solidFill>
+                <a:srgbClr val="D86613"/>
+              </a:solidFill>
+              <a:latin typeface="Arial" panose="020B0604020202020204" pitchFamily="34" charset="0"/>
+              <a:cs typeface="Arial" panose="020B0604020202020204" pitchFamily="34" charset="0"/>
+            </a:endParaRPr>
+          </a:p>
+          <a:p>
+            <a:pPr algn="ctr" eaLnBrk="1" fontAlgn="auto" hangingPunct="1">
+              <a:spcBef>
+                <a:spcPts val="0"/>
+              </a:spcBef>
+              <a:spcAft>
+                <a:spcPts val="0"/>
+              </a:spcAft>
+              <a:defRPr/>
+            </a:pPr>
+            <a:r>
+              <a:rPr lang="en-US" sz="1200" dirty="0">
+                <a:solidFill>
+                  <a:srgbClr val="D86613"/>
+                </a:solidFill>
+                <a:latin typeface="Arial" panose="020B0604020202020204" pitchFamily="34" charset="0"/>
+                <a:cs typeface="Arial" panose="020B0604020202020204" pitchFamily="34" charset="0"/>
+              </a:rPr>
+              <a:t>Auto Scaling group</a:t>
+            </a:r>
+          </a:p>
+        </p:txBody>
+      </p:sp>
     </p:spTree>
     <p:extLst>
       <p:ext uri="{BB962C8B-B14F-4D97-AF65-F5344CB8AC3E}">
